--- a/ThesisDoc/IOSharp2.pptx
+++ b/ThesisDoc/IOSharp2.pptx
@@ -5,34 +5,37 @@
     <p:sldMasterId id="2147483821" r:id="rId1"/>
   </p:sldMasterIdLst>
   <p:notesMasterIdLst>
-    <p:notesMasterId r:id="rId27"/>
+    <p:notesMasterId r:id="rId30"/>
   </p:notesMasterIdLst>
   <p:sldIdLst>
     <p:sldId id="256" r:id="rId2"/>
     <p:sldId id="257" r:id="rId3"/>
     <p:sldId id="258" r:id="rId4"/>
-    <p:sldId id="285" r:id="rId5"/>
-    <p:sldId id="260" r:id="rId6"/>
-    <p:sldId id="261" r:id="rId7"/>
-    <p:sldId id="272" r:id="rId8"/>
-    <p:sldId id="262" r:id="rId9"/>
-    <p:sldId id="273" r:id="rId10"/>
-    <p:sldId id="263" r:id="rId11"/>
-    <p:sldId id="264" r:id="rId12"/>
-    <p:sldId id="274" r:id="rId13"/>
-    <p:sldId id="265" r:id="rId14"/>
-    <p:sldId id="286" r:id="rId15"/>
-    <p:sldId id="280" r:id="rId16"/>
-    <p:sldId id="281" r:id="rId17"/>
-    <p:sldId id="275" r:id="rId18"/>
-    <p:sldId id="267" r:id="rId19"/>
-    <p:sldId id="268" r:id="rId20"/>
-    <p:sldId id="269" r:id="rId21"/>
-    <p:sldId id="277" r:id="rId22"/>
-    <p:sldId id="282" r:id="rId23"/>
-    <p:sldId id="283" r:id="rId24"/>
-    <p:sldId id="271" r:id="rId25"/>
-    <p:sldId id="284" r:id="rId26"/>
+    <p:sldId id="288" r:id="rId5"/>
+    <p:sldId id="285" r:id="rId6"/>
+    <p:sldId id="289" r:id="rId7"/>
+    <p:sldId id="260" r:id="rId8"/>
+    <p:sldId id="261" r:id="rId9"/>
+    <p:sldId id="272" r:id="rId10"/>
+    <p:sldId id="287" r:id="rId11"/>
+    <p:sldId id="262" r:id="rId12"/>
+    <p:sldId id="273" r:id="rId13"/>
+    <p:sldId id="263" r:id="rId14"/>
+    <p:sldId id="264" r:id="rId15"/>
+    <p:sldId id="274" r:id="rId16"/>
+    <p:sldId id="265" r:id="rId17"/>
+    <p:sldId id="286" r:id="rId18"/>
+    <p:sldId id="280" r:id="rId19"/>
+    <p:sldId id="281" r:id="rId20"/>
+    <p:sldId id="275" r:id="rId21"/>
+    <p:sldId id="267" r:id="rId22"/>
+    <p:sldId id="269" r:id="rId23"/>
+    <p:sldId id="268" r:id="rId24"/>
+    <p:sldId id="290" r:id="rId25"/>
+    <p:sldId id="277" r:id="rId26"/>
+    <p:sldId id="282" r:id="rId27"/>
+    <p:sldId id="271" r:id="rId28"/>
+    <p:sldId id="284" r:id="rId29"/>
   </p:sldIdLst>
   <p:sldSz cx="9144000" cy="6858000" type="screen4x3"/>
   <p:notesSz cx="6858000" cy="9144000"/>
@@ -232,7 +235,7 @@
           <a:p>
             <a:fld id="{7372D0EB-124A-4188-9A04-F78DFD96931D}" type="datetimeFigureOut">
               <a:rPr lang="en-US" smtClean="0"/>
-              <a:t>2/11/2014</a:t>
+              <a:t>2/13/2014</a:t>
             </a:fld>
             <a:endParaRPr lang="en-US"/>
           </a:p>
@@ -733,91 +736,7 @@
           <a:p>
             <a:fld id="{0353FF77-1486-40B6-B94E-C1E50A1A5E63}" type="slidenum">
               <a:rPr lang="en-US" smtClean="0"/>
-              <a:t>23</a:t>
-            </a:fld>
-            <a:endParaRPr lang="en-US"/>
-          </a:p>
-        </p:txBody>
-      </p:sp>
-    </p:spTree>
-    <p:extLst>
-      <p:ext uri="{BB962C8B-B14F-4D97-AF65-F5344CB8AC3E}">
-        <p14:creationId xmlns:p14="http://schemas.microsoft.com/office/powerpoint/2010/main" val="3828308228"/>
-      </p:ext>
-    </p:extLst>
-  </p:cSld>
-  <p:clrMapOvr>
-    <a:masterClrMapping/>
-  </p:clrMapOvr>
-</p:notes>
-</file>
-
-<file path=ppt/notesSlides/notesSlide4.xml><?xml version="1.0" encoding="utf-8"?>
-<p:notes xmlns:a="http://schemas.openxmlformats.org/drawingml/2006/main" xmlns:r="http://schemas.openxmlformats.org/officeDocument/2006/relationships" xmlns:p="http://schemas.openxmlformats.org/presentationml/2006/main">
-  <p:cSld>
-    <p:spTree>
-      <p:nvGrpSpPr>
-        <p:cNvPr id="1" name=""/>
-        <p:cNvGrpSpPr/>
-        <p:nvPr/>
-      </p:nvGrpSpPr>
-      <p:grpSpPr>
-        <a:xfrm>
-          <a:off x="0" y="0"/>
-          <a:ext cx="0" cy="0"/>
-          <a:chOff x="0" y="0"/>
-          <a:chExt cx="0" cy="0"/>
-        </a:xfrm>
-      </p:grpSpPr>
-      <p:sp>
-        <p:nvSpPr>
-          <p:cNvPr id="2" name="Marcador de imagen de diapositiva 1"/>
-          <p:cNvSpPr>
-            <a:spLocks noGrp="1" noRot="1" noChangeAspect="1"/>
-          </p:cNvSpPr>
-          <p:nvPr>
-            <p:ph type="sldImg"/>
-          </p:nvPr>
-        </p:nvSpPr>
-        <p:spPr/>
-      </p:sp>
-      <p:sp>
-        <p:nvSpPr>
-          <p:cNvPr id="3" name="Marcador de notas 2"/>
-          <p:cNvSpPr>
-            <a:spLocks noGrp="1"/>
-          </p:cNvSpPr>
-          <p:nvPr>
-            <p:ph type="body" idx="1"/>
-          </p:nvPr>
-        </p:nvSpPr>
-        <p:spPr/>
-        <p:txBody>
-          <a:bodyPr/>
-          <a:lstStyle/>
-          <a:p>
-            <a:endParaRPr lang="en-US" dirty="0"/>
-          </a:p>
-        </p:txBody>
-      </p:sp>
-      <p:sp>
-        <p:nvSpPr>
-          <p:cNvPr id="4" name="Marcador de número de diapositiva 3"/>
-          <p:cNvSpPr>
-            <a:spLocks noGrp="1"/>
-          </p:cNvSpPr>
-          <p:nvPr>
-            <p:ph type="sldNum" sz="quarter" idx="10"/>
-          </p:nvPr>
-        </p:nvSpPr>
-        <p:spPr/>
-        <p:txBody>
-          <a:bodyPr/>
-          <a:lstStyle/>
-          <a:p>
-            <a:fld id="{0353FF77-1486-40B6-B94E-C1E50A1A5E63}" type="slidenum">
-              <a:rPr lang="en-US" smtClean="0"/>
-              <a:t>24</a:t>
+              <a:t>27</a:t>
             </a:fld>
             <a:endParaRPr lang="en-US"/>
           </a:p>
@@ -1054,7 +973,7 @@
           <a:p>
             <a:fld id="{9D3E2F9D-38DA-4D6F-8E02-326E69AF2943}" type="datetime1">
               <a:rPr lang="es-ES" smtClean="0"/>
-              <a:t>11/02/2014</a:t>
+              <a:t>13/02/2014</a:t>
             </a:fld>
             <a:endParaRPr lang="es-ES" dirty="0"/>
           </a:p>
@@ -1298,7 +1217,7 @@
           <a:p>
             <a:fld id="{A66FE1B6-4F57-4445-A278-A5087723B883}" type="datetime1">
               <a:rPr lang="es-ES" smtClean="0"/>
-              <a:t>11/02/2014</a:t>
+              <a:t>13/02/2014</a:t>
             </a:fld>
             <a:endParaRPr lang="es-ES"/>
           </a:p>
@@ -1320,10 +1239,22 @@
           <a:lstStyle/>
           <a:p>
             <a:r>
-              <a:rPr lang="es-ES" smtClean="0"/>
-              <a:t>IOSharp: .NET Micro Framework on Linux</a:t>
-            </a:r>
-            <a:endParaRPr lang="es-ES"/>
+              <a:rPr lang="es-ES" dirty="0" err="1" smtClean="0"/>
+              <a:t>IOSharp</a:t>
+            </a:r>
+            <a:r>
+              <a:rPr lang="es-ES" dirty="0" smtClean="0"/>
+              <a:t>: .NET Micro Framework </a:t>
+            </a:r>
+            <a:r>
+              <a:rPr lang="es-ES" dirty="0" err="1" smtClean="0"/>
+              <a:t>on</a:t>
+            </a:r>
+            <a:r>
+              <a:rPr lang="es-ES" dirty="0" smtClean="0"/>
+              <a:t> Linux</a:t>
+            </a:r>
+            <a:endParaRPr lang="es-ES" dirty="0"/>
           </a:p>
         </p:txBody>
       </p:sp>
@@ -1701,7 +1632,7 @@
           <a:p>
             <a:fld id="{F60366B5-A022-408C-B6C4-577A2E9117A4}" type="datetime1">
               <a:rPr lang="es-ES" smtClean="0"/>
-              <a:t>11/02/2014</a:t>
+              <a:t>13/02/2014</a:t>
             </a:fld>
             <a:endParaRPr lang="es-ES"/>
           </a:p>
@@ -1723,10 +1654,22 @@
           <a:lstStyle/>
           <a:p>
             <a:r>
-              <a:rPr lang="es-ES" smtClean="0"/>
-              <a:t>IOSharp: .NET Micro Framework on Linux</a:t>
-            </a:r>
-            <a:endParaRPr lang="es-ES"/>
+              <a:rPr lang="es-ES" dirty="0" err="1" smtClean="0"/>
+              <a:t>IOSharp</a:t>
+            </a:r>
+            <a:r>
+              <a:rPr lang="es-ES" dirty="0" smtClean="0"/>
+              <a:t>: .NET Micro Framework </a:t>
+            </a:r>
+            <a:r>
+              <a:rPr lang="es-ES" dirty="0" err="1" smtClean="0"/>
+              <a:t>on</a:t>
+            </a:r>
+            <a:r>
+              <a:rPr lang="es-ES" dirty="0" smtClean="0"/>
+              <a:t> Linux</a:t>
+            </a:r>
+            <a:endParaRPr lang="es-ES" dirty="0"/>
           </a:p>
         </p:txBody>
       </p:sp>
@@ -2039,7 +1982,7 @@
           <a:p>
             <a:fld id="{87D6D524-B0FA-4292-AD14-EDC17503A51D}" type="datetime1">
               <a:rPr lang="es-ES" smtClean="0"/>
-              <a:t>11/02/2014</a:t>
+              <a:t>13/02/2014</a:t>
             </a:fld>
             <a:endParaRPr lang="es-ES"/>
           </a:p>
@@ -2061,10 +2004,22 @@
           <a:lstStyle/>
           <a:p>
             <a:r>
-              <a:rPr lang="es-ES" smtClean="0"/>
-              <a:t>IOSharp: .NET Micro Framework on Linux</a:t>
-            </a:r>
-            <a:endParaRPr lang="es-ES"/>
+              <a:rPr lang="es-ES" dirty="0" err="1" smtClean="0"/>
+              <a:t>IOSharp</a:t>
+            </a:r>
+            <a:r>
+              <a:rPr lang="es-ES" dirty="0" smtClean="0"/>
+              <a:t>: .NET Micro Framework </a:t>
+            </a:r>
+            <a:r>
+              <a:rPr lang="es-ES" dirty="0" err="1" smtClean="0"/>
+              <a:t>on</a:t>
+            </a:r>
+            <a:r>
+              <a:rPr lang="es-ES" dirty="0" smtClean="0"/>
+              <a:t> Linux</a:t>
+            </a:r>
+            <a:endParaRPr lang="es-ES" dirty="0"/>
           </a:p>
         </p:txBody>
       </p:sp>
@@ -2361,7 +2316,7 @@
           <a:p>
             <a:fld id="{562FCECA-A66D-4047-8040-1EB238554101}" type="datetime1">
               <a:rPr lang="es-ES" smtClean="0"/>
-              <a:t>11/02/2014</a:t>
+              <a:t>13/02/2014</a:t>
             </a:fld>
             <a:endParaRPr lang="es-ES"/>
           </a:p>
@@ -2383,10 +2338,22 @@
           <a:lstStyle/>
           <a:p>
             <a:r>
-              <a:rPr lang="es-ES" smtClean="0"/>
-              <a:t>IOSharp: .NET Micro Framework on Linux</a:t>
-            </a:r>
-            <a:endParaRPr lang="es-ES"/>
+              <a:rPr lang="es-ES" dirty="0" err="1" smtClean="0"/>
+              <a:t>IOSharp</a:t>
+            </a:r>
+            <a:r>
+              <a:rPr lang="es-ES" dirty="0" smtClean="0"/>
+              <a:t>: .NET Micro Framework </a:t>
+            </a:r>
+            <a:r>
+              <a:rPr lang="es-ES" dirty="0" err="1" smtClean="0"/>
+              <a:t>on</a:t>
+            </a:r>
+            <a:r>
+              <a:rPr lang="es-ES" dirty="0" smtClean="0"/>
+              <a:t> Linux</a:t>
+            </a:r>
+            <a:endParaRPr lang="es-ES" dirty="0"/>
           </a:p>
         </p:txBody>
       </p:sp>
@@ -2759,7 +2726,7 @@
           <a:p>
             <a:fld id="{769DFE57-26CB-48BC-91AD-9E207F38B65C}" type="datetime1">
               <a:rPr lang="es-ES" smtClean="0"/>
-              <a:t>11/02/2014</a:t>
+              <a:t>13/02/2014</a:t>
             </a:fld>
             <a:endParaRPr lang="es-ES"/>
           </a:p>
@@ -2781,10 +2748,22 @@
           <a:lstStyle/>
           <a:p>
             <a:r>
-              <a:rPr lang="es-ES" smtClean="0"/>
-              <a:t>IOSharp: .NET Micro Framework on Linux</a:t>
-            </a:r>
-            <a:endParaRPr lang="es-ES"/>
+              <a:rPr lang="es-ES" dirty="0" err="1" smtClean="0"/>
+              <a:t>IOSharp</a:t>
+            </a:r>
+            <a:r>
+              <a:rPr lang="es-ES" dirty="0" smtClean="0"/>
+              <a:t>: .NET Micro Framework </a:t>
+            </a:r>
+            <a:r>
+              <a:rPr lang="es-ES" dirty="0" err="1" smtClean="0"/>
+              <a:t>on</a:t>
+            </a:r>
+            <a:r>
+              <a:rPr lang="es-ES" dirty="0" smtClean="0"/>
+              <a:t> Linux</a:t>
+            </a:r>
+            <a:endParaRPr lang="es-ES" dirty="0"/>
           </a:p>
         </p:txBody>
       </p:sp>
@@ -3018,7 +2997,7 @@
           <a:p>
             <a:fld id="{F92C9852-2065-40E2-8EB3-DADA6E88D2E4}" type="datetime1">
               <a:rPr lang="es-ES" smtClean="0"/>
-              <a:t>11/02/2014</a:t>
+              <a:t>13/02/2014</a:t>
             </a:fld>
             <a:endParaRPr lang="es-ES"/>
           </a:p>
@@ -3040,10 +3019,22 @@
           <a:lstStyle/>
           <a:p>
             <a:r>
-              <a:rPr lang="es-ES" smtClean="0"/>
-              <a:t>IOSharp: .NET Micro Framework on Linux</a:t>
-            </a:r>
-            <a:endParaRPr lang="es-ES"/>
+              <a:rPr lang="es-ES" dirty="0" err="1" smtClean="0"/>
+              <a:t>IOSharp</a:t>
+            </a:r>
+            <a:r>
+              <a:rPr lang="es-ES" dirty="0" smtClean="0"/>
+              <a:t>: .NET Micro Framework </a:t>
+            </a:r>
+            <a:r>
+              <a:rPr lang="es-ES" dirty="0" err="1" smtClean="0"/>
+              <a:t>on</a:t>
+            </a:r>
+            <a:r>
+              <a:rPr lang="es-ES" dirty="0" smtClean="0"/>
+              <a:t> Linux</a:t>
+            </a:r>
+            <a:endParaRPr lang="es-ES" dirty="0"/>
           </a:p>
         </p:txBody>
       </p:sp>
@@ -3282,7 +3273,7 @@
           <a:p>
             <a:fld id="{69939F70-6665-4FEA-B09D-F1DBBA1D2266}" type="datetime1">
               <a:rPr lang="es-ES" smtClean="0"/>
-              <a:t>11/02/2014</a:t>
+              <a:t>13/02/2014</a:t>
             </a:fld>
             <a:endParaRPr lang="es-ES"/>
           </a:p>
@@ -3304,10 +3295,22 @@
           <a:lstStyle/>
           <a:p>
             <a:r>
-              <a:rPr lang="es-ES" smtClean="0"/>
-              <a:t>IOSharp: .NET Micro Framework on Linux</a:t>
-            </a:r>
-            <a:endParaRPr lang="es-ES"/>
+              <a:rPr lang="es-ES" dirty="0" err="1" smtClean="0"/>
+              <a:t>IOSharp</a:t>
+            </a:r>
+            <a:r>
+              <a:rPr lang="es-ES" dirty="0" smtClean="0"/>
+              <a:t>: .NET Micro Framework </a:t>
+            </a:r>
+            <a:r>
+              <a:rPr lang="es-ES" dirty="0" err="1" smtClean="0"/>
+              <a:t>on</a:t>
+            </a:r>
+            <a:r>
+              <a:rPr lang="es-ES" dirty="0" smtClean="0"/>
+              <a:t> Linux</a:t>
+            </a:r>
+            <a:endParaRPr lang="es-ES" dirty="0"/>
           </a:p>
         </p:txBody>
       </p:sp>
@@ -3546,7 +3549,7 @@
           <a:p>
             <a:fld id="{C886E45F-F48B-47F5-A680-8D9C3D769D00}" type="datetime1">
               <a:rPr lang="es-ES" smtClean="0"/>
-              <a:t>11/02/2014</a:t>
+              <a:t>13/02/2014</a:t>
             </a:fld>
             <a:endParaRPr lang="es-ES"/>
           </a:p>
@@ -3923,7 +3926,7 @@
           <a:p>
             <a:fld id="{F3A88BA9-DB36-4996-99CF-7554617F1CC7}" type="datetime1">
               <a:rPr lang="es-ES" smtClean="0"/>
-              <a:t>11/02/2014</a:t>
+              <a:t>13/02/2014</a:t>
             </a:fld>
             <a:endParaRPr lang="es-ES"/>
           </a:p>
@@ -3949,10 +3952,22 @@
           </a:lstStyle>
           <a:p>
             <a:r>
-              <a:rPr lang="es-ES" smtClean="0"/>
-              <a:t>IOSharp: .NET Micro Framework on Linux</a:t>
-            </a:r>
-            <a:endParaRPr lang="es-ES"/>
+              <a:rPr lang="es-ES" dirty="0" err="1" smtClean="0"/>
+              <a:t>IOSharp</a:t>
+            </a:r>
+            <a:r>
+              <a:rPr lang="es-ES" dirty="0" smtClean="0"/>
+              <a:t>: .NET Micro Framework </a:t>
+            </a:r>
+            <a:r>
+              <a:rPr lang="es-ES" dirty="0" err="1" smtClean="0"/>
+              <a:t>on</a:t>
+            </a:r>
+            <a:r>
+              <a:rPr lang="es-ES" dirty="0" smtClean="0"/>
+              <a:t> Linux</a:t>
+            </a:r>
+            <a:endParaRPr lang="es-ES" dirty="0"/>
           </a:p>
         </p:txBody>
       </p:sp>
@@ -4252,7 +4267,7 @@
           <a:p>
             <a:fld id="{FFE94359-F0B4-4B76-BFCA-EDD95B71FCAC}" type="datetime1">
               <a:rPr lang="es-ES" smtClean="0"/>
-              <a:t>11/02/2014</a:t>
+              <a:t>13/02/2014</a:t>
             </a:fld>
             <a:endParaRPr lang="es-ES"/>
           </a:p>
@@ -4274,10 +4289,22 @@
           <a:lstStyle/>
           <a:p>
             <a:r>
-              <a:rPr lang="es-ES" smtClean="0"/>
-              <a:t>IOSharp: .NET Micro Framework on Linux</a:t>
-            </a:r>
-            <a:endParaRPr lang="es-ES"/>
+              <a:rPr lang="es-ES" dirty="0" err="1" smtClean="0"/>
+              <a:t>IOSharp</a:t>
+            </a:r>
+            <a:r>
+              <a:rPr lang="es-ES" dirty="0" smtClean="0"/>
+              <a:t>: .NET Micro Framework </a:t>
+            </a:r>
+            <a:r>
+              <a:rPr lang="es-ES" dirty="0" err="1" smtClean="0"/>
+              <a:t>on</a:t>
+            </a:r>
+            <a:r>
+              <a:rPr lang="es-ES" dirty="0" smtClean="0"/>
+              <a:t> Linux</a:t>
+            </a:r>
+            <a:endParaRPr lang="es-ES" dirty="0"/>
           </a:p>
         </p:txBody>
       </p:sp>
@@ -4711,7 +4738,7 @@
           <a:p>
             <a:fld id="{35834B84-D7F6-4436-97FD-521439A9BF19}" type="datetime1">
               <a:rPr lang="es-ES" smtClean="0"/>
-              <a:t>11/02/2014</a:t>
+              <a:t>13/02/2014</a:t>
             </a:fld>
             <a:endParaRPr lang="es-ES"/>
           </a:p>
@@ -4733,10 +4760,22 @@
           <a:lstStyle/>
           <a:p>
             <a:r>
-              <a:rPr lang="es-ES" smtClean="0"/>
-              <a:t>IOSharp: .NET Micro Framework on Linux</a:t>
-            </a:r>
-            <a:endParaRPr lang="es-ES"/>
+              <a:rPr lang="es-ES" dirty="0" err="1" smtClean="0"/>
+              <a:t>IOSharp</a:t>
+            </a:r>
+            <a:r>
+              <a:rPr lang="es-ES" dirty="0" smtClean="0"/>
+              <a:t>: .NET Micro Framework </a:t>
+            </a:r>
+            <a:r>
+              <a:rPr lang="es-ES" dirty="0" err="1" smtClean="0"/>
+              <a:t>on</a:t>
+            </a:r>
+            <a:r>
+              <a:rPr lang="es-ES" dirty="0" smtClean="0"/>
+              <a:t> Linux</a:t>
+            </a:r>
+            <a:endParaRPr lang="es-ES" dirty="0"/>
           </a:p>
         </p:txBody>
       </p:sp>
@@ -4923,7 +4962,7 @@
           <a:p>
             <a:fld id="{6C944476-9E3F-486C-BDC8-310F1AAD8AE6}" type="datetime1">
               <a:rPr lang="es-ES" smtClean="0"/>
-              <a:t>11/02/2014</a:t>
+              <a:t>13/02/2014</a:t>
             </a:fld>
             <a:endParaRPr lang="es-ES"/>
           </a:p>
@@ -4945,10 +4984,22 @@
           <a:lstStyle/>
           <a:p>
             <a:r>
-              <a:rPr lang="es-ES" smtClean="0"/>
-              <a:t>IOSharp: .NET Micro Framework on Linux</a:t>
-            </a:r>
-            <a:endParaRPr lang="es-ES"/>
+              <a:rPr lang="es-ES" dirty="0" err="1" smtClean="0"/>
+              <a:t>IOSharp</a:t>
+            </a:r>
+            <a:r>
+              <a:rPr lang="es-ES" dirty="0" smtClean="0"/>
+              <a:t>: .NET Micro Framework </a:t>
+            </a:r>
+            <a:r>
+              <a:rPr lang="es-ES" dirty="0" err="1" smtClean="0"/>
+              <a:t>on</a:t>
+            </a:r>
+            <a:r>
+              <a:rPr lang="es-ES" dirty="0" smtClean="0"/>
+              <a:t> Linux</a:t>
+            </a:r>
+            <a:endParaRPr lang="es-ES" dirty="0"/>
           </a:p>
         </p:txBody>
       </p:sp>
@@ -5102,7 +5153,7 @@
           <a:p>
             <a:fld id="{B95C774B-50AF-47D8-9EDF-9B6AFC85D210}" type="datetime1">
               <a:rPr lang="es-ES" smtClean="0"/>
-              <a:t>11/02/2014</a:t>
+              <a:t>13/02/2014</a:t>
             </a:fld>
             <a:endParaRPr lang="es-ES"/>
           </a:p>
@@ -5124,10 +5175,22 @@
           <a:lstStyle/>
           <a:p>
             <a:r>
-              <a:rPr lang="es-ES" smtClean="0"/>
-              <a:t>IOSharp: .NET Micro Framework on Linux</a:t>
-            </a:r>
-            <a:endParaRPr lang="es-ES"/>
+              <a:rPr lang="es-ES" dirty="0" err="1" smtClean="0"/>
+              <a:t>IOSharp</a:t>
+            </a:r>
+            <a:r>
+              <a:rPr lang="es-ES" dirty="0" smtClean="0"/>
+              <a:t>: .NET Micro Framework </a:t>
+            </a:r>
+            <a:r>
+              <a:rPr lang="es-ES" dirty="0" err="1" smtClean="0"/>
+              <a:t>on</a:t>
+            </a:r>
+            <a:r>
+              <a:rPr lang="es-ES" dirty="0" smtClean="0"/>
+              <a:t> Linux</a:t>
+            </a:r>
+            <a:endParaRPr lang="es-ES" dirty="0"/>
           </a:p>
         </p:txBody>
       </p:sp>
@@ -5437,7 +5500,7 @@
           <a:p>
             <a:fld id="{175269D3-134E-48AB-AA12-FE4B7076A3FD}" type="datetime1">
               <a:rPr lang="es-ES" smtClean="0"/>
-              <a:t>11/02/2014</a:t>
+              <a:t>13/02/2014</a:t>
             </a:fld>
             <a:endParaRPr lang="es-ES"/>
           </a:p>
@@ -5459,10 +5522,22 @@
           <a:lstStyle/>
           <a:p>
             <a:r>
-              <a:rPr lang="es-ES" smtClean="0"/>
-              <a:t>IOSharp: .NET Micro Framework on Linux</a:t>
-            </a:r>
-            <a:endParaRPr lang="es-ES"/>
+              <a:rPr lang="es-ES" dirty="0" err="1" smtClean="0"/>
+              <a:t>IOSharp</a:t>
+            </a:r>
+            <a:r>
+              <a:rPr lang="es-ES" dirty="0" smtClean="0"/>
+              <a:t>: .NET Micro Framework </a:t>
+            </a:r>
+            <a:r>
+              <a:rPr lang="es-ES" dirty="0" err="1" smtClean="0"/>
+              <a:t>on</a:t>
+            </a:r>
+            <a:r>
+              <a:rPr lang="es-ES" dirty="0" smtClean="0"/>
+              <a:t> Linux</a:t>
+            </a:r>
+            <a:endParaRPr lang="es-ES" dirty="0"/>
           </a:p>
         </p:txBody>
       </p:sp>
@@ -5784,7 +5859,7 @@
           <a:p>
             <a:fld id="{63F2DCCE-F6CE-4BB5-ABD4-6B29C74F5768}" type="datetime1">
               <a:rPr lang="es-ES" smtClean="0"/>
-              <a:t>11/02/2014</a:t>
+              <a:t>13/02/2014</a:t>
             </a:fld>
             <a:endParaRPr lang="es-ES"/>
           </a:p>
@@ -5806,10 +5881,22 @@
           <a:lstStyle/>
           <a:p>
             <a:r>
-              <a:rPr lang="es-ES" smtClean="0"/>
-              <a:t>IOSharp: .NET Micro Framework on Linux</a:t>
-            </a:r>
-            <a:endParaRPr lang="es-ES"/>
+              <a:rPr lang="es-ES" dirty="0" err="1" smtClean="0"/>
+              <a:t>IOSharp</a:t>
+            </a:r>
+            <a:r>
+              <a:rPr lang="es-ES" dirty="0" smtClean="0"/>
+              <a:t>: .NET Micro Framework </a:t>
+            </a:r>
+            <a:r>
+              <a:rPr lang="es-ES" dirty="0" err="1" smtClean="0"/>
+              <a:t>on</a:t>
+            </a:r>
+            <a:r>
+              <a:rPr lang="es-ES" dirty="0" smtClean="0"/>
+              <a:t> Linux</a:t>
+            </a:r>
+            <a:endParaRPr lang="es-ES" dirty="0"/>
           </a:p>
         </p:txBody>
       </p:sp>
@@ -7903,7 +7990,7 @@
           <a:p>
             <a:fld id="{0CD20DCD-2AE2-401E-BE39-52B8E760BC6B}" type="datetime1">
               <a:rPr lang="es-ES" smtClean="0"/>
-              <a:t>11/02/2014</a:t>
+              <a:t>13/02/2014</a:t>
             </a:fld>
             <a:endParaRPr lang="es-ES" dirty="0"/>
           </a:p>
@@ -7943,10 +8030,22 @@
           </a:lstStyle>
           <a:p>
             <a:r>
-              <a:rPr lang="es-ES" smtClean="0"/>
-              <a:t>IOSharp: .NET Micro Framework on Linux</a:t>
-            </a:r>
-            <a:endParaRPr lang="es-ES"/>
+              <a:rPr lang="es-ES" dirty="0" err="1" smtClean="0"/>
+              <a:t>IOSharp</a:t>
+            </a:r>
+            <a:r>
+              <a:rPr lang="es-ES" dirty="0" smtClean="0"/>
+              <a:t>: .NET Micro Framework </a:t>
+            </a:r>
+            <a:r>
+              <a:rPr lang="es-ES" dirty="0" err="1" smtClean="0"/>
+              <a:t>on</a:t>
+            </a:r>
+            <a:r>
+              <a:rPr lang="es-ES" dirty="0" smtClean="0"/>
+              <a:t> Linux</a:t>
+            </a:r>
+            <a:endParaRPr lang="es-ES" dirty="0"/>
           </a:p>
         </p:txBody>
       </p:sp>
@@ -8587,15 +8686,7 @@
           <a:p>
             <a:r>
               <a:rPr lang="en-US" dirty="0" smtClean="0"/>
-              <a:t>DIRECTOR: </a:t>
-            </a:r>
-            <a:r>
-              <a:rPr lang="en-US" dirty="0"/>
-              <a:t>Jua</a:t>
-            </a:r>
-            <a:r>
-              <a:rPr lang="en-US" dirty="0" smtClean="0"/>
-              <a:t>n </a:t>
+              <a:t>DIRECTOR: Juan </a:t>
             </a:r>
             <a:r>
               <a:rPr lang="en-US" dirty="0" err="1" smtClean="0"/>
@@ -8712,8 +8803,16 @@
           <a:lstStyle/>
           <a:p>
             <a:r>
-              <a:rPr lang="es-ES" dirty="0" smtClean="0"/>
-              <a:t>2.3.  SPI</a:t>
+              <a:rPr lang="en-US" dirty="0" smtClean="0"/>
+              <a:t>2.1.  </a:t>
+            </a:r>
+            <a:r>
+              <a:rPr lang="en-US" dirty="0" err="1" smtClean="0"/>
+              <a:t>HomeSense</a:t>
+            </a:r>
+            <a:r>
+              <a:rPr lang="en-US" dirty="0" smtClean="0"/>
+              <a:t> Hardware</a:t>
             </a:r>
             <a:endParaRPr lang="en-US" dirty="0"/>
           </a:p>
@@ -8729,67 +8828,11 @@
             <p:ph idx="1"/>
           </p:nvPr>
         </p:nvSpPr>
-        <p:spPr>
-          <a:xfrm>
-            <a:off x="1943807" y="1700808"/>
-            <a:ext cx="6591985" cy="3777622"/>
-          </a:xfrm>
-        </p:spPr>
+        <p:spPr/>
         <p:txBody>
           <a:bodyPr/>
           <a:lstStyle/>
           <a:p>
-            <a:r>
-              <a:rPr lang="en-US" dirty="0" smtClean="0"/>
-              <a:t>Implemented using the provided Linux Kernel</a:t>
-            </a:r>
-            <a:r>
-              <a:rPr lang="en-US" dirty="0"/>
-              <a:t> </a:t>
-            </a:r>
-            <a:r>
-              <a:rPr lang="en-US" dirty="0" smtClean="0"/>
-              <a:t>function</a:t>
-            </a:r>
-          </a:p>
-          <a:p>
-            <a:pPr lvl="1"/>
-            <a:endParaRPr lang="en-US" dirty="0" smtClean="0"/>
-          </a:p>
-          <a:p>
-            <a:pPr lvl="1"/>
-            <a:r>
-              <a:rPr lang="en-US" dirty="0" smtClean="0"/>
-              <a:t>Included on </a:t>
-            </a:r>
-            <a:r>
-              <a:rPr lang="en-US" dirty="0" err="1" smtClean="0"/>
-              <a:t>IOSharp</a:t>
-            </a:r>
-            <a:r>
-              <a:rPr lang="en-US" dirty="0" smtClean="0"/>
-              <a:t>-C library</a:t>
-            </a:r>
-          </a:p>
-          <a:p>
-            <a:pPr lvl="1"/>
-            <a:endParaRPr lang="en-US" dirty="0" smtClean="0"/>
-          </a:p>
-          <a:p>
-            <a:pPr lvl="1"/>
-            <a:r>
-              <a:rPr lang="en-US" dirty="0" smtClean="0"/>
-              <a:t>P/Invoked from C#</a:t>
-            </a:r>
-            <a:endParaRPr lang="en-US" dirty="0"/>
-          </a:p>
-          <a:p>
-            <a:endParaRPr lang="en-US" dirty="0" smtClean="0"/>
-          </a:p>
-          <a:p>
-            <a:pPr marL="0" indent="0">
-              <a:buNone/>
-            </a:pPr>
             <a:endParaRPr lang="en-US" dirty="0"/>
           </a:p>
         </p:txBody>
@@ -8813,7 +8856,7 @@
               <a:rPr lang="es-ES" smtClean="0"/>
               <a:t>IOSharp: .NET Micro Framework on Linux</a:t>
             </a:r>
-            <a:endParaRPr lang="es-ES"/>
+            <a:endParaRPr lang="es-ES" dirty="0"/>
           </a:p>
         </p:txBody>
       </p:sp>
@@ -8840,80 +8883,16 @@
           </a:p>
         </p:txBody>
       </p:sp>
-      <p:graphicFrame>
-        <p:nvGraphicFramePr>
-          <p:cNvPr id="6" name="Objeto 5"/>
-          <p:cNvGraphicFramePr>
-            <a:graphicFrameLocks noChangeAspect="1"/>
-          </p:cNvGraphicFramePr>
-          <p:nvPr>
-            <p:extLst>
-              <p:ext uri="{D42A27DB-BD31-4B8C-83A1-F6EECF244321}">
-                <p14:modId xmlns:p14="http://schemas.microsoft.com/office/powerpoint/2010/main" val="1384627031"/>
-              </p:ext>
-            </p:extLst>
-          </p:nvPr>
-        </p:nvGraphicFramePr>
-        <p:xfrm>
-          <a:off x="3096674" y="3849655"/>
-          <a:ext cx="4286250" cy="1628775"/>
-        </p:xfrm>
-        <a:graphic>
-          <a:graphicData uri="http://schemas.openxmlformats.org/presentationml/2006/ole">
-            <mc:AlternateContent xmlns:mc="http://schemas.openxmlformats.org/markup-compatibility/2006">
-              <mc:Choice xmlns:v="urn:schemas-microsoft-com:vml" Requires="v">
-                <p:oleObj spid="_x0000_s4215" name="Visio" r:id="rId3" imgW="4286250" imgH="1628775" progId="Visio.Drawing.15">
-                  <p:embed/>
-                </p:oleObj>
-              </mc:Choice>
-              <mc:Fallback>
-                <p:oleObj name="Visio" r:id="rId3" imgW="4286250" imgH="1628775" progId="Visio.Drawing.15">
-                  <p:embed/>
-                  <p:pic>
-                    <p:nvPicPr>
-                      <p:cNvPr id="0" name=""/>
-                      <p:cNvPicPr/>
-                      <p:nvPr/>
-                    </p:nvPicPr>
-                    <p:blipFill>
-                      <a:blip r:embed="rId4"/>
-                      <a:stretch>
-                        <a:fillRect/>
-                      </a:stretch>
-                    </p:blipFill>
-                    <p:spPr>
-                      <a:xfrm>
-                        <a:off x="3096674" y="3849655"/>
-                        <a:ext cx="4286250" cy="1628775"/>
-                      </a:xfrm>
-                      <a:prstGeom prst="rect">
-                        <a:avLst/>
-                      </a:prstGeom>
-                    </p:spPr>
-                  </p:pic>
-                </p:oleObj>
-              </mc:Fallback>
-            </mc:AlternateContent>
-          </a:graphicData>
-        </a:graphic>
-      </p:graphicFrame>
     </p:spTree>
     <p:extLst>
       <p:ext uri="{BB962C8B-B14F-4D97-AF65-F5344CB8AC3E}">
-        <p14:creationId xmlns:p14="http://schemas.microsoft.com/office/powerpoint/2010/main" val="2475267576"/>
+        <p14:creationId xmlns:p14="http://schemas.microsoft.com/office/powerpoint/2010/main" val="469477942"/>
       </p:ext>
     </p:extLst>
   </p:cSld>
   <p:clrMapOvr>
     <a:masterClrMapping/>
   </p:clrMapOvr>
-  <p:timing>
-    <p:tnLst>
-      <p:par>
-        <p:cTn id="1" dur="indefinite" restart="never" nodeType="tmRoot"/>
-      </p:par>
-    </p:tnLst>
-  </p:timing>
 </p:sld>
 </file>
 
@@ -8950,33 +8929,172 @@
           <a:lstStyle/>
           <a:p>
             <a:r>
+              <a:rPr lang="en-US" dirty="0" smtClean="0"/>
+              <a:t>2.1.  GPIO</a:t>
+            </a:r>
+            <a:endParaRPr lang="en-US" dirty="0"/>
+          </a:p>
+        </p:txBody>
+      </p:sp>
+      <p:sp>
+        <p:nvSpPr>
+          <p:cNvPr id="3" name="Marcador de contenido 2"/>
+          <p:cNvSpPr>
+            <a:spLocks noGrp="1"/>
+          </p:cNvSpPr>
+          <p:nvPr>
+            <p:ph idx="1"/>
+          </p:nvPr>
+        </p:nvSpPr>
+        <p:spPr>
+          <a:xfrm>
+            <a:off x="1945936" y="1700808"/>
+            <a:ext cx="6591985" cy="4248472"/>
+          </a:xfrm>
+        </p:spPr>
+        <p:txBody>
+          <a:bodyPr>
+            <a:normAutofit/>
+          </a:bodyPr>
+          <a:lstStyle/>
+          <a:p>
+            <a:r>
+              <a:rPr lang="en-US" dirty="0" smtClean="0"/>
+              <a:t>Used to read or write simple High or Low States on a Pin</a:t>
+            </a:r>
+          </a:p>
+          <a:p>
+            <a:endParaRPr lang="en-US" dirty="0" smtClean="0"/>
+          </a:p>
+          <a:p>
+            <a:r>
+              <a:rPr lang="en-US" dirty="0" smtClean="0"/>
+              <a:t>I/O Ports are controlled and enabled or disabled through the file system</a:t>
+            </a:r>
+          </a:p>
+          <a:p>
+            <a:endParaRPr lang="en-US" dirty="0" smtClean="0"/>
+          </a:p>
+          <a:p>
+            <a:pPr lvl="1"/>
+            <a:r>
+              <a:rPr lang="en-US" dirty="0" smtClean="0"/>
+              <a:t>SYSFS </a:t>
+            </a:r>
+            <a:r>
+              <a:rPr lang="en-US" dirty="0" smtClean="0">
+                <a:sym typeface="Wingdings" panose="05000000000000000000" pitchFamily="2" charset="2"/>
+              </a:rPr>
+              <a:t> </a:t>
+            </a:r>
+            <a:r>
+              <a:rPr lang="en-US" dirty="0" smtClean="0">
+                <a:latin typeface="Consolas" panose="020B0609020204030204" pitchFamily="49" charset="0"/>
+                <a:cs typeface="Consolas" panose="020B0609020204030204" pitchFamily="49" charset="0"/>
+                <a:sym typeface="Wingdings" panose="05000000000000000000" pitchFamily="2" charset="2"/>
+              </a:rPr>
+              <a:t>/sys/class/</a:t>
+            </a:r>
+            <a:r>
+              <a:rPr lang="en-US" dirty="0" err="1" smtClean="0">
+                <a:latin typeface="Consolas" panose="020B0609020204030204" pitchFamily="49" charset="0"/>
+                <a:cs typeface="Consolas" panose="020B0609020204030204" pitchFamily="49" charset="0"/>
+                <a:sym typeface="Wingdings" panose="05000000000000000000" pitchFamily="2" charset="2"/>
+              </a:rPr>
+              <a:t>gpio</a:t>
+            </a:r>
+            <a:r>
+              <a:rPr lang="en-US" dirty="0" smtClean="0">
+                <a:latin typeface="Consolas" panose="020B0609020204030204" pitchFamily="49" charset="0"/>
+                <a:cs typeface="Consolas" panose="020B0609020204030204" pitchFamily="49" charset="0"/>
+                <a:sym typeface="Wingdings" panose="05000000000000000000" pitchFamily="2" charset="2"/>
+              </a:rPr>
+              <a:t>/</a:t>
+            </a:r>
+          </a:p>
+          <a:p>
+            <a:pPr lvl="1"/>
+            <a:endParaRPr lang="en-US" dirty="0" smtClean="0">
+              <a:latin typeface="Consolas" panose="020B0609020204030204" pitchFamily="49" charset="0"/>
+              <a:cs typeface="Consolas" panose="020B0609020204030204" pitchFamily="49" charset="0"/>
+              <a:sym typeface="Wingdings" panose="05000000000000000000" pitchFamily="2" charset="2"/>
+            </a:endParaRPr>
+          </a:p>
+          <a:p>
+            <a:pPr lvl="1"/>
+            <a:r>
+              <a:rPr lang="en-US" dirty="0" smtClean="0">
+                <a:latin typeface="Consolas" panose="020B0609020204030204" pitchFamily="49" charset="0"/>
+                <a:cs typeface="Consolas" panose="020B0609020204030204" pitchFamily="49" charset="0"/>
+                <a:sym typeface="Wingdings" panose="05000000000000000000" pitchFamily="2" charset="2"/>
+              </a:rPr>
+              <a:t>Direction</a:t>
+            </a:r>
+          </a:p>
+          <a:p>
+            <a:pPr lvl="1"/>
+            <a:endParaRPr lang="en-US" dirty="0" smtClean="0">
+              <a:latin typeface="Consolas" panose="020B0609020204030204" pitchFamily="49" charset="0"/>
+              <a:cs typeface="Consolas" panose="020B0609020204030204" pitchFamily="49" charset="0"/>
+              <a:sym typeface="Wingdings" panose="05000000000000000000" pitchFamily="2" charset="2"/>
+            </a:endParaRPr>
+          </a:p>
+          <a:p>
+            <a:pPr lvl="1"/>
+            <a:r>
+              <a:rPr lang="en-US" dirty="0" smtClean="0">
+                <a:latin typeface="Consolas" panose="020B0609020204030204" pitchFamily="49" charset="0"/>
+                <a:cs typeface="Consolas" panose="020B0609020204030204" pitchFamily="49" charset="0"/>
+                <a:sym typeface="Wingdings" panose="05000000000000000000" pitchFamily="2" charset="2"/>
+              </a:rPr>
+              <a:t>State</a:t>
+            </a:r>
+            <a:endParaRPr lang="en-US" dirty="0">
+              <a:latin typeface="Consolas" panose="020B0609020204030204" pitchFamily="49" charset="0"/>
+              <a:cs typeface="Consolas" panose="020B0609020204030204" pitchFamily="49" charset="0"/>
+              <a:sym typeface="Wingdings" panose="05000000000000000000" pitchFamily="2" charset="2"/>
+            </a:endParaRPr>
+          </a:p>
+          <a:p>
+            <a:endParaRPr lang="en-US" dirty="0">
+              <a:latin typeface="Consolas" panose="020B0609020204030204" pitchFamily="49" charset="0"/>
+              <a:cs typeface="Consolas" panose="020B0609020204030204" pitchFamily="49" charset="0"/>
+            </a:endParaRPr>
+          </a:p>
+        </p:txBody>
+      </p:sp>
+      <p:sp>
+        <p:nvSpPr>
+          <p:cNvPr id="4" name="Marcador de pie de página 3"/>
+          <p:cNvSpPr>
+            <a:spLocks noGrp="1"/>
+          </p:cNvSpPr>
+          <p:nvPr>
+            <p:ph type="ftr" sz="quarter" idx="11"/>
+          </p:nvPr>
+        </p:nvSpPr>
+        <p:spPr/>
+        <p:txBody>
+          <a:bodyPr/>
+          <a:lstStyle/>
+          <a:p>
+            <a:r>
+              <a:rPr lang="es-ES" dirty="0" err="1" smtClean="0"/>
+              <a:t>IOSharp</a:t>
+            </a:r>
+            <a:r>
               <a:rPr lang="es-ES" dirty="0" smtClean="0"/>
-              <a:t>2.4.  UART</a:t>
-            </a:r>
-            <a:endParaRPr lang="en-US" dirty="0"/>
-          </a:p>
-        </p:txBody>
-      </p:sp>
-      <p:sp>
-        <p:nvSpPr>
-          <p:cNvPr id="4" name="Marcador de pie de página 3"/>
-          <p:cNvSpPr>
-            <a:spLocks noGrp="1"/>
-          </p:cNvSpPr>
-          <p:nvPr>
-            <p:ph type="ftr" sz="quarter" idx="11"/>
-          </p:nvPr>
-        </p:nvSpPr>
-        <p:spPr/>
-        <p:txBody>
-          <a:bodyPr/>
-          <a:lstStyle/>
-          <a:p>
-            <a:r>
-              <a:rPr lang="es-ES" smtClean="0"/>
-              <a:t>IOSharp: .NET Micro Framework on Linux</a:t>
-            </a:r>
-            <a:endParaRPr lang="es-ES"/>
+              <a:t>: .NET Micro Framework </a:t>
+            </a:r>
+            <a:r>
+              <a:rPr lang="es-ES" dirty="0" err="1" smtClean="0"/>
+              <a:t>on</a:t>
+            </a:r>
+            <a:r>
+              <a:rPr lang="es-ES" dirty="0" smtClean="0"/>
+              <a:t> Linux</a:t>
+            </a:r>
+            <a:endParaRPr lang="es-ES" dirty="0"/>
           </a:p>
         </p:txBody>
       </p:sp>
@@ -9003,133 +9121,10 @@
           </a:p>
         </p:txBody>
       </p:sp>
-      <p:sp>
-        <p:nvSpPr>
-          <p:cNvPr id="11" name="Marcador de contenido 2"/>
-          <p:cNvSpPr>
-            <a:spLocks noGrp="1"/>
-          </p:cNvSpPr>
-          <p:nvPr>
-            <p:ph idx="1"/>
-          </p:nvPr>
-        </p:nvSpPr>
-        <p:spPr>
-          <a:xfrm>
-            <a:off x="1943807" y="1700808"/>
-            <a:ext cx="6591985" cy="3777622"/>
-          </a:xfrm>
-        </p:spPr>
-        <p:txBody>
-          <a:bodyPr/>
-          <a:lstStyle/>
-          <a:p>
-            <a:r>
-              <a:rPr lang="en-US" dirty="0" smtClean="0"/>
-              <a:t>NETMF and .NET Framework where compared</a:t>
-            </a:r>
-          </a:p>
-          <a:p>
-            <a:pPr lvl="1"/>
-            <a:endParaRPr lang="en-US" dirty="0" smtClean="0"/>
-          </a:p>
-          <a:p>
-            <a:pPr lvl="1"/>
-            <a:r>
-              <a:rPr lang="en-US" dirty="0" smtClean="0"/>
-              <a:t>Same namespace </a:t>
-            </a:r>
-            <a:r>
-              <a:rPr lang="en-US" dirty="0" smtClean="0">
-                <a:sym typeface="Wingdings" panose="05000000000000000000" pitchFamily="2" charset="2"/>
-              </a:rPr>
-              <a:t> </a:t>
-            </a:r>
-            <a:r>
-              <a:rPr lang="en-US" dirty="0" err="1" smtClean="0">
-                <a:latin typeface="Consolas" panose="020B0609020204030204" pitchFamily="49" charset="0"/>
-                <a:cs typeface="Consolas" panose="020B0609020204030204" pitchFamily="49" charset="0"/>
-              </a:rPr>
-              <a:t>System.IO.Ports</a:t>
-            </a:r>
-            <a:endParaRPr lang="en-US" dirty="0" smtClean="0">
-              <a:latin typeface="Consolas" panose="020B0609020204030204" pitchFamily="49" charset="0"/>
-              <a:cs typeface="Consolas" panose="020B0609020204030204" pitchFamily="49" charset="0"/>
-            </a:endParaRPr>
-          </a:p>
-          <a:p>
-            <a:pPr lvl="1"/>
-            <a:endParaRPr lang="en-US" dirty="0" smtClean="0">
-              <a:latin typeface="+mj-lt"/>
-              <a:cs typeface="Consolas" panose="020B0609020204030204" pitchFamily="49" charset="0"/>
-            </a:endParaRPr>
-          </a:p>
-          <a:p>
-            <a:pPr lvl="1"/>
-            <a:r>
-              <a:rPr lang="en-US" dirty="0" smtClean="0">
-                <a:latin typeface="+mj-lt"/>
-                <a:cs typeface="Consolas" panose="020B0609020204030204" pitchFamily="49" charset="0"/>
-              </a:rPr>
-              <a:t>Required methods for </a:t>
-            </a:r>
-            <a:r>
-              <a:rPr lang="en-US" dirty="0" err="1" smtClean="0">
-                <a:latin typeface="+mj-lt"/>
-                <a:cs typeface="Consolas" panose="020B0609020204030204" pitchFamily="49" charset="0"/>
-              </a:rPr>
-              <a:t>HomeSense</a:t>
-            </a:r>
-            <a:r>
-              <a:rPr lang="en-US" dirty="0" smtClean="0">
-                <a:latin typeface="+mj-lt"/>
-                <a:cs typeface="Consolas" panose="020B0609020204030204" pitchFamily="49" charset="0"/>
-              </a:rPr>
-              <a:t> in both implementations</a:t>
-            </a:r>
-          </a:p>
-          <a:p>
-            <a:pPr lvl="1"/>
-            <a:endParaRPr lang="en-US" dirty="0">
-              <a:latin typeface="+mj-lt"/>
-              <a:cs typeface="Consolas" panose="020B0609020204030204" pitchFamily="49" charset="0"/>
-            </a:endParaRPr>
-          </a:p>
-          <a:p>
-            <a:r>
-              <a:rPr lang="en-US" dirty="0" smtClean="0">
-                <a:latin typeface="+mj-lt"/>
-                <a:cs typeface="Consolas" panose="020B0609020204030204" pitchFamily="49" charset="0"/>
-              </a:rPr>
-              <a:t>Avoided a new reimplementation.</a:t>
-            </a:r>
-          </a:p>
-          <a:p>
-            <a:pPr lvl="1"/>
-            <a:r>
-              <a:rPr lang="en-US" dirty="0" err="1" smtClean="0">
-                <a:latin typeface="+mj-lt"/>
-                <a:cs typeface="Consolas" panose="020B0609020204030204" pitchFamily="49" charset="0"/>
-              </a:rPr>
-              <a:t>IOSharp</a:t>
-            </a:r>
-            <a:r>
-              <a:rPr lang="en-US" dirty="0" smtClean="0">
-                <a:latin typeface="+mj-lt"/>
-                <a:cs typeface="Consolas" panose="020B0609020204030204" pitchFamily="49" charset="0"/>
-              </a:rPr>
-              <a:t> relays on Mono Serial Port (UART)</a:t>
-            </a:r>
-            <a:endParaRPr lang="en-US" dirty="0">
-              <a:latin typeface="+mj-lt"/>
-              <a:cs typeface="Consolas" panose="020B0609020204030204" pitchFamily="49" charset="0"/>
-            </a:endParaRPr>
-          </a:p>
-        </p:txBody>
-      </p:sp>
     </p:spTree>
     <p:extLst>
       <p:ext uri="{BB962C8B-B14F-4D97-AF65-F5344CB8AC3E}">
-        <p14:creationId xmlns:p14="http://schemas.microsoft.com/office/powerpoint/2010/main" val="994268500"/>
+        <p14:creationId xmlns:p14="http://schemas.microsoft.com/office/powerpoint/2010/main" val="446041234"/>
       </p:ext>
     </p:extLst>
   </p:cSld>
@@ -9180,7 +9175,7 @@
           <a:p>
             <a:r>
               <a:rPr lang="en-US" dirty="0" smtClean="0"/>
-              <a:t>2.5.  Example</a:t>
+              <a:t>2.2.  Interrupts</a:t>
             </a:r>
             <a:endParaRPr lang="en-US" dirty="0"/>
           </a:p>
@@ -9196,83 +9191,60 @@
             <p:ph idx="1"/>
           </p:nvPr>
         </p:nvSpPr>
+        <p:spPr>
+          <a:xfrm>
+            <a:off x="1942415" y="1700808"/>
+            <a:ext cx="6591985" cy="3777622"/>
+          </a:xfrm>
+        </p:spPr>
+        <p:txBody>
+          <a:bodyPr/>
+          <a:lstStyle/>
+          <a:p>
+            <a:r>
+              <a:rPr lang="en-US" dirty="0" smtClean="0"/>
+              <a:t>Polling from a GPIO using the Poll function</a:t>
+            </a:r>
+          </a:p>
+          <a:p>
+            <a:r>
+              <a:rPr lang="en-US" dirty="0" smtClean="0"/>
+              <a:t>P/Invokes are required for cross-language calls</a:t>
+            </a:r>
+            <a:endParaRPr lang="en-US" dirty="0"/>
+          </a:p>
+        </p:txBody>
+      </p:sp>
+      <p:sp>
+        <p:nvSpPr>
+          <p:cNvPr id="4" name="Marcador de pie de página 3"/>
+          <p:cNvSpPr>
+            <a:spLocks noGrp="1"/>
+          </p:cNvSpPr>
+          <p:nvPr>
+            <p:ph type="ftr" sz="quarter" idx="11"/>
+          </p:nvPr>
+        </p:nvSpPr>
         <p:spPr/>
         <p:txBody>
           <a:bodyPr/>
           <a:lstStyle/>
           <a:p>
-            <a:endParaRPr lang="en-US" dirty="0" smtClean="0"/>
-          </a:p>
-          <a:p>
-            <a:endParaRPr lang="en-US" dirty="0"/>
-          </a:p>
-          <a:p>
-            <a:r>
-              <a:rPr lang="en-US" dirty="0" smtClean="0"/>
-              <a:t>Video </a:t>
-            </a:r>
-            <a:r>
-              <a:rPr lang="en-US" dirty="0" smtClean="0"/>
-              <a:t>showing </a:t>
-            </a:r>
-            <a:r>
-              <a:rPr lang="en-US" dirty="0" err="1" smtClean="0"/>
-              <a:t>HomeSense</a:t>
-            </a:r>
-            <a:r>
-              <a:rPr lang="en-US" dirty="0" smtClean="0"/>
-              <a:t> on Raspberry </a:t>
-            </a:r>
-            <a:r>
-              <a:rPr lang="en-US" dirty="0" smtClean="0"/>
-              <a:t>Pi</a:t>
-            </a:r>
-          </a:p>
-          <a:p>
-            <a:endParaRPr lang="en-US" dirty="0"/>
-          </a:p>
-          <a:p>
-            <a:r>
-              <a:rPr lang="en-US" dirty="0" err="1"/>
+            <a:r>
+              <a:rPr lang="es-ES" dirty="0" err="1" smtClean="0"/>
               <a:t>IOSharp</a:t>
             </a:r>
             <a:r>
-              <a:rPr lang="en-US" dirty="0"/>
-              <a:t> requires one more transmission than </a:t>
-            </a:r>
-            <a:r>
-              <a:rPr lang="en-US" dirty="0" smtClean="0"/>
-              <a:t>NETMF in </a:t>
-            </a:r>
-            <a:r>
-              <a:rPr lang="en-US" dirty="0" err="1" smtClean="0"/>
-              <a:t>HomeSense</a:t>
-            </a:r>
-            <a:endParaRPr lang="en-US" dirty="0"/>
-          </a:p>
-          <a:p>
-            <a:endParaRPr lang="en-US" dirty="0"/>
-          </a:p>
-        </p:txBody>
-      </p:sp>
-      <p:sp>
-        <p:nvSpPr>
-          <p:cNvPr id="4" name="Marcador de pie de página 3"/>
-          <p:cNvSpPr>
-            <a:spLocks noGrp="1"/>
-          </p:cNvSpPr>
-          <p:nvPr>
-            <p:ph type="ftr" sz="quarter" idx="11"/>
-          </p:nvPr>
-        </p:nvSpPr>
-        <p:spPr/>
-        <p:txBody>
-          <a:bodyPr/>
-          <a:lstStyle/>
-          <a:p>
-            <a:r>
-              <a:rPr lang="es-ES" smtClean="0"/>
-              <a:t>IOSharp: .NET Micro Framework on Linux</a:t>
+              <a:rPr lang="es-ES" dirty="0" smtClean="0"/>
+              <a:t>: .NET Micro Framework </a:t>
+            </a:r>
+            <a:r>
+              <a:rPr lang="es-ES" dirty="0" err="1" smtClean="0"/>
+              <a:t>on</a:t>
+            </a:r>
+            <a:r>
+              <a:rPr lang="es-ES" dirty="0" smtClean="0"/>
+              <a:t> Linux</a:t>
             </a:r>
             <a:endParaRPr lang="es-ES" dirty="0"/>
           </a:p>
@@ -9301,10 +9273,102 @@
           </a:p>
         </p:txBody>
       </p:sp>
+      <p:graphicFrame>
+        <p:nvGraphicFramePr>
+          <p:cNvPr id="6" name="Objeto 5"/>
+          <p:cNvGraphicFramePr>
+            <a:graphicFrameLocks noChangeAspect="1"/>
+          </p:cNvGraphicFramePr>
+          <p:nvPr>
+            <p:extLst>
+              <p:ext uri="{D42A27DB-BD31-4B8C-83A1-F6EECF244321}">
+                <p14:modId xmlns:p14="http://schemas.microsoft.com/office/powerpoint/2010/main" val="4056316056"/>
+              </p:ext>
+            </p:extLst>
+          </p:nvPr>
+        </p:nvGraphicFramePr>
+        <p:xfrm>
+          <a:off x="2184707" y="2562379"/>
+          <a:ext cx="5231904" cy="3445700"/>
+        </p:xfrm>
+        <a:graphic>
+          <a:graphicData uri="http://schemas.openxmlformats.org/presentationml/2006/ole">
+            <mc:AlternateContent xmlns:mc="http://schemas.openxmlformats.org/markup-compatibility/2006">
+              <mc:Choice xmlns:v="urn:schemas-microsoft-com:vml" Requires="v">
+                <p:oleObj spid="_x0000_s3259" name="Visio" r:id="rId4" imgW="10572660" imgH="6962865" progId="Visio.Drawing.15">
+                  <p:embed/>
+                </p:oleObj>
+              </mc:Choice>
+              <mc:Fallback>
+                <p:oleObj name="Visio" r:id="rId4" imgW="10572660" imgH="6962865" progId="Visio.Drawing.15">
+                  <p:embed/>
+                  <p:pic>
+                    <p:nvPicPr>
+                      <p:cNvPr id="0" name=""/>
+                      <p:cNvPicPr/>
+                      <p:nvPr/>
+                    </p:nvPicPr>
+                    <p:blipFill>
+                      <a:blip r:embed="rId5"/>
+                      <a:stretch>
+                        <a:fillRect/>
+                      </a:stretch>
+                    </p:blipFill>
+                    <p:spPr>
+                      <a:xfrm>
+                        <a:off x="2184707" y="2562379"/>
+                        <a:ext cx="5231904" cy="3445700"/>
+                      </a:xfrm>
+                      <a:prstGeom prst="rect">
+                        <a:avLst/>
+                      </a:prstGeom>
+                    </p:spPr>
+                  </p:pic>
+                </p:oleObj>
+              </mc:Fallback>
+            </mc:AlternateContent>
+          </a:graphicData>
+        </a:graphic>
+      </p:graphicFrame>
+      <p:sp>
+        <p:nvSpPr>
+          <p:cNvPr id="7" name="CuadroTexto 6"/>
+          <p:cNvSpPr txBox="1"/>
+          <p:nvPr/>
+        </p:nvSpPr>
+        <p:spPr>
+          <a:xfrm>
+            <a:off x="7524329" y="4005064"/>
+            <a:ext cx="1512168" cy="738664"/>
+          </a:xfrm>
+          <a:prstGeom prst="rect">
+            <a:avLst/>
+          </a:prstGeom>
+          <a:noFill/>
+        </p:spPr>
+        <p:txBody>
+          <a:bodyPr wrap="square" rtlCol="0">
+            <a:spAutoFit/>
+          </a:bodyPr>
+          <a:lstStyle/>
+          <a:p>
+            <a:pPr algn="just"/>
+            <a:r>
+              <a:rPr lang="en-US" sz="1400" b="1" dirty="0" smtClean="0"/>
+              <a:t>Fig. 4: </a:t>
+            </a:r>
+            <a:r>
+              <a:rPr lang="en-US" sz="1400" dirty="0" smtClean="0"/>
+              <a:t>flow diagram for an Interrupt Port</a:t>
+            </a:r>
+            <a:endParaRPr lang="en-US" sz="1400" dirty="0"/>
+          </a:p>
+        </p:txBody>
+      </p:sp>
     </p:spTree>
     <p:extLst>
       <p:ext uri="{BB962C8B-B14F-4D97-AF65-F5344CB8AC3E}">
-        <p14:creationId xmlns:p14="http://schemas.microsoft.com/office/powerpoint/2010/main" val="3360471616"/>
+        <p14:creationId xmlns:p14="http://schemas.microsoft.com/office/powerpoint/2010/main" val="261971407"/>
       </p:ext>
     </p:extLst>
   </p:cSld>
@@ -9348,6 +9412,723 @@
             <p:ph type="title"/>
           </p:nvPr>
         </p:nvSpPr>
+        <p:spPr/>
+        <p:txBody>
+          <a:bodyPr/>
+          <a:lstStyle/>
+          <a:p>
+            <a:r>
+              <a:rPr lang="es-ES" dirty="0" smtClean="0"/>
+              <a:t>2.3.  SPI</a:t>
+            </a:r>
+            <a:endParaRPr lang="en-US" dirty="0"/>
+          </a:p>
+        </p:txBody>
+      </p:sp>
+      <p:sp>
+        <p:nvSpPr>
+          <p:cNvPr id="3" name="Marcador de contenido 2"/>
+          <p:cNvSpPr>
+            <a:spLocks noGrp="1"/>
+          </p:cNvSpPr>
+          <p:nvPr>
+            <p:ph idx="1"/>
+          </p:nvPr>
+        </p:nvSpPr>
+        <p:spPr>
+          <a:xfrm>
+            <a:off x="1943807" y="1700808"/>
+            <a:ext cx="6591985" cy="3777622"/>
+          </a:xfrm>
+        </p:spPr>
+        <p:txBody>
+          <a:bodyPr/>
+          <a:lstStyle/>
+          <a:p>
+            <a:r>
+              <a:rPr lang="en-US" dirty="0" smtClean="0"/>
+              <a:t>Implemented using the provided Linux Kernel</a:t>
+            </a:r>
+            <a:r>
+              <a:rPr lang="en-US" dirty="0"/>
+              <a:t> </a:t>
+            </a:r>
+            <a:r>
+              <a:rPr lang="en-US" dirty="0" smtClean="0"/>
+              <a:t>function</a:t>
+            </a:r>
+          </a:p>
+          <a:p>
+            <a:pPr lvl="1"/>
+            <a:endParaRPr lang="en-US" dirty="0" smtClean="0"/>
+          </a:p>
+          <a:p>
+            <a:pPr lvl="1"/>
+            <a:r>
+              <a:rPr lang="en-US" dirty="0" smtClean="0"/>
+              <a:t>Included on </a:t>
+            </a:r>
+            <a:r>
+              <a:rPr lang="en-US" dirty="0" err="1" smtClean="0"/>
+              <a:t>IOSharp</a:t>
+            </a:r>
+            <a:r>
+              <a:rPr lang="en-US" dirty="0" smtClean="0"/>
+              <a:t>-C library</a:t>
+            </a:r>
+          </a:p>
+          <a:p>
+            <a:pPr lvl="1"/>
+            <a:endParaRPr lang="en-US" dirty="0" smtClean="0"/>
+          </a:p>
+          <a:p>
+            <a:pPr lvl="1"/>
+            <a:r>
+              <a:rPr lang="en-US" dirty="0" smtClean="0"/>
+              <a:t>P/Invoked from C#</a:t>
+            </a:r>
+            <a:endParaRPr lang="en-US" dirty="0"/>
+          </a:p>
+          <a:p>
+            <a:endParaRPr lang="en-US" dirty="0" smtClean="0"/>
+          </a:p>
+          <a:p>
+            <a:pPr marL="0" indent="0">
+              <a:buNone/>
+            </a:pPr>
+            <a:endParaRPr lang="en-US" dirty="0"/>
+          </a:p>
+        </p:txBody>
+      </p:sp>
+      <p:sp>
+        <p:nvSpPr>
+          <p:cNvPr id="4" name="Marcador de pie de página 3"/>
+          <p:cNvSpPr>
+            <a:spLocks noGrp="1"/>
+          </p:cNvSpPr>
+          <p:nvPr>
+            <p:ph type="ftr" sz="quarter" idx="11"/>
+          </p:nvPr>
+        </p:nvSpPr>
+        <p:spPr/>
+        <p:txBody>
+          <a:bodyPr/>
+          <a:lstStyle/>
+          <a:p>
+            <a:r>
+              <a:rPr lang="es-ES" dirty="0" err="1" smtClean="0"/>
+              <a:t>IOSharp</a:t>
+            </a:r>
+            <a:r>
+              <a:rPr lang="es-ES" dirty="0" smtClean="0"/>
+              <a:t>: .NET Micro Framework </a:t>
+            </a:r>
+            <a:r>
+              <a:rPr lang="es-ES" dirty="0" err="1" smtClean="0"/>
+              <a:t>on</a:t>
+            </a:r>
+            <a:r>
+              <a:rPr lang="es-ES" dirty="0" smtClean="0"/>
+              <a:t> Linux</a:t>
+            </a:r>
+            <a:endParaRPr lang="es-ES" dirty="0"/>
+          </a:p>
+        </p:txBody>
+      </p:sp>
+      <p:sp>
+        <p:nvSpPr>
+          <p:cNvPr id="5" name="Marcador de número de diapositiva 4"/>
+          <p:cNvSpPr>
+            <a:spLocks noGrp="1"/>
+          </p:cNvSpPr>
+          <p:nvPr>
+            <p:ph type="sldNum" sz="quarter" idx="12"/>
+          </p:nvPr>
+        </p:nvSpPr>
+        <p:spPr/>
+        <p:txBody>
+          <a:bodyPr/>
+          <a:lstStyle/>
+          <a:p>
+            <a:fld id="{8EE90C33-BF19-4C36-8633-00054130773A}" type="slidenum">
+              <a:rPr lang="es-ES" smtClean="0"/>
+              <a:t>13</a:t>
+            </a:fld>
+            <a:endParaRPr lang="es-ES"/>
+          </a:p>
+        </p:txBody>
+      </p:sp>
+      <p:graphicFrame>
+        <p:nvGraphicFramePr>
+          <p:cNvPr id="6" name="Objeto 5"/>
+          <p:cNvGraphicFramePr>
+            <a:graphicFrameLocks noChangeAspect="1"/>
+          </p:cNvGraphicFramePr>
+          <p:nvPr>
+            <p:extLst>
+              <p:ext uri="{D42A27DB-BD31-4B8C-83A1-F6EECF244321}">
+                <p14:modId xmlns:p14="http://schemas.microsoft.com/office/powerpoint/2010/main" val="1384627031"/>
+              </p:ext>
+            </p:extLst>
+          </p:nvPr>
+        </p:nvGraphicFramePr>
+        <p:xfrm>
+          <a:off x="3096674" y="3849655"/>
+          <a:ext cx="4286250" cy="1628775"/>
+        </p:xfrm>
+        <a:graphic>
+          <a:graphicData uri="http://schemas.openxmlformats.org/presentationml/2006/ole">
+            <mc:AlternateContent xmlns:mc="http://schemas.openxmlformats.org/markup-compatibility/2006">
+              <mc:Choice xmlns:v="urn:schemas-microsoft-com:vml" Requires="v">
+                <p:oleObj spid="_x0000_s4274" name="Visio" r:id="rId4" imgW="4286250" imgH="1628775" progId="Visio.Drawing.15">
+                  <p:embed/>
+                </p:oleObj>
+              </mc:Choice>
+              <mc:Fallback>
+                <p:oleObj name="Visio" r:id="rId4" imgW="4286250" imgH="1628775" progId="Visio.Drawing.15">
+                  <p:embed/>
+                  <p:pic>
+                    <p:nvPicPr>
+                      <p:cNvPr id="0" name=""/>
+                      <p:cNvPicPr/>
+                      <p:nvPr/>
+                    </p:nvPicPr>
+                    <p:blipFill>
+                      <a:blip r:embed="rId5"/>
+                      <a:stretch>
+                        <a:fillRect/>
+                      </a:stretch>
+                    </p:blipFill>
+                    <p:spPr>
+                      <a:xfrm>
+                        <a:off x="3096674" y="3849655"/>
+                        <a:ext cx="4286250" cy="1628775"/>
+                      </a:xfrm>
+                      <a:prstGeom prst="rect">
+                        <a:avLst/>
+                      </a:prstGeom>
+                    </p:spPr>
+                  </p:pic>
+                </p:oleObj>
+              </mc:Fallback>
+            </mc:AlternateContent>
+          </a:graphicData>
+        </a:graphic>
+      </p:graphicFrame>
+      <p:sp>
+        <p:nvSpPr>
+          <p:cNvPr id="7" name="CuadroTexto 6"/>
+          <p:cNvSpPr txBox="1"/>
+          <p:nvPr/>
+        </p:nvSpPr>
+        <p:spPr>
+          <a:xfrm>
+            <a:off x="3691627" y="5478430"/>
+            <a:ext cx="3096344" cy="306433"/>
+          </a:xfrm>
+          <a:prstGeom prst="rect">
+            <a:avLst/>
+          </a:prstGeom>
+          <a:noFill/>
+        </p:spPr>
+        <p:txBody>
+          <a:bodyPr wrap="square" rtlCol="0">
+            <a:spAutoFit/>
+          </a:bodyPr>
+          <a:lstStyle/>
+          <a:p>
+            <a:r>
+              <a:rPr lang="en-US" sz="1400" b="1" dirty="0" smtClean="0"/>
+              <a:t>Fig. 5: </a:t>
+            </a:r>
+            <a:r>
+              <a:rPr lang="en-US" sz="1400" dirty="0" smtClean="0"/>
+              <a:t>Master-Slave SPI example</a:t>
+            </a:r>
+            <a:endParaRPr lang="en-US" sz="1400" dirty="0"/>
+          </a:p>
+        </p:txBody>
+      </p:sp>
+    </p:spTree>
+    <p:extLst>
+      <p:ext uri="{BB962C8B-B14F-4D97-AF65-F5344CB8AC3E}">
+        <p14:creationId xmlns:p14="http://schemas.microsoft.com/office/powerpoint/2010/main" val="2475267576"/>
+      </p:ext>
+    </p:extLst>
+  </p:cSld>
+  <p:clrMapOvr>
+    <a:masterClrMapping/>
+  </p:clrMapOvr>
+  <p:timing>
+    <p:tnLst>
+      <p:par>
+        <p:cTn id="1" dur="indefinite" restart="never" nodeType="tmRoot"/>
+      </p:par>
+    </p:tnLst>
+  </p:timing>
+</p:sld>
+</file>
+
+<file path=ppt/slides/slide14.xml><?xml version="1.0" encoding="utf-8"?>
+<p:sld xmlns:a="http://schemas.openxmlformats.org/drawingml/2006/main" xmlns:r="http://schemas.openxmlformats.org/officeDocument/2006/relationships" xmlns:p="http://schemas.openxmlformats.org/presentationml/2006/main">
+  <p:cSld>
+    <p:spTree>
+      <p:nvGrpSpPr>
+        <p:cNvPr id="1" name=""/>
+        <p:cNvGrpSpPr/>
+        <p:nvPr/>
+      </p:nvGrpSpPr>
+      <p:grpSpPr>
+        <a:xfrm>
+          <a:off x="0" y="0"/>
+          <a:ext cx="0" cy="0"/>
+          <a:chOff x="0" y="0"/>
+          <a:chExt cx="0" cy="0"/>
+        </a:xfrm>
+      </p:grpSpPr>
+      <p:sp>
+        <p:nvSpPr>
+          <p:cNvPr id="2" name="Título 1"/>
+          <p:cNvSpPr>
+            <a:spLocks noGrp="1"/>
+          </p:cNvSpPr>
+          <p:nvPr>
+            <p:ph type="title"/>
+          </p:nvPr>
+        </p:nvSpPr>
+        <p:spPr/>
+        <p:txBody>
+          <a:bodyPr/>
+          <a:lstStyle/>
+          <a:p>
+            <a:r>
+              <a:rPr lang="es-ES" dirty="0" smtClean="0"/>
+              <a:t>2.4.  UART</a:t>
+            </a:r>
+            <a:endParaRPr lang="en-US" dirty="0"/>
+          </a:p>
+        </p:txBody>
+      </p:sp>
+      <p:sp>
+        <p:nvSpPr>
+          <p:cNvPr id="4" name="Marcador de pie de página 3"/>
+          <p:cNvSpPr>
+            <a:spLocks noGrp="1"/>
+          </p:cNvSpPr>
+          <p:nvPr>
+            <p:ph type="ftr" sz="quarter" idx="11"/>
+          </p:nvPr>
+        </p:nvSpPr>
+        <p:spPr/>
+        <p:txBody>
+          <a:bodyPr/>
+          <a:lstStyle/>
+          <a:p>
+            <a:r>
+              <a:rPr lang="es-ES" dirty="0" err="1" smtClean="0"/>
+              <a:t>IOSharp</a:t>
+            </a:r>
+            <a:r>
+              <a:rPr lang="es-ES" dirty="0" smtClean="0"/>
+              <a:t>: .NET Micro Framework </a:t>
+            </a:r>
+            <a:r>
+              <a:rPr lang="es-ES" dirty="0" err="1" smtClean="0"/>
+              <a:t>on</a:t>
+            </a:r>
+            <a:r>
+              <a:rPr lang="es-ES" dirty="0" smtClean="0"/>
+              <a:t> Linux</a:t>
+            </a:r>
+            <a:endParaRPr lang="es-ES" dirty="0"/>
+          </a:p>
+        </p:txBody>
+      </p:sp>
+      <p:sp>
+        <p:nvSpPr>
+          <p:cNvPr id="5" name="Marcador de número de diapositiva 4"/>
+          <p:cNvSpPr>
+            <a:spLocks noGrp="1"/>
+          </p:cNvSpPr>
+          <p:nvPr>
+            <p:ph type="sldNum" sz="quarter" idx="12"/>
+          </p:nvPr>
+        </p:nvSpPr>
+        <p:spPr/>
+        <p:txBody>
+          <a:bodyPr/>
+          <a:lstStyle/>
+          <a:p>
+            <a:fld id="{8EE90C33-BF19-4C36-8633-00054130773A}" type="slidenum">
+              <a:rPr lang="es-ES" smtClean="0"/>
+              <a:t>14</a:t>
+            </a:fld>
+            <a:endParaRPr lang="es-ES"/>
+          </a:p>
+        </p:txBody>
+      </p:sp>
+      <p:sp>
+        <p:nvSpPr>
+          <p:cNvPr id="11" name="Marcador de contenido 2"/>
+          <p:cNvSpPr>
+            <a:spLocks noGrp="1"/>
+          </p:cNvSpPr>
+          <p:nvPr>
+            <p:ph idx="1"/>
+          </p:nvPr>
+        </p:nvSpPr>
+        <p:spPr>
+          <a:xfrm>
+            <a:off x="1943807" y="1700808"/>
+            <a:ext cx="6591985" cy="3777622"/>
+          </a:xfrm>
+        </p:spPr>
+        <p:txBody>
+          <a:bodyPr/>
+          <a:lstStyle/>
+          <a:p>
+            <a:r>
+              <a:rPr lang="en-US" dirty="0" smtClean="0"/>
+              <a:t>NETMF and .NET Framework where compared</a:t>
+            </a:r>
+          </a:p>
+          <a:p>
+            <a:pPr lvl="1"/>
+            <a:endParaRPr lang="en-US" dirty="0" smtClean="0"/>
+          </a:p>
+          <a:p>
+            <a:pPr lvl="1"/>
+            <a:r>
+              <a:rPr lang="en-US" dirty="0" smtClean="0"/>
+              <a:t>Same namespace </a:t>
+            </a:r>
+            <a:r>
+              <a:rPr lang="en-US" dirty="0" smtClean="0">
+                <a:sym typeface="Wingdings" panose="05000000000000000000" pitchFamily="2" charset="2"/>
+              </a:rPr>
+              <a:t> </a:t>
+            </a:r>
+            <a:r>
+              <a:rPr lang="en-US" dirty="0" err="1" smtClean="0">
+                <a:latin typeface="Consolas" panose="020B0609020204030204" pitchFamily="49" charset="0"/>
+                <a:cs typeface="Consolas" panose="020B0609020204030204" pitchFamily="49" charset="0"/>
+              </a:rPr>
+              <a:t>System.IO.Ports</a:t>
+            </a:r>
+            <a:endParaRPr lang="en-US" dirty="0" smtClean="0">
+              <a:latin typeface="Consolas" panose="020B0609020204030204" pitchFamily="49" charset="0"/>
+              <a:cs typeface="Consolas" panose="020B0609020204030204" pitchFamily="49" charset="0"/>
+            </a:endParaRPr>
+          </a:p>
+          <a:p>
+            <a:pPr lvl="1"/>
+            <a:endParaRPr lang="en-US" dirty="0" smtClean="0">
+              <a:latin typeface="+mj-lt"/>
+              <a:cs typeface="Consolas" panose="020B0609020204030204" pitchFamily="49" charset="0"/>
+            </a:endParaRPr>
+          </a:p>
+          <a:p>
+            <a:pPr lvl="1"/>
+            <a:r>
+              <a:rPr lang="en-US" dirty="0" smtClean="0">
+                <a:latin typeface="+mj-lt"/>
+                <a:cs typeface="Consolas" panose="020B0609020204030204" pitchFamily="49" charset="0"/>
+              </a:rPr>
+              <a:t>Required methods for </a:t>
+            </a:r>
+            <a:r>
+              <a:rPr lang="en-US" dirty="0" err="1" smtClean="0">
+                <a:latin typeface="+mj-lt"/>
+                <a:cs typeface="Consolas" panose="020B0609020204030204" pitchFamily="49" charset="0"/>
+              </a:rPr>
+              <a:t>HomeSense</a:t>
+            </a:r>
+            <a:r>
+              <a:rPr lang="en-US" dirty="0" smtClean="0">
+                <a:latin typeface="+mj-lt"/>
+                <a:cs typeface="Consolas" panose="020B0609020204030204" pitchFamily="49" charset="0"/>
+              </a:rPr>
+              <a:t> in both implementations</a:t>
+            </a:r>
+          </a:p>
+          <a:p>
+            <a:pPr lvl="1"/>
+            <a:endParaRPr lang="en-US" dirty="0">
+              <a:latin typeface="+mj-lt"/>
+              <a:cs typeface="Consolas" panose="020B0609020204030204" pitchFamily="49" charset="0"/>
+            </a:endParaRPr>
+          </a:p>
+          <a:p>
+            <a:r>
+              <a:rPr lang="en-US" dirty="0" smtClean="0">
+                <a:latin typeface="+mj-lt"/>
+                <a:cs typeface="Consolas" panose="020B0609020204030204" pitchFamily="49" charset="0"/>
+              </a:rPr>
+              <a:t>Avoided a new reimplementation.</a:t>
+            </a:r>
+          </a:p>
+          <a:p>
+            <a:pPr lvl="1"/>
+            <a:r>
+              <a:rPr lang="en-US" dirty="0" err="1" smtClean="0">
+                <a:latin typeface="+mj-lt"/>
+                <a:cs typeface="Consolas" panose="020B0609020204030204" pitchFamily="49" charset="0"/>
+              </a:rPr>
+              <a:t>IOSharp</a:t>
+            </a:r>
+            <a:r>
+              <a:rPr lang="en-US" dirty="0" smtClean="0">
+                <a:latin typeface="+mj-lt"/>
+                <a:cs typeface="Consolas" panose="020B0609020204030204" pitchFamily="49" charset="0"/>
+              </a:rPr>
+              <a:t> relies on Mono Serial Port (UART)</a:t>
+            </a:r>
+            <a:endParaRPr lang="en-US" dirty="0">
+              <a:latin typeface="+mj-lt"/>
+              <a:cs typeface="Consolas" panose="020B0609020204030204" pitchFamily="49" charset="0"/>
+            </a:endParaRPr>
+          </a:p>
+        </p:txBody>
+      </p:sp>
+    </p:spTree>
+    <p:extLst>
+      <p:ext uri="{BB962C8B-B14F-4D97-AF65-F5344CB8AC3E}">
+        <p14:creationId xmlns:p14="http://schemas.microsoft.com/office/powerpoint/2010/main" val="994268500"/>
+      </p:ext>
+    </p:extLst>
+  </p:cSld>
+  <p:clrMapOvr>
+    <a:masterClrMapping/>
+  </p:clrMapOvr>
+  <p:timing>
+    <p:tnLst>
+      <p:par>
+        <p:cTn id="1" dur="indefinite" restart="never" nodeType="tmRoot"/>
+      </p:par>
+    </p:tnLst>
+  </p:timing>
+</p:sld>
+</file>
+
+<file path=ppt/slides/slide15.xml><?xml version="1.0" encoding="utf-8"?>
+<p:sld xmlns:a="http://schemas.openxmlformats.org/drawingml/2006/main" xmlns:r="http://schemas.openxmlformats.org/officeDocument/2006/relationships" xmlns:p="http://schemas.openxmlformats.org/presentationml/2006/main">
+  <p:cSld>
+    <p:spTree>
+      <p:nvGrpSpPr>
+        <p:cNvPr id="1" name=""/>
+        <p:cNvGrpSpPr/>
+        <p:nvPr/>
+      </p:nvGrpSpPr>
+      <p:grpSpPr>
+        <a:xfrm>
+          <a:off x="0" y="0"/>
+          <a:ext cx="0" cy="0"/>
+          <a:chOff x="0" y="0"/>
+          <a:chExt cx="0" cy="0"/>
+        </a:xfrm>
+      </p:grpSpPr>
+      <p:sp>
+        <p:nvSpPr>
+          <p:cNvPr id="2" name="Título 1"/>
+          <p:cNvSpPr>
+            <a:spLocks noGrp="1"/>
+          </p:cNvSpPr>
+          <p:nvPr>
+            <p:ph type="title"/>
+          </p:nvPr>
+        </p:nvSpPr>
+        <p:spPr/>
+        <p:txBody>
+          <a:bodyPr/>
+          <a:lstStyle/>
+          <a:p>
+            <a:r>
+              <a:rPr lang="en-US" dirty="0" smtClean="0"/>
+              <a:t>2.5.  Example</a:t>
+            </a:r>
+            <a:endParaRPr lang="en-US" dirty="0"/>
+          </a:p>
+        </p:txBody>
+      </p:sp>
+      <p:sp>
+        <p:nvSpPr>
+          <p:cNvPr id="3" name="Marcador de contenido 2"/>
+          <p:cNvSpPr>
+            <a:spLocks noGrp="1"/>
+          </p:cNvSpPr>
+          <p:nvPr>
+            <p:ph idx="1"/>
+          </p:nvPr>
+        </p:nvSpPr>
+        <p:spPr/>
+        <p:txBody>
+          <a:bodyPr/>
+          <a:lstStyle/>
+          <a:p>
+            <a:r>
+              <a:rPr lang="en-US" dirty="0" err="1" smtClean="0"/>
+              <a:t>HomeSense</a:t>
+            </a:r>
+            <a:r>
+              <a:rPr lang="en-US" dirty="0" smtClean="0"/>
+              <a:t> proves that the GPIO, SPI, UART and Interrupts are working on the </a:t>
+            </a:r>
+            <a:r>
+              <a:rPr lang="en-US" dirty="0" err="1" smtClean="0"/>
+              <a:t>IOSharp</a:t>
+            </a:r>
+            <a:r>
+              <a:rPr lang="en-US" dirty="0" smtClean="0"/>
+              <a:t> implementation</a:t>
+            </a:r>
+          </a:p>
+          <a:p>
+            <a:pPr lvl="1"/>
+            <a:r>
+              <a:rPr lang="en-US" dirty="0" smtClean="0"/>
+              <a:t>First milestone is accomplished</a:t>
+            </a:r>
+          </a:p>
+          <a:p>
+            <a:endParaRPr lang="en-US" dirty="0"/>
+          </a:p>
+          <a:p>
+            <a:r>
+              <a:rPr lang="en-US" dirty="0" smtClean="0"/>
+              <a:t>Video showing </a:t>
+            </a:r>
+            <a:r>
+              <a:rPr lang="en-US" dirty="0" err="1" smtClean="0"/>
+              <a:t>HomeSense</a:t>
+            </a:r>
+            <a:r>
+              <a:rPr lang="en-US" dirty="0" smtClean="0"/>
+              <a:t> on Raspberry Pi</a:t>
+            </a:r>
+          </a:p>
+          <a:p>
+            <a:endParaRPr lang="en-US" dirty="0"/>
+          </a:p>
+          <a:p>
+            <a:r>
+              <a:rPr lang="en-US" dirty="0" err="1"/>
+              <a:t>IOSharp</a:t>
+            </a:r>
+            <a:r>
+              <a:rPr lang="en-US" dirty="0"/>
+              <a:t> requires one more transmission than NETMF</a:t>
+            </a:r>
+          </a:p>
+          <a:p>
+            <a:endParaRPr lang="en-US" dirty="0"/>
+          </a:p>
+        </p:txBody>
+      </p:sp>
+      <p:sp>
+        <p:nvSpPr>
+          <p:cNvPr id="4" name="Marcador de pie de página 3"/>
+          <p:cNvSpPr>
+            <a:spLocks noGrp="1"/>
+          </p:cNvSpPr>
+          <p:nvPr>
+            <p:ph type="ftr" sz="quarter" idx="11"/>
+          </p:nvPr>
+        </p:nvSpPr>
+        <p:spPr/>
+        <p:txBody>
+          <a:bodyPr/>
+          <a:lstStyle/>
+          <a:p>
+            <a:r>
+              <a:rPr lang="es-ES" dirty="0" err="1" smtClean="0"/>
+              <a:t>IOSharp</a:t>
+            </a:r>
+            <a:r>
+              <a:rPr lang="es-ES" dirty="0" smtClean="0"/>
+              <a:t>: .NET Micro Framework </a:t>
+            </a:r>
+            <a:r>
+              <a:rPr lang="es-ES" dirty="0" err="1" smtClean="0"/>
+              <a:t>on</a:t>
+            </a:r>
+            <a:r>
+              <a:rPr lang="es-ES" dirty="0" smtClean="0"/>
+              <a:t> Linux</a:t>
+            </a:r>
+            <a:endParaRPr lang="es-ES" dirty="0"/>
+          </a:p>
+        </p:txBody>
+      </p:sp>
+      <p:sp>
+        <p:nvSpPr>
+          <p:cNvPr id="5" name="Marcador de número de diapositiva 4"/>
+          <p:cNvSpPr>
+            <a:spLocks noGrp="1"/>
+          </p:cNvSpPr>
+          <p:nvPr>
+            <p:ph type="sldNum" sz="quarter" idx="12"/>
+          </p:nvPr>
+        </p:nvSpPr>
+        <p:spPr/>
+        <p:txBody>
+          <a:bodyPr/>
+          <a:lstStyle/>
+          <a:p>
+            <a:fld id="{8EE90C33-BF19-4C36-8633-00054130773A}" type="slidenum">
+              <a:rPr lang="es-ES" smtClean="0"/>
+              <a:t>15</a:t>
+            </a:fld>
+            <a:endParaRPr lang="es-ES"/>
+          </a:p>
+        </p:txBody>
+      </p:sp>
+    </p:spTree>
+    <p:extLst>
+      <p:ext uri="{BB962C8B-B14F-4D97-AF65-F5344CB8AC3E}">
+        <p14:creationId xmlns:p14="http://schemas.microsoft.com/office/powerpoint/2010/main" val="3360471616"/>
+      </p:ext>
+    </p:extLst>
+  </p:cSld>
+  <p:clrMapOvr>
+    <a:masterClrMapping/>
+  </p:clrMapOvr>
+  <p:timing>
+    <p:tnLst>
+      <p:par>
+        <p:cTn id="1" dur="indefinite" restart="never" nodeType="tmRoot"/>
+      </p:par>
+    </p:tnLst>
+  </p:timing>
+</p:sld>
+</file>
+
+<file path=ppt/slides/slide16.xml><?xml version="1.0" encoding="utf-8"?>
+<p:sld xmlns:a="http://schemas.openxmlformats.org/drawingml/2006/main" xmlns:r="http://schemas.openxmlformats.org/officeDocument/2006/relationships" xmlns:p="http://schemas.openxmlformats.org/presentationml/2006/main">
+  <p:cSld>
+    <p:spTree>
+      <p:nvGrpSpPr>
+        <p:cNvPr id="1" name=""/>
+        <p:cNvGrpSpPr/>
+        <p:nvPr/>
+      </p:nvGrpSpPr>
+      <p:grpSpPr>
+        <a:xfrm>
+          <a:off x="0" y="0"/>
+          <a:ext cx="0" cy="0"/>
+          <a:chOff x="0" y="0"/>
+          <a:chExt cx="0" cy="0"/>
+        </a:xfrm>
+      </p:grpSpPr>
+      <p:sp>
+        <p:nvSpPr>
+          <p:cNvPr id="2" name="Título 1"/>
+          <p:cNvSpPr>
+            <a:spLocks noGrp="1"/>
+          </p:cNvSpPr>
+          <p:nvPr>
+            <p:ph type="title"/>
+          </p:nvPr>
+        </p:nvSpPr>
         <p:spPr>
           <a:xfrm>
             <a:off x="1945201" y="624110"/>
@@ -9398,7 +10179,7 @@
         </p:blipFill>
         <p:spPr>
           <a:xfrm>
-            <a:off x="1942415" y="4437112"/>
+            <a:off x="1931160" y="4019883"/>
             <a:ext cx="6591300" cy="1569357"/>
           </a:xfrm>
         </p:spPr>
@@ -9419,10 +10200,22 @@
           <a:lstStyle/>
           <a:p>
             <a:r>
-              <a:rPr lang="es-ES" smtClean="0"/>
-              <a:t>IOSharp: .NET Micro Framework on Linux</a:t>
-            </a:r>
-            <a:endParaRPr lang="es-ES"/>
+              <a:rPr lang="es-ES" dirty="0" err="1" smtClean="0"/>
+              <a:t>IOSharp</a:t>
+            </a:r>
+            <a:r>
+              <a:rPr lang="es-ES" dirty="0" smtClean="0"/>
+              <a:t>: .NET Micro Framework </a:t>
+            </a:r>
+            <a:r>
+              <a:rPr lang="es-ES" dirty="0" err="1" smtClean="0"/>
+              <a:t>on</a:t>
+            </a:r>
+            <a:r>
+              <a:rPr lang="es-ES" dirty="0" smtClean="0"/>
+              <a:t> Linux</a:t>
+            </a:r>
+            <a:endParaRPr lang="es-ES" dirty="0"/>
           </a:p>
         </p:txBody>
       </p:sp>
@@ -9443,7 +10236,7 @@
           <a:p>
             <a:fld id="{8EE90C33-BF19-4C36-8633-00054130773A}" type="slidenum">
               <a:rPr lang="es-ES" smtClean="0"/>
-              <a:t>13</a:t>
+              <a:t>16</a:t>
             </a:fld>
             <a:endParaRPr lang="es-ES"/>
           </a:p>
@@ -9701,9 +10494,6 @@
             </a:r>
           </a:p>
           <a:p>
-            <a:endParaRPr lang="en-US" dirty="0" smtClean="0"/>
-          </a:p>
-          <a:p>
             <a:r>
               <a:rPr lang="en-US" dirty="0" smtClean="0"/>
               <a:t>Use cases:</a:t>
@@ -9720,11 +10510,7 @@
             <a:pPr lvl="1"/>
             <a:r>
               <a:rPr lang="en-US" dirty="0" smtClean="0"/>
-              <a:t>Cross-Platform </a:t>
-            </a:r>
-            <a:r>
-              <a:rPr lang="en-US" dirty="0" smtClean="0"/>
-              <a:t>development</a:t>
+              <a:t>Cross-Platform development</a:t>
             </a:r>
             <a:endParaRPr lang="en-US" dirty="0"/>
           </a:p>
@@ -9759,6 +10545,44 @@
           </a:prstGeom>
         </p:spPr>
       </p:pic>
+      <p:sp>
+        <p:nvSpPr>
+          <p:cNvPr id="8" name="CuadroTexto 7"/>
+          <p:cNvSpPr txBox="1"/>
+          <p:nvPr/>
+        </p:nvSpPr>
+        <p:spPr>
+          <a:xfrm>
+            <a:off x="3392341" y="5607770"/>
+            <a:ext cx="3690762" cy="307777"/>
+          </a:xfrm>
+          <a:prstGeom prst="rect">
+            <a:avLst/>
+          </a:prstGeom>
+          <a:noFill/>
+        </p:spPr>
+        <p:txBody>
+          <a:bodyPr wrap="square" rtlCol="0">
+            <a:spAutoFit/>
+          </a:bodyPr>
+          <a:lstStyle/>
+          <a:p>
+            <a:r>
+              <a:rPr lang="en-US" sz="1400" b="1" dirty="0" smtClean="0"/>
+              <a:t>Fig. 6: </a:t>
+            </a:r>
+            <a:r>
+              <a:rPr lang="en-US" sz="1400" dirty="0" err="1" smtClean="0"/>
+              <a:t>AlterNative</a:t>
+            </a:r>
+            <a:r>
+              <a:rPr lang="en-US" sz="1400" dirty="0" smtClean="0"/>
+              <a:t> translation process</a:t>
+            </a:r>
+            <a:endParaRPr lang="en-US" sz="1400" dirty="0"/>
+          </a:p>
+        </p:txBody>
+      </p:sp>
     </p:spTree>
     <p:extLst>
       <p:ext uri="{BB962C8B-B14F-4D97-AF65-F5344CB8AC3E}">
@@ -9779,7 +10603,7 @@
 </p:sld>
 </file>
 
-<file path=ppt/slides/slide14.xml><?xml version="1.0" encoding="utf-8"?>
+<file path=ppt/slides/slide17.xml><?xml version="1.0" encoding="utf-8"?>
 <p:sld xmlns:a="http://schemas.openxmlformats.org/drawingml/2006/main" xmlns:r="http://schemas.openxmlformats.org/officeDocument/2006/relationships" xmlns:p="http://schemas.openxmlformats.org/presentationml/2006/main">
   <p:cSld>
     <p:spTree>
@@ -9834,7 +10658,66 @@
           <a:bodyPr/>
           <a:lstStyle/>
           <a:p>
-            <a:endParaRPr lang="en-US"/>
+            <a:endParaRPr lang="en-US" dirty="0"/>
+          </a:p>
+          <a:p>
+            <a:r>
+              <a:rPr lang="en-US" dirty="0" smtClean="0"/>
+              <a:t>Make </a:t>
+            </a:r>
+            <a:r>
+              <a:rPr lang="en-US" dirty="0" err="1" smtClean="0"/>
+              <a:t>AlterNative</a:t>
+            </a:r>
+            <a:r>
+              <a:rPr lang="en-US" dirty="0" smtClean="0"/>
+              <a:t> compatible with Linux and </a:t>
+            </a:r>
+            <a:r>
+              <a:rPr lang="en-US" dirty="0" err="1" smtClean="0"/>
+              <a:t>MacOSX</a:t>
+            </a:r>
+            <a:endParaRPr lang="en-US" dirty="0" smtClean="0"/>
+          </a:p>
+          <a:p>
+            <a:endParaRPr lang="en-US" dirty="0"/>
+          </a:p>
+          <a:p>
+            <a:r>
+              <a:rPr lang="en-US" dirty="0" smtClean="0"/>
+              <a:t>Develop parts of the proprietary library</a:t>
+            </a:r>
+          </a:p>
+          <a:p>
+            <a:pPr lvl="1"/>
+            <a:r>
+              <a:rPr lang="en-US" dirty="0" err="1" smtClean="0"/>
+              <a:t>DateTime</a:t>
+            </a:r>
+            <a:endParaRPr lang="en-US" dirty="0" smtClean="0"/>
+          </a:p>
+          <a:p>
+            <a:pPr lvl="1"/>
+            <a:r>
+              <a:rPr lang="en-US" dirty="0" err="1" smtClean="0"/>
+              <a:t>TimeSpan</a:t>
+            </a:r>
+            <a:endParaRPr lang="en-US" dirty="0" smtClean="0"/>
+          </a:p>
+          <a:p>
+            <a:pPr lvl="1"/>
+            <a:r>
+              <a:rPr lang="en-US" dirty="0" smtClean="0"/>
+              <a:t>File</a:t>
+            </a:r>
+          </a:p>
+          <a:p>
+            <a:pPr lvl="1"/>
+            <a:r>
+              <a:rPr lang="en-US" dirty="0" smtClean="0"/>
+              <a:t>Encoding</a:t>
+            </a:r>
+            <a:endParaRPr lang="en-US" dirty="0"/>
           </a:p>
         </p:txBody>
       </p:sp>
@@ -9854,8 +10737,20 @@
           <a:lstStyle/>
           <a:p>
             <a:r>
-              <a:rPr lang="es-ES" smtClean="0"/>
-              <a:t>IOSharp: .NET Micro Framework on Linux</a:t>
+              <a:rPr lang="es-ES" dirty="0" err="1" smtClean="0"/>
+              <a:t>IOSharp</a:t>
+            </a:r>
+            <a:r>
+              <a:rPr lang="es-ES" dirty="0" smtClean="0"/>
+              <a:t>: .NET Micro Framework </a:t>
+            </a:r>
+            <a:r>
+              <a:rPr lang="es-ES" dirty="0" err="1" smtClean="0"/>
+              <a:t>on</a:t>
+            </a:r>
+            <a:r>
+              <a:rPr lang="es-ES" dirty="0" smtClean="0"/>
+              <a:t> Linux</a:t>
             </a:r>
             <a:endParaRPr lang="es-ES" dirty="0"/>
           </a:p>
@@ -9878,7 +10773,7 @@
           <a:p>
             <a:fld id="{8EE90C33-BF19-4C36-8633-00054130773A}" type="slidenum">
               <a:rPr lang="es-ES" smtClean="0"/>
-              <a:t>14</a:t>
+              <a:t>17</a:t>
             </a:fld>
             <a:endParaRPr lang="es-ES"/>
           </a:p>
@@ -9904,7 +10799,7 @@
 </p:sld>
 </file>
 
-<file path=ppt/slides/slide15.xml><?xml version="1.0" encoding="utf-8"?>
+<file path=ppt/slides/slide18.xml><?xml version="1.0" encoding="utf-8"?>
 <p:sld xmlns:a="http://schemas.openxmlformats.org/drawingml/2006/main" xmlns:r="http://schemas.openxmlformats.org/officeDocument/2006/relationships" xmlns:p="http://schemas.openxmlformats.org/presentationml/2006/main">
   <p:cSld>
     <p:spTree>
@@ -9976,8 +10871,20 @@
           <a:lstStyle/>
           <a:p>
             <a:r>
-              <a:rPr lang="es-ES" smtClean="0"/>
-              <a:t>IOSharp: .NET Micro Framework on Linux</a:t>
+              <a:rPr lang="es-ES" dirty="0" err="1" smtClean="0"/>
+              <a:t>IOSharp</a:t>
+            </a:r>
+            <a:r>
+              <a:rPr lang="es-ES" dirty="0" smtClean="0"/>
+              <a:t>: .NET Micro Framework </a:t>
+            </a:r>
+            <a:r>
+              <a:rPr lang="es-ES" dirty="0" err="1" smtClean="0"/>
+              <a:t>on</a:t>
+            </a:r>
+            <a:r>
+              <a:rPr lang="es-ES" dirty="0" smtClean="0"/>
+              <a:t> Linux</a:t>
             </a:r>
             <a:endParaRPr lang="es-ES" dirty="0"/>
           </a:p>
@@ -10000,7 +10907,7 @@
           <a:p>
             <a:fld id="{8EE90C33-BF19-4C36-8633-00054130773A}" type="slidenum">
               <a:rPr lang="es-ES" smtClean="0"/>
-              <a:t>15</a:t>
+              <a:t>18</a:t>
             </a:fld>
             <a:endParaRPr lang="es-ES"/>
           </a:p>
@@ -10014,8 +10921,8 @@
         </p:nvSpPr>
         <p:spPr>
           <a:xfrm>
-            <a:off x="3042780" y="1449512"/>
-            <a:ext cx="4031498" cy="1754326"/>
+            <a:off x="683568" y="2259984"/>
+            <a:ext cx="3528392" cy="2568845"/>
           </a:xfrm>
           <a:prstGeom prst="rect">
             <a:avLst/>
@@ -10042,10 +10949,18 @@
           <a:lstStyle/>
           <a:p>
             <a:pPr>
+              <a:lnSpc>
+                <a:spcPct val="150000"/>
+              </a:lnSpc>
               <a:buNone/>
             </a:pPr>
             <a:r>
               <a:rPr lang="es-ES" sz="1600" dirty="0" err="1" smtClean="0">
+                <a:solidFill>
+                  <a:schemeClr val="accent2">
+                    <a:lumMod val="75000"/>
+                  </a:schemeClr>
+                </a:solidFill>
                 <a:latin typeface="Consolas" panose="020B0609020204030204" pitchFamily="49" charset="0"/>
                 <a:cs typeface="Consolas" panose="020B0609020204030204" pitchFamily="49" charset="0"/>
               </a:rPr>
@@ -10053,6 +10968,11 @@
             </a:r>
             <a:r>
               <a:rPr lang="es-ES" sz="1600" dirty="0" smtClean="0">
+                <a:solidFill>
+                  <a:schemeClr val="accent2">
+                    <a:lumMod val="75000"/>
+                  </a:schemeClr>
+                </a:solidFill>
                 <a:latin typeface="Consolas" panose="020B0609020204030204" pitchFamily="49" charset="0"/>
                 <a:cs typeface="Consolas" panose="020B0609020204030204" pitchFamily="49" charset="0"/>
               </a:rPr>
@@ -10060,6 +10980,11 @@
             </a:r>
             <a:r>
               <a:rPr lang="es-ES" sz="1600" dirty="0" err="1" smtClean="0">
+                <a:solidFill>
+                  <a:schemeClr val="accent2">
+                    <a:lumMod val="75000"/>
+                  </a:schemeClr>
+                </a:solidFill>
                 <a:latin typeface="Consolas" panose="020B0609020204030204" pitchFamily="49" charset="0"/>
                 <a:cs typeface="Consolas" panose="020B0609020204030204" pitchFamily="49" charset="0"/>
               </a:rPr>
@@ -10067,6 +10992,11 @@
             </a:r>
             <a:r>
               <a:rPr lang="es-ES" sz="1600" dirty="0" smtClean="0">
+                <a:solidFill>
+                  <a:schemeClr val="accent2">
+                    <a:lumMod val="75000"/>
+                  </a:schemeClr>
+                </a:solidFill>
                 <a:latin typeface="Consolas" panose="020B0609020204030204" pitchFamily="49" charset="0"/>
                 <a:cs typeface="Consolas" panose="020B0609020204030204" pitchFamily="49" charset="0"/>
               </a:rPr>
@@ -10074,6 +11004,11 @@
             </a:r>
             <a:r>
               <a:rPr lang="es-ES" sz="1600" dirty="0" err="1" smtClean="0">
+                <a:solidFill>
+                  <a:schemeClr val="accent2">
+                    <a:lumMod val="75000"/>
+                  </a:schemeClr>
+                </a:solidFill>
                 <a:latin typeface="Consolas" panose="020B0609020204030204" pitchFamily="49" charset="0"/>
                 <a:cs typeface="Consolas" panose="020B0609020204030204" pitchFamily="49" charset="0"/>
               </a:rPr>
@@ -10081,6 +11016,11 @@
             </a:r>
             <a:r>
               <a:rPr lang="es-ES" sz="1600" dirty="0" smtClean="0">
+                <a:solidFill>
+                  <a:schemeClr val="accent2">
+                    <a:lumMod val="75000"/>
+                  </a:schemeClr>
+                </a:solidFill>
                 <a:latin typeface="Consolas" panose="020B0609020204030204" pitchFamily="49" charset="0"/>
                 <a:cs typeface="Consolas" panose="020B0609020204030204" pitchFamily="49" charset="0"/>
               </a:rPr>
@@ -10088,6 +11028,11 @@
             </a:r>
             <a:r>
               <a:rPr lang="es-ES" sz="1600" dirty="0" err="1" smtClean="0">
+                <a:solidFill>
+                  <a:schemeClr val="accent2">
+                    <a:lumMod val="75000"/>
+                  </a:schemeClr>
+                </a:solidFill>
                 <a:latin typeface="Consolas" panose="020B0609020204030204" pitchFamily="49" charset="0"/>
                 <a:cs typeface="Consolas" panose="020B0609020204030204" pitchFamily="49" charset="0"/>
               </a:rPr>
@@ -10095,14 +11040,38 @@
             </a:r>
             <a:r>
               <a:rPr lang="es-ES" sz="1600" dirty="0" smtClean="0">
+                <a:solidFill>
+                  <a:schemeClr val="accent2">
+                    <a:lumMod val="75000"/>
+                  </a:schemeClr>
+                </a:solidFill>
                 <a:latin typeface="Consolas" panose="020B0609020204030204" pitchFamily="49" charset="0"/>
                 <a:cs typeface="Consolas" panose="020B0609020204030204" pitchFamily="49" charset="0"/>
               </a:rPr>
-              <a:t>){</a:t>
-            </a:r>
-          </a:p>
-          <a:p>
-            <a:pPr lvl="1"/>
+              <a:t>)</a:t>
+            </a:r>
+            <a:r>
+              <a:rPr lang="es-ES" sz="1600" dirty="0" smtClean="0">
+                <a:latin typeface="Consolas" panose="020B0609020204030204" pitchFamily="49" charset="0"/>
+                <a:cs typeface="Consolas" panose="020B0609020204030204" pitchFamily="49" charset="0"/>
+              </a:rPr>
+              <a:t>{</a:t>
+            </a:r>
+          </a:p>
+          <a:p>
+            <a:pPr>
+              <a:lnSpc>
+                <a:spcPct val="150000"/>
+              </a:lnSpc>
+              <a:buNone/>
+            </a:pPr>
+            <a:r>
+              <a:rPr lang="es-ES" sz="1100" dirty="0" smtClean="0">
+                <a:latin typeface="Consolas" panose="020B0609020204030204" pitchFamily="49" charset="0"/>
+                <a:cs typeface="Consolas" panose="020B0609020204030204" pitchFamily="49" charset="0"/>
+              </a:rPr>
+              <a:t>  </a:t>
+            </a:r>
             <a:r>
               <a:rPr lang="en-US" sz="1100" dirty="0" err="1" smtClean="0"/>
               <a:t>Console.</a:t>
@@ -10119,6 +11088,13 @@
               <a:rPr lang="en-US" sz="1100" dirty="0" smtClean="0"/>
             </a:br>
             <a:r>
+              <a:rPr lang="es-ES" sz="1100" dirty="0" smtClean="0">
+                <a:latin typeface="Consolas" panose="020B0609020204030204" pitchFamily="49" charset="0"/>
+                <a:cs typeface="Consolas" panose="020B0609020204030204" pitchFamily="49" charset="0"/>
+              </a:rPr>
+              <a:t>  </a:t>
+            </a:r>
+            <a:r>
               <a:rPr lang="en-US" sz="1100" dirty="0" smtClean="0"/>
               <a:t>string line = </a:t>
             </a:r>
@@ -10138,6 +11114,13 @@
               <a:rPr lang="en-US" sz="1100" dirty="0" smtClean="0"/>
             </a:br>
             <a:r>
+              <a:rPr lang="es-ES" sz="1100" dirty="0" smtClean="0">
+                <a:latin typeface="Consolas" panose="020B0609020204030204" pitchFamily="49" charset="0"/>
+                <a:cs typeface="Consolas" panose="020B0609020204030204" pitchFamily="49" charset="0"/>
+              </a:rPr>
+              <a:t>  </a:t>
+            </a:r>
+            <a:r>
               <a:rPr lang="en-US" sz="1100" dirty="0" err="1" smtClean="0"/>
               <a:t>Console.</a:t>
             </a:r>
@@ -10153,78 +11136,74 @@
               <a:rPr lang="en-US" sz="1100" dirty="0" smtClean="0"/>
             </a:br>
             <a:r>
+              <a:rPr lang="es-ES" sz="1100" dirty="0" smtClean="0">
+                <a:latin typeface="Consolas" panose="020B0609020204030204" pitchFamily="49" charset="0"/>
+                <a:cs typeface="Consolas" panose="020B0609020204030204" pitchFamily="49" charset="0"/>
+              </a:rPr>
+              <a:t>  </a:t>
+            </a:r>
+            <a:r>
               <a:rPr lang="en-US" sz="1100" b="1" dirty="0" smtClean="0"/>
               <a:t>byte</a:t>
             </a:r>
             <a:r>
-              <a:rPr lang="en-US" sz="1100" dirty="0"/>
+              <a:rPr lang="en-US" sz="1100" dirty="0" smtClean="0"/>
               <a:t>[] b = </a:t>
             </a:r>
             <a:r>
-              <a:rPr lang="en-US" sz="1100" b="1" dirty="0"/>
+              <a:rPr lang="en-US" sz="1100" b="1" dirty="0" smtClean="0"/>
               <a:t>new</a:t>
             </a:r>
             <a:r>
-              <a:rPr lang="en-US" sz="1100" dirty="0"/>
+              <a:rPr lang="en-US" sz="1100" dirty="0" smtClean="0"/>
               <a:t> </a:t>
             </a:r>
             <a:r>
-              <a:rPr lang="en-US" sz="1100" b="1" dirty="0"/>
+              <a:rPr lang="en-US" sz="1100" b="1" dirty="0" smtClean="0"/>
               <a:t>byte</a:t>
             </a:r>
             <a:r>
-              <a:rPr lang="en-US" sz="1100" dirty="0"/>
-              <a:t>[</a:t>
-            </a:r>
-            <a:r>
-              <a:rPr lang="en-US" sz="1100" dirty="0"/>
-              <a:t>2</a:t>
-            </a:r>
-            <a:r>
-              <a:rPr lang="en-US" sz="1100" dirty="0"/>
-              <a:t>];</a:t>
+              <a:rPr lang="en-US" sz="1100" dirty="0" smtClean="0"/>
+              <a:t>[2];</a:t>
             </a:r>
             <a:br>
-              <a:rPr lang="en-US" sz="1100" dirty="0"/>
+              <a:rPr lang="en-US" sz="1100" dirty="0" smtClean="0"/>
             </a:br>
             <a:r>
+              <a:rPr lang="es-ES" sz="1100" dirty="0" smtClean="0">
+                <a:latin typeface="Consolas" panose="020B0609020204030204" pitchFamily="49" charset="0"/>
+                <a:cs typeface="Consolas" panose="020B0609020204030204" pitchFamily="49" charset="0"/>
+              </a:rPr>
+              <a:t>  </a:t>
+            </a:r>
+            <a:r>
               <a:rPr lang="en-US" sz="1100" dirty="0" smtClean="0"/>
-              <a:t>b[0</a:t>
-            </a:r>
-            <a:r>
-              <a:rPr lang="en-US" sz="1100" dirty="0"/>
-              <a:t>] = </a:t>
-            </a:r>
-            <a:r>
-              <a:rPr lang="en-US" sz="1100" dirty="0"/>
-              <a:t>0</a:t>
-            </a:r>
-            <a:r>
-              <a:rPr lang="en-US" sz="1100" dirty="0"/>
-              <a:t>;</a:t>
+              <a:t>b[0] = 0;</a:t>
             </a:r>
             <a:br>
-              <a:rPr lang="en-US" sz="1100" dirty="0"/>
+              <a:rPr lang="en-US" sz="1100" dirty="0" smtClean="0"/>
             </a:br>
             <a:r>
+              <a:rPr lang="es-ES" sz="1100" dirty="0" smtClean="0">
+                <a:latin typeface="Consolas" panose="020B0609020204030204" pitchFamily="49" charset="0"/>
+                <a:cs typeface="Consolas" panose="020B0609020204030204" pitchFamily="49" charset="0"/>
+              </a:rPr>
+              <a:t>  </a:t>
+            </a:r>
+            <a:r>
               <a:rPr lang="en-US" sz="1100" dirty="0" smtClean="0"/>
-              <a:t>b[1</a:t>
-            </a:r>
-            <a:r>
-              <a:rPr lang="en-US" sz="1100" dirty="0"/>
-              <a:t>] = </a:t>
-            </a:r>
-            <a:r>
-              <a:rPr lang="en-US" sz="1100" dirty="0"/>
-              <a:t>255</a:t>
-            </a:r>
-            <a:r>
-              <a:rPr lang="en-US" sz="1100" dirty="0"/>
-              <a:t>;</a:t>
+              <a:t>b[1] = 255;</a:t>
             </a:r>
             <a:br>
-              <a:rPr lang="en-US" sz="1100" dirty="0"/>
+              <a:rPr lang="en-US" sz="1100" dirty="0" smtClean="0"/>
             </a:br>
+            <a:r>
+              <a:rPr lang="es-ES" sz="1100" dirty="0" smtClean="0">
+                <a:latin typeface="Consolas" panose="020B0609020204030204" pitchFamily="49" charset="0"/>
+                <a:cs typeface="Consolas" panose="020B0609020204030204" pitchFamily="49" charset="0"/>
+              </a:rPr>
+              <a:t>  </a:t>
+            </a:r>
             <a:r>
               <a:rPr lang="en-US" sz="1100" dirty="0" err="1" smtClean="0"/>
               <a:t>Console.</a:t>
@@ -10243,11 +11222,7 @@
             </a:r>
             <a:r>
               <a:rPr lang="en-US" sz="1100" dirty="0" smtClean="0"/>
-              <a:t>(b</a:t>
-            </a:r>
-            <a:r>
-              <a:rPr lang="en-US" sz="1100" dirty="0"/>
-              <a:t>));</a:t>
+              <a:t>(b));</a:t>
             </a:r>
             <a:endParaRPr lang="es-ES" sz="1400" dirty="0" smtClean="0">
               <a:latin typeface="Consolas" panose="020B0609020204030204" pitchFamily="49" charset="0"/>
@@ -10256,6 +11231,9 @@
           </a:p>
           <a:p>
             <a:pPr>
+              <a:lnSpc>
+                <a:spcPct val="150000"/>
+              </a:lnSpc>
               <a:buNone/>
             </a:pPr>
             <a:r>
@@ -10280,8 +11258,8 @@
         </p:nvSpPr>
         <p:spPr>
           <a:xfrm>
-            <a:off x="3024778" y="4183443"/>
-            <a:ext cx="4067502" cy="1800493"/>
+            <a:off x="5246293" y="2295934"/>
+            <a:ext cx="3758004" cy="2568845"/>
           </a:xfrm>
           <a:prstGeom prst="rect">
             <a:avLst/>
@@ -10308,10 +11286,18 @@
           <a:lstStyle/>
           <a:p>
             <a:pPr>
+              <a:lnSpc>
+                <a:spcPct val="150000"/>
+              </a:lnSpc>
               <a:buNone/>
             </a:pPr>
             <a:r>
               <a:rPr lang="es-ES" sz="1600" dirty="0" err="1">
+                <a:solidFill>
+                  <a:schemeClr val="accent2">
+                    <a:lumMod val="75000"/>
+                  </a:schemeClr>
+                </a:solidFill>
                 <a:latin typeface="Consolas" panose="020B0609020204030204" pitchFamily="49" charset="0"/>
                 <a:cs typeface="Consolas" panose="020B0609020204030204" pitchFamily="49" charset="0"/>
               </a:rPr>
@@ -10319,6 +11305,11 @@
             </a:r>
             <a:r>
               <a:rPr lang="es-ES" sz="1600" dirty="0">
+                <a:solidFill>
+                  <a:schemeClr val="accent2">
+                    <a:lumMod val="75000"/>
+                  </a:schemeClr>
+                </a:solidFill>
                 <a:latin typeface="Consolas" panose="020B0609020204030204" pitchFamily="49" charset="0"/>
                 <a:cs typeface="Consolas" panose="020B0609020204030204" pitchFamily="49" charset="0"/>
               </a:rPr>
@@ -10326,6 +11317,11 @@
             </a:r>
             <a:r>
               <a:rPr lang="es-ES" sz="1600" dirty="0" err="1">
+                <a:solidFill>
+                  <a:schemeClr val="accent2">
+                    <a:lumMod val="75000"/>
+                  </a:schemeClr>
+                </a:solidFill>
                 <a:latin typeface="Consolas" panose="020B0609020204030204" pitchFamily="49" charset="0"/>
                 <a:cs typeface="Consolas" panose="020B0609020204030204" pitchFamily="49" charset="0"/>
               </a:rPr>
@@ -10333,6 +11329,11 @@
             </a:r>
             <a:r>
               <a:rPr lang="es-ES" sz="1600" dirty="0">
+                <a:solidFill>
+                  <a:schemeClr val="accent2">
+                    <a:lumMod val="75000"/>
+                  </a:schemeClr>
+                </a:solidFill>
                 <a:latin typeface="Consolas" panose="020B0609020204030204" pitchFamily="49" charset="0"/>
                 <a:cs typeface="Consolas" panose="020B0609020204030204" pitchFamily="49" charset="0"/>
               </a:rPr>
@@ -10340,6 +11341,11 @@
             </a:r>
             <a:r>
               <a:rPr lang="es-ES" sz="1600" dirty="0" err="1">
+                <a:solidFill>
+                  <a:schemeClr val="accent2">
+                    <a:lumMod val="75000"/>
+                  </a:schemeClr>
+                </a:solidFill>
                 <a:latin typeface="Consolas" panose="020B0609020204030204" pitchFamily="49" charset="0"/>
                 <a:cs typeface="Consolas" panose="020B0609020204030204" pitchFamily="49" charset="0"/>
               </a:rPr>
@@ -10347,6 +11353,11 @@
             </a:r>
             <a:r>
               <a:rPr lang="es-ES" sz="1600" dirty="0">
+                <a:solidFill>
+                  <a:schemeClr val="accent2">
+                    <a:lumMod val="75000"/>
+                  </a:schemeClr>
+                </a:solidFill>
                 <a:latin typeface="Consolas" panose="020B0609020204030204" pitchFamily="49" charset="0"/>
                 <a:cs typeface="Consolas" panose="020B0609020204030204" pitchFamily="49" charset="0"/>
               </a:rPr>
@@ -10354,202 +11365,290 @@
             </a:r>
             <a:r>
               <a:rPr lang="es-ES" sz="1600" dirty="0" err="1">
+                <a:solidFill>
+                  <a:schemeClr val="accent2">
+                    <a:lumMod val="75000"/>
+                  </a:schemeClr>
+                </a:solidFill>
                 <a:latin typeface="Consolas" panose="020B0609020204030204" pitchFamily="49" charset="0"/>
                 <a:cs typeface="Consolas" panose="020B0609020204030204" pitchFamily="49" charset="0"/>
               </a:rPr>
               <a:t>args</a:t>
             </a:r>
             <a:r>
-              <a:rPr lang="es-ES" sz="1600" dirty="0">
+              <a:rPr lang="es-ES" sz="1600" dirty="0" smtClean="0">
+                <a:solidFill>
+                  <a:schemeClr val="accent2">
+                    <a:lumMod val="75000"/>
+                  </a:schemeClr>
+                </a:solidFill>
                 <a:latin typeface="Consolas" panose="020B0609020204030204" pitchFamily="49" charset="0"/>
                 <a:cs typeface="Consolas" panose="020B0609020204030204" pitchFamily="49" charset="0"/>
               </a:rPr>
-              <a:t>[]){</a:t>
-            </a:r>
-          </a:p>
-          <a:p>
-            <a:pPr lvl="1"/>
+              <a:t>[])</a:t>
+            </a:r>
+            <a:r>
+              <a:rPr lang="es-ES" sz="1600" dirty="0" smtClean="0">
+                <a:latin typeface="Consolas" panose="020B0609020204030204" pitchFamily="49" charset="0"/>
+                <a:cs typeface="Consolas" panose="020B0609020204030204" pitchFamily="49" charset="0"/>
+              </a:rPr>
+              <a:t>{</a:t>
+            </a:r>
+          </a:p>
+          <a:p>
+            <a:pPr>
+              <a:lnSpc>
+                <a:spcPct val="150000"/>
+              </a:lnSpc>
+              <a:buNone/>
+            </a:pPr>
+            <a:r>
+              <a:rPr lang="es-ES" sz="1100" dirty="0">
+                <a:latin typeface="Consolas" panose="020B0609020204030204" pitchFamily="49" charset="0"/>
+                <a:cs typeface="Consolas" panose="020B0609020204030204" pitchFamily="49" charset="0"/>
+              </a:rPr>
+              <a:t> </a:t>
+            </a:r>
+            <a:r>
+              <a:rPr lang="es-ES" sz="1100" dirty="0" smtClean="0">
+                <a:latin typeface="Consolas" panose="020B0609020204030204" pitchFamily="49" charset="0"/>
+                <a:cs typeface="Consolas" panose="020B0609020204030204" pitchFamily="49" charset="0"/>
+              </a:rPr>
+              <a:t> </a:t>
+            </a:r>
             <a:r>
               <a:rPr lang="en-US" sz="1100" dirty="0" smtClean="0"/>
-              <a:t>Console</a:t>
-            </a:r>
-            <a:r>
-              <a:rPr lang="en-US" sz="1100" dirty="0"/>
-              <a:t>::</a:t>
-            </a:r>
-            <a:r>
-              <a:rPr lang="en-US" sz="1100" b="1" dirty="0" err="1"/>
+              <a:t>Console::</a:t>
+            </a:r>
+            <a:r>
+              <a:rPr lang="en-US" sz="1100" b="1" dirty="0" err="1" smtClean="0"/>
               <a:t>WriteLine</a:t>
             </a:r>
             <a:r>
-              <a:rPr lang="en-US" sz="1100" dirty="0"/>
+              <a:rPr lang="en-US" sz="1100" dirty="0" smtClean="0"/>
               <a:t>(</a:t>
             </a:r>
             <a:r>
-              <a:rPr lang="en-US" sz="1100" b="1" dirty="0"/>
+              <a:rPr lang="en-US" sz="1100" b="1" dirty="0" smtClean="0"/>
               <a:t>new</a:t>
             </a:r>
             <a:r>
-              <a:rPr lang="en-US" sz="1100" dirty="0"/>
+              <a:rPr lang="en-US" sz="1100" dirty="0" smtClean="0"/>
               <a:t> </a:t>
             </a:r>
             <a:r>
-              <a:rPr lang="en-US" sz="1100" b="1" dirty="0"/>
+              <a:rPr lang="en-US" sz="1100" b="1" dirty="0" smtClean="0"/>
               <a:t>String</a:t>
             </a:r>
             <a:r>
-              <a:rPr lang="en-US" sz="1100" dirty="0"/>
+              <a:rPr lang="en-US" sz="1100" dirty="0" smtClean="0"/>
               <a:t>("Write a String"));</a:t>
             </a:r>
             <a:br>
-              <a:rPr lang="en-US" sz="1100" dirty="0"/>
+              <a:rPr lang="en-US" sz="1100" dirty="0" smtClean="0"/>
             </a:br>
             <a:r>
+              <a:rPr lang="es-ES" sz="1100" dirty="0">
+                <a:latin typeface="Consolas" panose="020B0609020204030204" pitchFamily="49" charset="0"/>
+                <a:cs typeface="Consolas" panose="020B0609020204030204" pitchFamily="49" charset="0"/>
+              </a:rPr>
+              <a:t>  </a:t>
+            </a:r>
+            <a:r>
               <a:rPr lang="en-US" sz="1100" dirty="0" smtClean="0"/>
+              <a:t>String* line = Console::</a:t>
+            </a:r>
+            <a:r>
+              <a:rPr lang="en-US" sz="1100" b="1" dirty="0" err="1" smtClean="0"/>
+              <a:t>ReadLine</a:t>
+            </a:r>
+            <a:r>
+              <a:rPr lang="en-US" sz="1100" dirty="0" smtClean="0"/>
+              <a:t>();</a:t>
+            </a:r>
+            <a:br>
+              <a:rPr lang="en-US" sz="1100" dirty="0" smtClean="0"/>
+            </a:br>
+            <a:r>
+              <a:rPr lang="es-ES" sz="1100" dirty="0">
+                <a:latin typeface="Consolas" panose="020B0609020204030204" pitchFamily="49" charset="0"/>
+                <a:cs typeface="Consolas" panose="020B0609020204030204" pitchFamily="49" charset="0"/>
+              </a:rPr>
+              <a:t> </a:t>
+            </a:r>
+            <a:r>
+              <a:rPr lang="es-ES" sz="1100" dirty="0" smtClean="0">
+                <a:latin typeface="Consolas" panose="020B0609020204030204" pitchFamily="49" charset="0"/>
+                <a:cs typeface="Consolas" panose="020B0609020204030204" pitchFamily="49" charset="0"/>
+              </a:rPr>
+              <a:t> </a:t>
+            </a:r>
+            <a:r>
+              <a:rPr lang="en-US" sz="1100" dirty="0" smtClean="0"/>
+              <a:t>Console::</a:t>
+            </a:r>
+            <a:r>
+              <a:rPr lang="en-US" sz="1100" b="1" dirty="0" err="1" smtClean="0"/>
+              <a:t>WriteLine</a:t>
+            </a:r>
+            <a:r>
+              <a:rPr lang="en-US" sz="1100" dirty="0" smtClean="0"/>
+              <a:t>(</a:t>
+            </a:r>
+            <a:r>
+              <a:rPr lang="en-US" sz="1100" b="1" dirty="0" smtClean="0"/>
+              <a:t>new</a:t>
+            </a:r>
+            <a:r>
+              <a:rPr lang="en-US" sz="1100" dirty="0" smtClean="0"/>
+              <a:t> </a:t>
+            </a:r>
+            <a:r>
+              <a:rPr lang="en-US" sz="1100" b="1" dirty="0" smtClean="0"/>
               <a:t>String</a:t>
             </a:r>
             <a:r>
-              <a:rPr lang="en-US" sz="1100" dirty="0"/>
-              <a:t>* line = Console::</a:t>
-            </a:r>
-            <a:r>
-              <a:rPr lang="en-US" sz="1100" b="1" dirty="0" err="1"/>
-              <a:t>ReadLine</a:t>
-            </a:r>
-            <a:r>
-              <a:rPr lang="en-US" sz="1100" dirty="0"/>
-              <a:t>();</a:t>
+              <a:rPr lang="en-US" sz="1100" dirty="0" smtClean="0"/>
+              <a:t>("Read line: ") + line);</a:t>
             </a:r>
             <a:br>
-              <a:rPr lang="en-US" sz="1100" dirty="0"/>
+              <a:rPr lang="en-US" sz="1100" dirty="0" smtClean="0"/>
             </a:br>
             <a:r>
+              <a:rPr lang="es-ES" sz="1100" dirty="0">
+                <a:latin typeface="Consolas" panose="020B0609020204030204" pitchFamily="49" charset="0"/>
+                <a:cs typeface="Consolas" panose="020B0609020204030204" pitchFamily="49" charset="0"/>
+              </a:rPr>
+              <a:t> </a:t>
+            </a:r>
+            <a:r>
+              <a:rPr lang="es-ES" sz="1100" dirty="0" smtClean="0">
+                <a:latin typeface="Consolas" panose="020B0609020204030204" pitchFamily="49" charset="0"/>
+                <a:cs typeface="Consolas" panose="020B0609020204030204" pitchFamily="49" charset="0"/>
+              </a:rPr>
+              <a:t> </a:t>
+            </a:r>
+            <a:r>
               <a:rPr lang="en-US" sz="1100" dirty="0" smtClean="0"/>
-              <a:t>Console</a:t>
-            </a:r>
-            <a:r>
-              <a:rPr lang="en-US" sz="1100" dirty="0"/>
-              <a:t>::</a:t>
-            </a:r>
-            <a:r>
-              <a:rPr lang="en-US" sz="1100" b="1" dirty="0" err="1"/>
+              <a:t>Array&lt;char&gt;* b = </a:t>
+            </a:r>
+            <a:r>
+              <a:rPr lang="en-US" sz="1100" b="1" dirty="0" smtClean="0"/>
+              <a:t>new</a:t>
+            </a:r>
+            <a:r>
+              <a:rPr lang="en-US" sz="1100" dirty="0" smtClean="0"/>
+              <a:t> Array&lt;char&gt;(2);</a:t>
+            </a:r>
+            <a:br>
+              <a:rPr lang="en-US" sz="1100" dirty="0" smtClean="0"/>
+            </a:br>
+            <a:r>
+              <a:rPr lang="es-ES" sz="1100" dirty="0">
+                <a:latin typeface="Consolas" panose="020B0609020204030204" pitchFamily="49" charset="0"/>
+                <a:cs typeface="Consolas" panose="020B0609020204030204" pitchFamily="49" charset="0"/>
+              </a:rPr>
+              <a:t> </a:t>
+            </a:r>
+            <a:r>
+              <a:rPr lang="es-ES" sz="1100" dirty="0" smtClean="0">
+                <a:latin typeface="Consolas" panose="020B0609020204030204" pitchFamily="49" charset="0"/>
+                <a:cs typeface="Consolas" panose="020B0609020204030204" pitchFamily="49" charset="0"/>
+              </a:rPr>
+              <a:t> </a:t>
+            </a:r>
+            <a:r>
+              <a:rPr lang="en-US" sz="1100" dirty="0" smtClean="0"/>
+              <a:t>b-&gt;</a:t>
+            </a:r>
+            <a:r>
+              <a:rPr lang="en-US" sz="1100" b="1" dirty="0" err="1" smtClean="0"/>
+              <a:t>SetData</a:t>
+            </a:r>
+            <a:r>
+              <a:rPr lang="en-US" sz="1100" dirty="0" smtClean="0"/>
+              <a:t>(0, 0);</a:t>
+            </a:r>
+            <a:br>
+              <a:rPr lang="en-US" sz="1100" dirty="0" smtClean="0"/>
+            </a:br>
+            <a:r>
+              <a:rPr lang="es-ES" sz="1100" dirty="0">
+                <a:latin typeface="Consolas" panose="020B0609020204030204" pitchFamily="49" charset="0"/>
+                <a:cs typeface="Consolas" panose="020B0609020204030204" pitchFamily="49" charset="0"/>
+              </a:rPr>
+              <a:t> </a:t>
+            </a:r>
+            <a:r>
+              <a:rPr lang="es-ES" sz="1100" dirty="0" smtClean="0">
+                <a:latin typeface="Consolas" panose="020B0609020204030204" pitchFamily="49" charset="0"/>
+                <a:cs typeface="Consolas" panose="020B0609020204030204" pitchFamily="49" charset="0"/>
+              </a:rPr>
+              <a:t> </a:t>
+            </a:r>
+            <a:r>
+              <a:rPr lang="en-US" sz="1100" dirty="0" smtClean="0"/>
+              <a:t>b-&gt;</a:t>
+            </a:r>
+            <a:r>
+              <a:rPr lang="en-US" sz="1100" b="1" dirty="0" err="1" smtClean="0"/>
+              <a:t>SetData</a:t>
+            </a:r>
+            <a:r>
+              <a:rPr lang="en-US" sz="1100" dirty="0" smtClean="0"/>
+              <a:t>(1, 255);</a:t>
+            </a:r>
+            <a:br>
+              <a:rPr lang="en-US" sz="1100" dirty="0" smtClean="0"/>
+            </a:br>
+            <a:r>
+              <a:rPr lang="es-ES" sz="1100" dirty="0">
+                <a:latin typeface="Consolas" panose="020B0609020204030204" pitchFamily="49" charset="0"/>
+                <a:cs typeface="Consolas" panose="020B0609020204030204" pitchFamily="49" charset="0"/>
+              </a:rPr>
+              <a:t> </a:t>
+            </a:r>
+            <a:r>
+              <a:rPr lang="es-ES" sz="1100" dirty="0" smtClean="0">
+                <a:latin typeface="Consolas" panose="020B0609020204030204" pitchFamily="49" charset="0"/>
+                <a:cs typeface="Consolas" panose="020B0609020204030204" pitchFamily="49" charset="0"/>
+              </a:rPr>
+              <a:t> </a:t>
+            </a:r>
+            <a:r>
+              <a:rPr lang="en-US" sz="1100" dirty="0" smtClean="0"/>
+              <a:t>Console::</a:t>
+            </a:r>
+            <a:r>
+              <a:rPr lang="en-US" sz="1100" b="1" dirty="0" err="1" smtClean="0"/>
               <a:t>WriteLine</a:t>
             </a:r>
             <a:r>
-              <a:rPr lang="en-US" sz="1100" dirty="0"/>
-              <a:t>(</a:t>
-            </a:r>
-            <a:r>
-              <a:rPr lang="en-US" sz="1100" b="1" dirty="0"/>
-              <a:t>new</a:t>
-            </a:r>
-            <a:r>
-              <a:rPr lang="en-US" sz="1100" dirty="0"/>
-              <a:t> </a:t>
-            </a:r>
-            <a:r>
-              <a:rPr lang="en-US" sz="1100" b="1" dirty="0"/>
-              <a:t>String</a:t>
-            </a:r>
-            <a:r>
-              <a:rPr lang="en-US" sz="1100" dirty="0"/>
-              <a:t>("Read line: ") + line);</a:t>
-            </a:r>
-            <a:br>
-              <a:rPr lang="en-US" sz="1100" dirty="0"/>
-            </a:br>
-            <a:r>
               <a:rPr lang="en-US" sz="1100" dirty="0" smtClean="0"/>
-              <a:t>Array&lt;char</a:t>
-            </a:r>
-            <a:r>
-              <a:rPr lang="en-US" sz="1100" dirty="0"/>
-              <a:t>&gt;* b = </a:t>
-            </a:r>
-            <a:r>
-              <a:rPr lang="en-US" sz="1100" b="1" dirty="0"/>
-              <a:t>new</a:t>
-            </a:r>
-            <a:r>
-              <a:rPr lang="en-US" sz="1100" dirty="0"/>
-              <a:t> Array&lt;char&gt;(2);</a:t>
-            </a:r>
-            <a:br>
-              <a:rPr lang="en-US" sz="1100" dirty="0"/>
-            </a:br>
+              <a:t>(Encoding::UTF8-&gt;</a:t>
+            </a:r>
+            <a:r>
+              <a:rPr lang="en-US" sz="1100" b="1" dirty="0" err="1" smtClean="0"/>
+              <a:t>GetString</a:t>
+            </a:r>
             <a:r>
               <a:rPr lang="en-US" sz="1100" dirty="0" smtClean="0"/>
-              <a:t>b-</a:t>
-            </a:r>
-            <a:r>
-              <a:rPr lang="en-US" sz="1100" dirty="0"/>
-              <a:t>&gt;</a:t>
-            </a:r>
-            <a:r>
-              <a:rPr lang="en-US" sz="1100" b="1" dirty="0" err="1"/>
-              <a:t>SetData</a:t>
-            </a:r>
-            <a:r>
-              <a:rPr lang="en-US" sz="1100" dirty="0"/>
-              <a:t>(0, 0);</a:t>
-            </a:r>
-            <a:br>
-              <a:rPr lang="en-US" sz="1100" dirty="0"/>
-            </a:br>
-            <a:r>
-              <a:rPr lang="en-US" sz="1100" dirty="0" smtClean="0"/>
-              <a:t>b-</a:t>
-            </a:r>
-            <a:r>
-              <a:rPr lang="en-US" sz="1100" dirty="0"/>
-              <a:t>&gt;</a:t>
-            </a:r>
-            <a:r>
-              <a:rPr lang="en-US" sz="1100" b="1" dirty="0" err="1"/>
-              <a:t>SetData</a:t>
-            </a:r>
-            <a:r>
-              <a:rPr lang="en-US" sz="1100" dirty="0"/>
-              <a:t>(1, 255);</a:t>
-            </a:r>
-            <a:br>
-              <a:rPr lang="en-US" sz="1100" dirty="0"/>
-            </a:br>
-            <a:r>
-              <a:rPr lang="en-US" sz="1100" dirty="0" smtClean="0"/>
-              <a:t>Console</a:t>
-            </a:r>
-            <a:r>
-              <a:rPr lang="en-US" sz="1100" dirty="0"/>
-              <a:t>::</a:t>
-            </a:r>
-            <a:r>
-              <a:rPr lang="en-US" sz="1100" b="1" dirty="0" err="1"/>
-              <a:t>WriteLine</a:t>
-            </a:r>
-            <a:r>
-              <a:rPr lang="en-US" sz="1100" dirty="0"/>
-              <a:t>(Encoding::UTF8-&gt;</a:t>
-            </a:r>
-            <a:r>
-              <a:rPr lang="en-US" sz="1100" b="1" dirty="0" err="1"/>
-              <a:t>GetString</a:t>
-            </a:r>
-            <a:r>
-              <a:rPr lang="en-US" sz="1100" dirty="0"/>
               <a:t>(b));</a:t>
             </a:r>
-            <a:endParaRPr lang="es-ES" sz="1100" dirty="0">
+            <a:endParaRPr lang="es-ES" sz="1100" dirty="0" smtClean="0">
               <a:latin typeface="Consolas" panose="020B0609020204030204" pitchFamily="49" charset="0"/>
               <a:cs typeface="Consolas" panose="020B0609020204030204" pitchFamily="49" charset="0"/>
             </a:endParaRPr>
           </a:p>
           <a:p>
             <a:pPr>
+              <a:lnSpc>
+                <a:spcPct val="150000"/>
+              </a:lnSpc>
               <a:buNone/>
             </a:pPr>
             <a:r>
-              <a:rPr lang="es-ES" sz="1600" dirty="0">
+              <a:rPr lang="es-ES" sz="1600" dirty="0" smtClean="0">
                 <a:latin typeface="Consolas" panose="020B0609020204030204" pitchFamily="49" charset="0"/>
                 <a:cs typeface="Consolas" panose="020B0609020204030204" pitchFamily="49" charset="0"/>
               </a:rPr>
@@ -10569,8 +11668,8 @@
           <p:nvPr/>
         </p:nvSpPr>
         <p:spPr>
-          <a:xfrm>
-            <a:off x="4746177" y="3293027"/>
+          <a:xfrm rot="16200000">
+            <a:off x="4416775" y="3179742"/>
             <a:ext cx="624703" cy="801226"/>
           </a:xfrm>
           <a:prstGeom prst="downArrow">
@@ -10633,7 +11732,7 @@
                             </p:stCondLst>
                             <p:childTnLst>
                               <p:par>
-                                <p:cTn id="5" presetID="12" presetClass="entr" presetSubtype="4" fill="hold" grpId="0" nodeType="clickEffect">
+                                <p:cTn id="5" presetID="1" presetClass="entr" presetSubtype="0" fill="hold" grpId="0" nodeType="clickEffect">
                                   <p:stCondLst>
                                     <p:cond delay="0"/>
                                   </p:stCondLst>
@@ -10656,28 +11755,29 @@
                                         <p:strVal val="visible"/>
                                       </p:to>
                                     </p:set>
-                                    <p:animEffect transition="in" filter="slide(fromBottom)">
-                                      <p:cBhvr>
-                                        <p:cTn id="7" dur="500"/>
-                                        <p:tgtEl>
-                                          <p:spTgt spid="8"/>
-                                        </p:tgtEl>
-                                      </p:cBhvr>
-                                    </p:animEffect>
                                   </p:childTnLst>
                                 </p:cTn>
                               </p:par>
                             </p:childTnLst>
                           </p:cTn>
                         </p:par>
+                      </p:childTnLst>
+                    </p:cTn>
+                  </p:par>
+                  <p:par>
+                    <p:cTn id="7" fill="hold">
+                      <p:stCondLst>
+                        <p:cond delay="indefinite"/>
+                      </p:stCondLst>
+                      <p:childTnLst>
                         <p:par>
                           <p:cTn id="8" fill="hold">
                             <p:stCondLst>
-                              <p:cond delay="500"/>
+                              <p:cond delay="0"/>
                             </p:stCondLst>
                             <p:childTnLst>
                               <p:par>
-                                <p:cTn id="9" presetID="12" presetClass="entr" presetSubtype="4" fill="hold" grpId="0" nodeType="afterEffect">
+                                <p:cTn id="9" presetID="1" presetClass="entr" presetSubtype="0" fill="hold" grpId="0" nodeType="clickEffect">
                                   <p:stCondLst>
                                     <p:cond delay="0"/>
                                   </p:stCondLst>
@@ -10698,212 +11798,6 @@
                                       </p:cBhvr>
                                       <p:to>
                                         <p:strVal val="visible"/>
-                                      </p:to>
-                                    </p:set>
-                                    <p:animEffect transition="in" filter="slide(fromBottom)">
-                                      <p:cBhvr>
-                                        <p:cTn id="11" dur="500"/>
-                                        <p:tgtEl>
-                                          <p:spTgt spid="7"/>
-                                        </p:tgtEl>
-                                      </p:cBhvr>
-                                    </p:animEffect>
-                                  </p:childTnLst>
-                                </p:cTn>
-                              </p:par>
-                            </p:childTnLst>
-                          </p:cTn>
-                        </p:par>
-                      </p:childTnLst>
-                    </p:cTn>
-                  </p:par>
-                  <p:par>
-                    <p:cTn id="12" fill="hold">
-                      <p:stCondLst>
-                        <p:cond delay="indefinite"/>
-                      </p:stCondLst>
-                      <p:childTnLst>
-                        <p:par>
-                          <p:cTn id="13" fill="hold">
-                            <p:stCondLst>
-                              <p:cond delay="0"/>
-                            </p:stCondLst>
-                            <p:childTnLst>
-                              <p:par>
-                                <p:cTn id="14" presetID="19" presetClass="emph" presetSubtype="0" fill="hold" nodeType="clickEffect">
-                                  <p:stCondLst>
-                                    <p:cond delay="0"/>
-                                  </p:stCondLst>
-                                  <p:childTnLst>
-                                    <p:animClr clrSpc="rgb" dir="cw">
-                                      <p:cBhvr override="childStyle">
-                                        <p:cTn id="15" dur="500" fill="hold"/>
-                                        <p:tgtEl>
-                                          <p:spTgt spid="6">
-                                            <p:txEl>
-                                              <p:pRg st="0" end="0"/>
-                                            </p:txEl>
-                                          </p:spTgt>
-                                        </p:tgtEl>
-                                        <p:attrNameLst>
-                                          <p:attrName>style.color</p:attrName>
-                                        </p:attrNameLst>
-                                      </p:cBhvr>
-                                      <p:to>
-                                        <a:schemeClr val="accent2"/>
-                                      </p:to>
-                                    </p:animClr>
-                                    <p:animClr clrSpc="rgb" dir="cw">
-                                      <p:cBhvr>
-                                        <p:cTn id="16" dur="500" fill="hold"/>
-                                        <p:tgtEl>
-                                          <p:spTgt spid="6">
-                                            <p:txEl>
-                                              <p:pRg st="0" end="0"/>
-                                            </p:txEl>
-                                          </p:spTgt>
-                                        </p:tgtEl>
-                                        <p:attrNameLst>
-                                          <p:attrName>fillcolor</p:attrName>
-                                        </p:attrNameLst>
-                                      </p:cBhvr>
-                                      <p:to>
-                                        <a:schemeClr val="accent2"/>
-                                      </p:to>
-                                    </p:animClr>
-                                    <p:set>
-                                      <p:cBhvr>
-                                        <p:cTn id="17" dur="500" fill="hold"/>
-                                        <p:tgtEl>
-                                          <p:spTgt spid="6">
-                                            <p:txEl>
-                                              <p:pRg st="0" end="0"/>
-                                            </p:txEl>
-                                          </p:spTgt>
-                                        </p:tgtEl>
-                                        <p:attrNameLst>
-                                          <p:attrName>fill.type</p:attrName>
-                                        </p:attrNameLst>
-                                      </p:cBhvr>
-                                      <p:to>
-                                        <p:strVal val="solid"/>
-                                      </p:to>
-                                    </p:set>
-                                    <p:set>
-                                      <p:cBhvr>
-                                        <p:cTn id="18" dur="500" fill="hold"/>
-                                        <p:tgtEl>
-                                          <p:spTgt spid="6">
-                                            <p:txEl>
-                                              <p:pRg st="0" end="0"/>
-                                            </p:txEl>
-                                          </p:spTgt>
-                                        </p:tgtEl>
-                                        <p:attrNameLst>
-                                          <p:attrName>fill.on</p:attrName>
-                                        </p:attrNameLst>
-                                      </p:cBhvr>
-                                      <p:to>
-                                        <p:strVal val="true"/>
-                                      </p:to>
-                                    </p:set>
-                                  </p:childTnLst>
-                                </p:cTn>
-                              </p:par>
-                            </p:childTnLst>
-                          </p:cTn>
-                        </p:par>
-                      </p:childTnLst>
-                    </p:cTn>
-                  </p:par>
-                  <p:par>
-                    <p:cTn id="19" fill="hold">
-                      <p:stCondLst>
-                        <p:cond delay="indefinite"/>
-                      </p:stCondLst>
-                      <p:childTnLst>
-                        <p:par>
-                          <p:cTn id="20" fill="hold">
-                            <p:stCondLst>
-                              <p:cond delay="0"/>
-                            </p:stCondLst>
-                            <p:childTnLst>
-                              <p:par>
-                                <p:cTn id="21" presetID="19" presetClass="emph" presetSubtype="0" fill="hold" nodeType="clickEffect">
-                                  <p:stCondLst>
-                                    <p:cond delay="0"/>
-                                  </p:stCondLst>
-                                  <p:childTnLst>
-                                    <p:animClr clrSpc="rgb" dir="cw">
-                                      <p:cBhvr override="childStyle">
-                                        <p:cTn id="22" dur="500" fill="hold"/>
-                                        <p:tgtEl>
-                                          <p:spTgt spid="7">
-                                            <p:txEl>
-                                              <p:pRg st="0" end="0"/>
-                                            </p:txEl>
-                                          </p:spTgt>
-                                        </p:tgtEl>
-                                        <p:attrNameLst>
-                                          <p:attrName>style.color</p:attrName>
-                                        </p:attrNameLst>
-                                      </p:cBhvr>
-                                      <p:to>
-                                        <a:schemeClr val="accent2"/>
-                                      </p:to>
-                                    </p:animClr>
-                                    <p:animClr clrSpc="rgb" dir="cw">
-                                      <p:cBhvr>
-                                        <p:cTn id="23" dur="500" fill="hold"/>
-                                        <p:tgtEl>
-                                          <p:spTgt spid="7">
-                                            <p:txEl>
-                                              <p:pRg st="0" end="0"/>
-                                            </p:txEl>
-                                          </p:spTgt>
-                                        </p:tgtEl>
-                                        <p:attrNameLst>
-                                          <p:attrName>fillcolor</p:attrName>
-                                        </p:attrNameLst>
-                                      </p:cBhvr>
-                                      <p:to>
-                                        <a:schemeClr val="accent2"/>
-                                      </p:to>
-                                    </p:animClr>
-                                    <p:set>
-                                      <p:cBhvr>
-                                        <p:cTn id="24" dur="500" fill="hold"/>
-                                        <p:tgtEl>
-                                          <p:spTgt spid="7">
-                                            <p:txEl>
-                                              <p:pRg st="0" end="0"/>
-                                            </p:txEl>
-                                          </p:spTgt>
-                                        </p:tgtEl>
-                                        <p:attrNameLst>
-                                          <p:attrName>fill.type</p:attrName>
-                                        </p:attrNameLst>
-                                      </p:cBhvr>
-                                      <p:to>
-                                        <p:strVal val="solid"/>
-                                      </p:to>
-                                    </p:set>
-                                    <p:set>
-                                      <p:cBhvr>
-                                        <p:cTn id="25" dur="500" fill="hold"/>
-                                        <p:tgtEl>
-                                          <p:spTgt spid="7">
-                                            <p:txEl>
-                                              <p:pRg st="0" end="0"/>
-                                            </p:txEl>
-                                          </p:spTgt>
-                                        </p:tgtEl>
-                                        <p:attrNameLst>
-                                          <p:attrName>fill.on</p:attrName>
-                                        </p:attrNameLst>
-                                      </p:cBhvr>
-                                      <p:to>
-                                        <p:strVal val="true"/>
                                       </p:to>
                                     </p:set>
                                   </p:childTnLst>
@@ -10944,7 +11838,7 @@
 </p:sld>
 </file>
 
-<file path=ppt/slides/slide16.xml><?xml version="1.0" encoding="utf-8"?>
+<file path=ppt/slides/slide19.xml><?xml version="1.0" encoding="utf-8"?>
 <p:sld xmlns:a="http://schemas.openxmlformats.org/drawingml/2006/main" xmlns:r="http://schemas.openxmlformats.org/officeDocument/2006/relationships" xmlns:p="http://schemas.openxmlformats.org/presentationml/2006/main">
   <p:cSld>
     <p:spTree>
@@ -11016,8 +11910,20 @@
           <a:lstStyle/>
           <a:p>
             <a:r>
-              <a:rPr lang="es-ES" smtClean="0"/>
-              <a:t>IOSharp: .NET Micro Framework on Linux</a:t>
+              <a:rPr lang="es-ES" dirty="0" err="1" smtClean="0"/>
+              <a:t>IOSharp</a:t>
+            </a:r>
+            <a:r>
+              <a:rPr lang="es-ES" dirty="0" smtClean="0"/>
+              <a:t>: .NET Micro Framework </a:t>
+            </a:r>
+            <a:r>
+              <a:rPr lang="es-ES" dirty="0" err="1" smtClean="0"/>
+              <a:t>on</a:t>
+            </a:r>
+            <a:r>
+              <a:rPr lang="es-ES" dirty="0" smtClean="0"/>
+              <a:t> Linux</a:t>
             </a:r>
             <a:endParaRPr lang="es-ES" dirty="0"/>
           </a:p>
@@ -11040,7 +11946,7 @@
           <a:p>
             <a:fld id="{8EE90C33-BF19-4C36-8633-00054130773A}" type="slidenum">
               <a:rPr lang="es-ES" smtClean="0"/>
-              <a:t>16</a:t>
+              <a:t>19</a:t>
             </a:fld>
             <a:endParaRPr lang="es-ES"/>
           </a:p>
@@ -11054,7 +11960,7 @@
         </p:nvSpPr>
         <p:spPr>
           <a:xfrm>
-            <a:off x="1475656" y="5445224"/>
+            <a:off x="1475656" y="5593033"/>
             <a:ext cx="3091075" cy="338554"/>
           </a:xfrm>
           <a:prstGeom prst="rect">
@@ -11155,7 +12061,7 @@
         </p:nvSpPr>
         <p:spPr>
           <a:xfrm>
-            <a:off x="5796136" y="5445224"/>
+            <a:off x="5796136" y="5593033"/>
             <a:ext cx="3143764" cy="338554"/>
           </a:xfrm>
           <a:prstGeom prst="rect">
@@ -11256,7 +12162,7 @@
         </p:nvSpPr>
         <p:spPr>
           <a:xfrm rot="16200000">
-            <a:off x="4936357" y="5206162"/>
+            <a:off x="4936357" y="5353971"/>
             <a:ext cx="490153" cy="816676"/>
           </a:xfrm>
           <a:prstGeom prst="downArrow">
@@ -11674,6 +12580,40 @@
           </a:fontRef>
         </p:style>
       </p:cxnSp>
+      <p:sp>
+        <p:nvSpPr>
+          <p:cNvPr id="18" name="CuadroTexto 17"/>
+          <p:cNvSpPr txBox="1"/>
+          <p:nvPr/>
+        </p:nvSpPr>
+        <p:spPr>
+          <a:xfrm>
+            <a:off x="3302076" y="5229200"/>
+            <a:ext cx="3758714" cy="307777"/>
+          </a:xfrm>
+          <a:prstGeom prst="rect">
+            <a:avLst/>
+          </a:prstGeom>
+          <a:noFill/>
+        </p:spPr>
+        <p:txBody>
+          <a:bodyPr wrap="square" rtlCol="0">
+            <a:spAutoFit/>
+          </a:bodyPr>
+          <a:lstStyle/>
+          <a:p>
+            <a:r>
+              <a:rPr lang="en-US" sz="1400" b="1" dirty="0" smtClean="0"/>
+              <a:t>Fig. 7: </a:t>
+            </a:r>
+            <a:r>
+              <a:rPr lang="en-US" sz="1400" dirty="0" smtClean="0"/>
+              <a:t>AST conversions from C# to C++</a:t>
+            </a:r>
+            <a:endParaRPr lang="en-US" sz="1400" dirty="0"/>
+          </a:p>
+        </p:txBody>
+      </p:sp>
     </p:spTree>
     <p:extLst>
       <p:ext uri="{BB962C8B-B14F-4D97-AF65-F5344CB8AC3E}">
@@ -12011,7 +12951,7 @@
 </p:sld>
 </file>
 
-<file path=ppt/slides/slide17.xml><?xml version="1.0" encoding="utf-8"?>
+<file path=ppt/slides/slide2.xml><?xml version="1.0" encoding="utf-8"?>
 <p:sld xmlns:a="http://schemas.openxmlformats.org/drawingml/2006/main" xmlns:r="http://schemas.openxmlformats.org/officeDocument/2006/relationships" xmlns:p="http://schemas.openxmlformats.org/presentationml/2006/main">
   <p:cSld>
     <p:spTree>
@@ -12041,6 +12981,215 @@
         <p:spPr>
           <a:xfrm>
             <a:off x="1945201" y="624110"/>
+            <a:ext cx="6589199" cy="788666"/>
+          </a:xfrm>
+        </p:spPr>
+        <p:txBody>
+          <a:bodyPr>
+            <a:normAutofit/>
+          </a:bodyPr>
+          <a:lstStyle/>
+          <a:p>
+            <a:r>
+              <a:rPr lang="en-US" dirty="0" smtClean="0"/>
+              <a:t>Index</a:t>
+            </a:r>
+            <a:endParaRPr lang="en-US" dirty="0"/>
+          </a:p>
+        </p:txBody>
+      </p:sp>
+      <p:sp>
+        <p:nvSpPr>
+          <p:cNvPr id="3" name="Marcador de contenido 2"/>
+          <p:cNvSpPr>
+            <a:spLocks noGrp="1"/>
+          </p:cNvSpPr>
+          <p:nvPr>
+            <p:ph idx="1"/>
+          </p:nvPr>
+        </p:nvSpPr>
+        <p:spPr>
+          <a:xfrm>
+            <a:off x="1958872" y="2370136"/>
+            <a:ext cx="5941953" cy="2808312"/>
+          </a:xfrm>
+        </p:spPr>
+        <p:txBody>
+          <a:bodyPr>
+            <a:normAutofit/>
+          </a:bodyPr>
+          <a:lstStyle/>
+          <a:p>
+            <a:r>
+              <a:rPr lang="en-US" noProof="1" smtClean="0"/>
+              <a:t>1.  Introduction							3</a:t>
+            </a:r>
+          </a:p>
+          <a:p>
+            <a:r>
+              <a:rPr lang="en-US" dirty="0" smtClean="0"/>
+              <a:t>2.  </a:t>
+            </a:r>
+            <a:r>
+              <a:rPr lang="en-US" dirty="0" err="1" smtClean="0"/>
+              <a:t>IOSharp</a:t>
+            </a:r>
+            <a:r>
+              <a:rPr lang="en-US" dirty="0" smtClean="0"/>
+              <a:t>								6</a:t>
+            </a:r>
+          </a:p>
+          <a:p>
+            <a:r>
+              <a:rPr lang="en-US" dirty="0" smtClean="0"/>
+              <a:t>3.  </a:t>
+            </a:r>
+            <a:r>
+              <a:rPr lang="en-US" dirty="0" err="1" smtClean="0"/>
+              <a:t>AlterNative</a:t>
+            </a:r>
+            <a:r>
+              <a:rPr lang="en-US" dirty="0" smtClean="0"/>
+              <a:t>							13</a:t>
+            </a:r>
+          </a:p>
+          <a:p>
+            <a:r>
+              <a:rPr lang="en-US" dirty="0" smtClean="0"/>
+              <a:t>4.  Performance Test						19</a:t>
+            </a:r>
+          </a:p>
+          <a:p>
+            <a:r>
+              <a:rPr lang="en-US" dirty="0" smtClean="0"/>
+              <a:t>5.  Conclusions							21</a:t>
+            </a:r>
+            <a:endParaRPr lang="en-US" dirty="0"/>
+          </a:p>
+          <a:p>
+            <a:r>
+              <a:rPr lang="en-US" dirty="0" smtClean="0"/>
+              <a:t>6.  Questions &amp; Answers					23</a:t>
+            </a:r>
+            <a:endParaRPr lang="es-ES" dirty="0" smtClean="0"/>
+          </a:p>
+          <a:p>
+            <a:endParaRPr lang="es-ES" dirty="0" smtClean="0"/>
+          </a:p>
+          <a:p>
+            <a:pPr lvl="1"/>
+            <a:endParaRPr lang="es-ES" dirty="0" smtClean="0"/>
+          </a:p>
+        </p:txBody>
+      </p:sp>
+      <p:sp>
+        <p:nvSpPr>
+          <p:cNvPr id="4" name="Marcador de pie de página 3"/>
+          <p:cNvSpPr>
+            <a:spLocks noGrp="1"/>
+          </p:cNvSpPr>
+          <p:nvPr>
+            <p:ph type="ftr" sz="quarter" idx="11"/>
+          </p:nvPr>
+        </p:nvSpPr>
+        <p:spPr/>
+        <p:txBody>
+          <a:bodyPr/>
+          <a:lstStyle/>
+          <a:p>
+            <a:r>
+              <a:rPr lang="es-ES" dirty="0" err="1" smtClean="0"/>
+              <a:t>IOSharp</a:t>
+            </a:r>
+            <a:r>
+              <a:rPr lang="es-ES" dirty="0" smtClean="0"/>
+              <a:t>: .NET Micro Framework </a:t>
+            </a:r>
+            <a:r>
+              <a:rPr lang="es-ES" dirty="0" err="1" smtClean="0"/>
+              <a:t>on</a:t>
+            </a:r>
+            <a:r>
+              <a:rPr lang="es-ES" dirty="0" smtClean="0"/>
+              <a:t> Linux</a:t>
+            </a:r>
+            <a:endParaRPr lang="es-ES" dirty="0"/>
+          </a:p>
+        </p:txBody>
+      </p:sp>
+      <p:sp>
+        <p:nvSpPr>
+          <p:cNvPr id="5" name="Marcador de número de diapositiva 4"/>
+          <p:cNvSpPr>
+            <a:spLocks noGrp="1"/>
+          </p:cNvSpPr>
+          <p:nvPr>
+            <p:ph type="sldNum" sz="quarter" idx="12"/>
+          </p:nvPr>
+        </p:nvSpPr>
+        <p:spPr/>
+        <p:txBody>
+          <a:bodyPr/>
+          <a:lstStyle/>
+          <a:p>
+            <a:fld id="{8EE90C33-BF19-4C36-8633-00054130773A}" type="slidenum">
+              <a:rPr lang="es-ES" smtClean="0"/>
+              <a:t>2</a:t>
+            </a:fld>
+            <a:endParaRPr lang="es-ES"/>
+          </a:p>
+        </p:txBody>
+      </p:sp>
+    </p:spTree>
+    <p:extLst>
+      <p:ext uri="{BB962C8B-B14F-4D97-AF65-F5344CB8AC3E}">
+        <p14:creationId xmlns:p14="http://schemas.microsoft.com/office/powerpoint/2010/main" val="1296244924"/>
+      </p:ext>
+    </p:extLst>
+  </p:cSld>
+  <p:clrMapOvr>
+    <a:masterClrMapping/>
+  </p:clrMapOvr>
+  <p:timing>
+    <p:tnLst>
+      <p:par>
+        <p:cTn id="1" dur="indefinite" restart="never" nodeType="tmRoot"/>
+      </p:par>
+    </p:tnLst>
+  </p:timing>
+</p:sld>
+</file>
+
+<file path=ppt/slides/slide20.xml><?xml version="1.0" encoding="utf-8"?>
+<p:sld xmlns:a="http://schemas.openxmlformats.org/drawingml/2006/main" xmlns:r="http://schemas.openxmlformats.org/officeDocument/2006/relationships" xmlns:p="http://schemas.openxmlformats.org/presentationml/2006/main">
+  <p:cSld>
+    <p:spTree>
+      <p:nvGrpSpPr>
+        <p:cNvPr id="1" name=""/>
+        <p:cNvGrpSpPr/>
+        <p:nvPr/>
+      </p:nvGrpSpPr>
+      <p:grpSpPr>
+        <a:xfrm>
+          <a:off x="0" y="0"/>
+          <a:ext cx="0" cy="0"/>
+          <a:chOff x="0" y="0"/>
+          <a:chExt cx="0" cy="0"/>
+        </a:xfrm>
+      </p:grpSpPr>
+      <p:sp>
+        <p:nvSpPr>
+          <p:cNvPr id="2" name="Título 1"/>
+          <p:cNvSpPr>
+            <a:spLocks noGrp="1"/>
+          </p:cNvSpPr>
+          <p:nvPr>
+            <p:ph type="title"/>
+          </p:nvPr>
+        </p:nvSpPr>
+        <p:spPr>
+          <a:xfrm>
+            <a:off x="1945201" y="624110"/>
             <a:ext cx="6589199" cy="860674"/>
           </a:xfrm>
         </p:spPr>
@@ -12130,8 +13279,20 @@
           <a:lstStyle/>
           <a:p>
             <a:r>
-              <a:rPr lang="es-ES" smtClean="0"/>
-              <a:t>IOSharp: .NET Micro Framework on Linux</a:t>
+              <a:rPr lang="es-ES" dirty="0" err="1" smtClean="0"/>
+              <a:t>IOSharp</a:t>
+            </a:r>
+            <a:r>
+              <a:rPr lang="es-ES" dirty="0" smtClean="0"/>
+              <a:t>: .NET Micro Framework </a:t>
+            </a:r>
+            <a:r>
+              <a:rPr lang="es-ES" dirty="0" err="1" smtClean="0"/>
+              <a:t>on</a:t>
+            </a:r>
+            <a:r>
+              <a:rPr lang="es-ES" dirty="0" smtClean="0"/>
+              <a:t> Linux</a:t>
             </a:r>
             <a:endParaRPr lang="es-ES" dirty="0"/>
           </a:p>
@@ -12154,7 +13315,7 @@
           <a:p>
             <a:fld id="{8EE90C33-BF19-4C36-8633-00054130773A}" type="slidenum">
               <a:rPr lang="es-ES" smtClean="0"/>
-              <a:t>17</a:t>
+              <a:t>20</a:t>
             </a:fld>
             <a:endParaRPr lang="es-ES"/>
           </a:p>
@@ -12232,6 +13393,60 @@
           </a:prstGeom>
         </p:spPr>
       </p:pic>
+      <p:sp>
+        <p:nvSpPr>
+          <p:cNvPr id="10" name="CuadroTexto 9"/>
+          <p:cNvSpPr txBox="1"/>
+          <p:nvPr/>
+        </p:nvSpPr>
+        <p:spPr>
+          <a:xfrm>
+            <a:off x="2935895" y="5744640"/>
+            <a:ext cx="4607807" cy="307777"/>
+          </a:xfrm>
+          <a:prstGeom prst="rect">
+            <a:avLst/>
+          </a:prstGeom>
+          <a:noFill/>
+        </p:spPr>
+        <p:txBody>
+          <a:bodyPr wrap="square" rtlCol="0">
+            <a:spAutoFit/>
+          </a:bodyPr>
+          <a:lstStyle/>
+          <a:p>
+            <a:r>
+              <a:rPr lang="en-US" sz="1400" b="1" dirty="0" smtClean="0"/>
+              <a:t>Fig. 8: </a:t>
+            </a:r>
+            <a:r>
+              <a:rPr lang="en-US" sz="1400" dirty="0" smtClean="0"/>
+              <a:t>NETMF, </a:t>
+            </a:r>
+            <a:r>
+              <a:rPr lang="en-US" sz="1400" dirty="0" err="1" smtClean="0"/>
+              <a:t>IOSharp</a:t>
+            </a:r>
+            <a:r>
+              <a:rPr lang="en-US" sz="1400" dirty="0" smtClean="0"/>
+              <a:t> and </a:t>
+            </a:r>
+            <a:r>
+              <a:rPr lang="en-US" sz="1400" dirty="0" err="1" smtClean="0"/>
+              <a:t>IOSharp</a:t>
+            </a:r>
+            <a:r>
+              <a:rPr lang="en-US" sz="1400" dirty="0"/>
+              <a:t> </a:t>
+            </a:r>
+            <a:r>
+              <a:rPr lang="en-US" sz="1400" dirty="0" smtClean="0"/>
+              <a:t>C++ Stacks</a:t>
+            </a:r>
+            <a:endParaRPr lang="en-US" sz="1400" dirty="0"/>
+          </a:p>
+        </p:txBody>
+      </p:sp>
     </p:spTree>
     <p:extLst>
       <p:ext uri="{BB962C8B-B14F-4D97-AF65-F5344CB8AC3E}">
@@ -12410,8 +13625,8 @@
 </p:sld>
 </file>
 
-<file path=ppt/slides/slide18.xml><?xml version="1.0" encoding="utf-8"?>
-<p:sld xmlns:a="http://schemas.openxmlformats.org/drawingml/2006/main" xmlns:r="http://schemas.openxmlformats.org/officeDocument/2006/relationships" xmlns:p="http://schemas.openxmlformats.org/presentationml/2006/main">
+<file path=ppt/slides/slide21.xml><?xml version="1.0" encoding="utf-8"?>
+<p:sld xmlns:a="http://schemas.openxmlformats.org/drawingml/2006/main" xmlns:r="http://schemas.openxmlformats.org/officeDocument/2006/relationships" xmlns:p="http://schemas.openxmlformats.org/presentationml/2006/main" show="0">
   <p:cSld>
     <p:spTree>
       <p:nvGrpSpPr>
@@ -12444,11 +13659,7 @@
           <a:p>
             <a:r>
               <a:rPr lang="en-US" dirty="0" smtClean="0"/>
-              <a:t>3.4.  </a:t>
-            </a:r>
-            <a:r>
-              <a:rPr lang="en-US" dirty="0" smtClean="0"/>
-              <a:t>Example</a:t>
+              <a:t>3.4.  Example</a:t>
             </a:r>
             <a:endParaRPr lang="en-US" dirty="0"/>
           </a:p>
@@ -12536,10 +13747,22 @@
           <a:lstStyle/>
           <a:p>
             <a:r>
-              <a:rPr lang="es-ES" smtClean="0"/>
-              <a:t>IOSharp: .NET Micro Framework on Linux</a:t>
-            </a:r>
-            <a:endParaRPr lang="es-ES"/>
+              <a:rPr lang="es-ES" dirty="0" err="1" smtClean="0"/>
+              <a:t>IOSharp</a:t>
+            </a:r>
+            <a:r>
+              <a:rPr lang="es-ES" dirty="0" smtClean="0"/>
+              <a:t>: .NET Micro Framework </a:t>
+            </a:r>
+            <a:r>
+              <a:rPr lang="es-ES" dirty="0" err="1" smtClean="0"/>
+              <a:t>on</a:t>
+            </a:r>
+            <a:r>
+              <a:rPr lang="es-ES" dirty="0" smtClean="0"/>
+              <a:t> Linux</a:t>
+            </a:r>
+            <a:endParaRPr lang="es-ES" dirty="0"/>
           </a:p>
         </p:txBody>
       </p:sp>
@@ -12560,7 +13783,7 @@
           <a:p>
             <a:fld id="{8EE90C33-BF19-4C36-8633-00054130773A}" type="slidenum">
               <a:rPr lang="es-ES" smtClean="0"/>
-              <a:t>18</a:t>
+              <a:t>21</a:t>
             </a:fld>
             <a:endParaRPr lang="es-ES"/>
           </a:p>
@@ -12576,802 +13799,14 @@
   <p:clrMapOvr>
     <a:masterClrMapping/>
   </p:clrMapOvr>
-  <p:timing>
-    <p:tnLst>
-      <p:par>
-        <p:cTn id="1" dur="indefinite" restart="never" nodeType="tmRoot"/>
-      </p:par>
-    </p:tnLst>
-  </p:timing>
-</p:sld>
-</file>
-
-<file path=ppt/slides/slide19.xml><?xml version="1.0" encoding="utf-8"?>
-<p:sld xmlns:a="http://schemas.openxmlformats.org/drawingml/2006/main" xmlns:r="http://schemas.openxmlformats.org/officeDocument/2006/relationships" xmlns:p="http://schemas.openxmlformats.org/presentationml/2006/main">
-  <p:cSld>
-    <p:spTree>
-      <p:nvGrpSpPr>
-        <p:cNvPr id="1" name=""/>
-        <p:cNvGrpSpPr/>
-        <p:nvPr/>
-      </p:nvGrpSpPr>
-      <p:grpSpPr>
-        <a:xfrm>
-          <a:off x="0" y="0"/>
-          <a:ext cx="0" cy="0"/>
-          <a:chOff x="0" y="0"/>
-          <a:chExt cx="0" cy="0"/>
-        </a:xfrm>
-      </p:grpSpPr>
-      <p:sp>
-        <p:nvSpPr>
-          <p:cNvPr id="2" name="Título 1"/>
-          <p:cNvSpPr>
-            <a:spLocks noGrp="1"/>
-          </p:cNvSpPr>
-          <p:nvPr>
-            <p:ph type="title"/>
-          </p:nvPr>
-        </p:nvSpPr>
-        <p:spPr>
-          <a:xfrm>
-            <a:off x="1945201" y="624110"/>
-            <a:ext cx="6589199" cy="919069"/>
-          </a:xfrm>
-        </p:spPr>
-        <p:txBody>
-          <a:bodyPr/>
-          <a:lstStyle/>
-          <a:p>
-            <a:r>
-              <a:rPr lang="es-ES" dirty="0" smtClean="0"/>
-              <a:t>4.  Performance Test</a:t>
-            </a:r>
-            <a:endParaRPr lang="en-US" dirty="0"/>
-          </a:p>
-        </p:txBody>
-      </p:sp>
-      <p:sp>
-        <p:nvSpPr>
-          <p:cNvPr id="3" name="Marcador de contenido 2"/>
-          <p:cNvSpPr>
-            <a:spLocks noGrp="1"/>
-          </p:cNvSpPr>
-          <p:nvPr>
-            <p:ph idx="1"/>
-          </p:nvPr>
-        </p:nvSpPr>
-        <p:spPr>
-          <a:xfrm>
-            <a:off x="1942415" y="1700808"/>
-            <a:ext cx="6591985" cy="3777622"/>
-          </a:xfrm>
-        </p:spPr>
-        <p:txBody>
-          <a:bodyPr/>
-          <a:lstStyle/>
-          <a:p>
-            <a:r>
-              <a:rPr lang="en-US" dirty="0" smtClean="0"/>
-              <a:t>Evaluate the increased performance using </a:t>
-            </a:r>
-            <a:r>
-              <a:rPr lang="en-US" dirty="0" err="1" smtClean="0"/>
-              <a:t>AlterNative</a:t>
-            </a:r>
-            <a:endParaRPr lang="en-US" dirty="0"/>
-          </a:p>
-        </p:txBody>
-      </p:sp>
-      <p:sp>
-        <p:nvSpPr>
-          <p:cNvPr id="4" name="Marcador de pie de página 3"/>
-          <p:cNvSpPr>
-            <a:spLocks noGrp="1"/>
-          </p:cNvSpPr>
-          <p:nvPr>
-            <p:ph type="ftr" sz="quarter" idx="11"/>
-          </p:nvPr>
-        </p:nvSpPr>
-        <p:spPr/>
-        <p:txBody>
-          <a:bodyPr/>
-          <a:lstStyle/>
-          <a:p>
-            <a:r>
-              <a:rPr lang="es-ES" smtClean="0"/>
-              <a:t>IOSharp: .NET Micro Framework on Linux</a:t>
-            </a:r>
-            <a:endParaRPr lang="es-ES"/>
-          </a:p>
-        </p:txBody>
-      </p:sp>
-      <p:sp>
-        <p:nvSpPr>
-          <p:cNvPr id="5" name="Marcador de número de diapositiva 4"/>
-          <p:cNvSpPr>
-            <a:spLocks noGrp="1"/>
-          </p:cNvSpPr>
-          <p:nvPr>
-            <p:ph type="sldNum" sz="quarter" idx="12"/>
-          </p:nvPr>
-        </p:nvSpPr>
-        <p:spPr/>
-        <p:txBody>
-          <a:bodyPr/>
-          <a:lstStyle/>
-          <a:p>
-            <a:fld id="{8EE90C33-BF19-4C36-8633-00054130773A}" type="slidenum">
-              <a:rPr lang="es-ES" smtClean="0"/>
-              <a:t>19</a:t>
-            </a:fld>
-            <a:endParaRPr lang="es-ES"/>
-          </a:p>
-        </p:txBody>
-      </p:sp>
-      <p:pic>
-        <p:nvPicPr>
-          <p:cNvPr id="11" name="Imagen 10"/>
-          <p:cNvPicPr>
-            <a:picLocks noChangeAspect="1"/>
-          </p:cNvPicPr>
-          <p:nvPr/>
-        </p:nvPicPr>
-        <p:blipFill>
-          <a:blip r:embed="rId2"/>
-          <a:stretch>
-            <a:fillRect/>
-          </a:stretch>
-        </p:blipFill>
-        <p:spPr>
-          <a:xfrm>
-            <a:off x="2195736" y="2286036"/>
-            <a:ext cx="4249280" cy="3359187"/>
-          </a:xfrm>
-          <a:prstGeom prst="rect">
-            <a:avLst/>
-          </a:prstGeom>
-        </p:spPr>
-      </p:pic>
-    </p:spTree>
-    <p:extLst>
-      <p:ext uri="{BB962C8B-B14F-4D97-AF65-F5344CB8AC3E}">
-        <p14:creationId xmlns:p14="http://schemas.microsoft.com/office/powerpoint/2010/main" val="204124017"/>
-      </p:ext>
-    </p:extLst>
-  </p:cSld>
-  <p:clrMapOvr>
-    <a:masterClrMapping/>
-  </p:clrMapOvr>
-  <p:timing>
-    <p:tnLst>
-      <p:par>
-        <p:cTn id="1" dur="indefinite" restart="never" nodeType="tmRoot"/>
-      </p:par>
-    </p:tnLst>
-  </p:timing>
-</p:sld>
-</file>
-
-<file path=ppt/slides/slide2.xml><?xml version="1.0" encoding="utf-8"?>
-<p:sld xmlns:a="http://schemas.openxmlformats.org/drawingml/2006/main" xmlns:r="http://schemas.openxmlformats.org/officeDocument/2006/relationships" xmlns:p="http://schemas.openxmlformats.org/presentationml/2006/main">
-  <p:cSld>
-    <p:spTree>
-      <p:nvGrpSpPr>
-        <p:cNvPr id="1" name=""/>
-        <p:cNvGrpSpPr/>
-        <p:nvPr/>
-      </p:nvGrpSpPr>
-      <p:grpSpPr>
-        <a:xfrm>
-          <a:off x="0" y="0"/>
-          <a:ext cx="0" cy="0"/>
-          <a:chOff x="0" y="0"/>
-          <a:chExt cx="0" cy="0"/>
-        </a:xfrm>
-      </p:grpSpPr>
-      <p:sp>
-        <p:nvSpPr>
-          <p:cNvPr id="2" name="Título 1"/>
-          <p:cNvSpPr>
-            <a:spLocks noGrp="1"/>
-          </p:cNvSpPr>
-          <p:nvPr>
-            <p:ph type="title"/>
-          </p:nvPr>
-        </p:nvSpPr>
-        <p:spPr>
-          <a:xfrm>
-            <a:off x="1945201" y="624110"/>
-            <a:ext cx="6589199" cy="788666"/>
-          </a:xfrm>
-        </p:spPr>
-        <p:txBody>
-          <a:bodyPr>
-            <a:normAutofit/>
-          </a:bodyPr>
-          <a:lstStyle/>
-          <a:p>
-            <a:r>
-              <a:rPr lang="en-US" dirty="0" smtClean="0"/>
-              <a:t>Index</a:t>
-            </a:r>
-            <a:endParaRPr lang="en-US" dirty="0"/>
-          </a:p>
-        </p:txBody>
-      </p:sp>
-      <p:sp>
-        <p:nvSpPr>
-          <p:cNvPr id="3" name="Marcador de contenido 2"/>
-          <p:cNvSpPr>
-            <a:spLocks noGrp="1"/>
-          </p:cNvSpPr>
-          <p:nvPr>
-            <p:ph idx="1"/>
-          </p:nvPr>
-        </p:nvSpPr>
-        <p:spPr>
-          <a:xfrm>
-            <a:off x="1942415" y="1412776"/>
-            <a:ext cx="6591985" cy="4536504"/>
-          </a:xfrm>
-        </p:spPr>
-        <p:txBody>
-          <a:bodyPr>
-            <a:normAutofit fontScale="77500" lnSpcReduction="20000"/>
-          </a:bodyPr>
-          <a:lstStyle/>
-          <a:p>
-            <a:r>
-              <a:rPr lang="en-US" noProof="1" smtClean="0"/>
-              <a:t>1.  Introduction							3</a:t>
-            </a:r>
-          </a:p>
-          <a:p>
-            <a:pPr lvl="1"/>
-            <a:r>
-              <a:rPr lang="en-US" dirty="0" smtClean="0"/>
-              <a:t>1.1.  .NET Micro Framework					4</a:t>
-            </a:r>
-          </a:p>
-          <a:p>
-            <a:r>
-              <a:rPr lang="en-US" dirty="0" smtClean="0"/>
-              <a:t>2.  </a:t>
-            </a:r>
-            <a:r>
-              <a:rPr lang="en-US" dirty="0" err="1" smtClean="0"/>
-              <a:t>IOSharp</a:t>
-            </a:r>
-            <a:r>
-              <a:rPr lang="en-US" dirty="0" smtClean="0"/>
-              <a:t>								5</a:t>
-            </a:r>
-          </a:p>
-          <a:p>
-            <a:pPr lvl="1"/>
-            <a:r>
-              <a:rPr lang="en-US" dirty="0" smtClean="0"/>
-              <a:t>2.1.  GPIO							7</a:t>
-            </a:r>
-          </a:p>
-          <a:p>
-            <a:pPr lvl="1"/>
-            <a:r>
-              <a:rPr lang="en-US" dirty="0" smtClean="0"/>
-              <a:t>2.2.  Interrupts							8</a:t>
-            </a:r>
-          </a:p>
-          <a:p>
-            <a:pPr lvl="1"/>
-            <a:r>
-              <a:rPr lang="en-US" dirty="0" smtClean="0"/>
-              <a:t>2.3.  SPI								9</a:t>
-            </a:r>
-          </a:p>
-          <a:p>
-            <a:pPr lvl="1"/>
-            <a:r>
-              <a:rPr lang="en-US" dirty="0" smtClean="0"/>
-              <a:t>2.4.  UART							10</a:t>
-            </a:r>
-          </a:p>
-          <a:p>
-            <a:pPr lvl="1"/>
-            <a:r>
-              <a:rPr lang="en-US" dirty="0" smtClean="0"/>
-              <a:t>2.5.  Example							11</a:t>
-            </a:r>
-          </a:p>
-          <a:p>
-            <a:r>
-              <a:rPr lang="en-US" dirty="0" smtClean="0"/>
-              <a:t>3.  </a:t>
-            </a:r>
-            <a:r>
-              <a:rPr lang="en-US" dirty="0" err="1" smtClean="0"/>
-              <a:t>AlterNative</a:t>
-            </a:r>
-            <a:r>
-              <a:rPr lang="en-US" dirty="0" smtClean="0"/>
-              <a:t>							12</a:t>
-            </a:r>
-          </a:p>
-          <a:p>
-            <a:pPr lvl="1"/>
-            <a:r>
-              <a:rPr lang="en-US" dirty="0" smtClean="0"/>
-              <a:t>3.1.  Translation process					13</a:t>
-            </a:r>
-          </a:p>
-          <a:p>
-            <a:pPr lvl="1"/>
-            <a:r>
-              <a:rPr lang="en-US" dirty="0" smtClean="0"/>
-              <a:t>3.2.  </a:t>
-            </a:r>
-            <a:r>
-              <a:rPr lang="en-US" dirty="0" err="1" smtClean="0"/>
-              <a:t>IOSharp</a:t>
-            </a:r>
-            <a:r>
-              <a:rPr lang="en-US" dirty="0" smtClean="0"/>
-              <a:t> C++						15</a:t>
-            </a:r>
-          </a:p>
-          <a:p>
-            <a:pPr lvl="1"/>
-            <a:r>
-              <a:rPr lang="en-US" dirty="0" smtClean="0"/>
-              <a:t>3.3.  Example							16</a:t>
-            </a:r>
-          </a:p>
-          <a:p>
-            <a:r>
-              <a:rPr lang="en-US" dirty="0" smtClean="0"/>
-              <a:t>4.  Performance Test						17</a:t>
-            </a:r>
-          </a:p>
-          <a:p>
-            <a:pPr lvl="1"/>
-            <a:r>
-              <a:rPr lang="en-US" dirty="0" smtClean="0"/>
-              <a:t>4.1.  Example							18</a:t>
-            </a:r>
-          </a:p>
-          <a:p>
-            <a:r>
-              <a:rPr lang="en-US" dirty="0" smtClean="0"/>
-              <a:t>5.  Conclusions							19</a:t>
-            </a:r>
-            <a:endParaRPr lang="en-US" dirty="0"/>
-          </a:p>
-          <a:p>
-            <a:r>
-              <a:rPr lang="en-US" dirty="0" smtClean="0"/>
-              <a:t>6.  Questions &amp; Answers					22</a:t>
-            </a:r>
-          </a:p>
-          <a:p>
-            <a:endParaRPr lang="es-ES" dirty="0" smtClean="0"/>
-          </a:p>
-          <a:p>
-            <a:endParaRPr lang="es-ES" dirty="0" smtClean="0"/>
-          </a:p>
-          <a:p>
-            <a:pPr lvl="1"/>
-            <a:endParaRPr lang="es-ES" dirty="0" smtClean="0"/>
-          </a:p>
-        </p:txBody>
-      </p:sp>
-      <p:sp>
-        <p:nvSpPr>
-          <p:cNvPr id="4" name="Marcador de pie de página 3"/>
-          <p:cNvSpPr>
-            <a:spLocks noGrp="1"/>
-          </p:cNvSpPr>
-          <p:nvPr>
-            <p:ph type="ftr" sz="quarter" idx="11"/>
-          </p:nvPr>
-        </p:nvSpPr>
-        <p:spPr/>
-        <p:txBody>
-          <a:bodyPr/>
-          <a:lstStyle/>
-          <a:p>
-            <a:r>
-              <a:rPr lang="es-ES" smtClean="0"/>
-              <a:t>IOSharp: .NET Micro Framework on Linux</a:t>
-            </a:r>
-            <a:endParaRPr lang="es-ES"/>
-          </a:p>
-        </p:txBody>
-      </p:sp>
-      <p:sp>
-        <p:nvSpPr>
-          <p:cNvPr id="5" name="Marcador de número de diapositiva 4"/>
-          <p:cNvSpPr>
-            <a:spLocks noGrp="1"/>
-          </p:cNvSpPr>
-          <p:nvPr>
-            <p:ph type="sldNum" sz="quarter" idx="12"/>
-          </p:nvPr>
-        </p:nvSpPr>
-        <p:spPr/>
-        <p:txBody>
-          <a:bodyPr/>
-          <a:lstStyle/>
-          <a:p>
-            <a:fld id="{8EE90C33-BF19-4C36-8633-00054130773A}" type="slidenum">
-              <a:rPr lang="es-ES" smtClean="0"/>
-              <a:t>2</a:t>
-            </a:fld>
-            <a:endParaRPr lang="es-ES"/>
-          </a:p>
-        </p:txBody>
-      </p:sp>
-    </p:spTree>
-    <p:extLst>
-      <p:ext uri="{BB962C8B-B14F-4D97-AF65-F5344CB8AC3E}">
-        <p14:creationId xmlns:p14="http://schemas.microsoft.com/office/powerpoint/2010/main" val="1296244924"/>
-      </p:ext>
-    </p:extLst>
-  </p:cSld>
-  <p:clrMapOvr>
-    <a:masterClrMapping/>
-  </p:clrMapOvr>
-  <p:timing>
-    <p:tnLst>
-      <p:par>
-        <p:cTn id="1" dur="indefinite" restart="never" nodeType="tmRoot"/>
-      </p:par>
-    </p:tnLst>
-  </p:timing>
-</p:sld>
-</file>
-
-<file path=ppt/slides/slide20.xml><?xml version="1.0" encoding="utf-8"?>
-<p:sld xmlns:a="http://schemas.openxmlformats.org/drawingml/2006/main" xmlns:r="http://schemas.openxmlformats.org/officeDocument/2006/relationships" xmlns:p="http://schemas.openxmlformats.org/presentationml/2006/main">
-  <p:cSld>
-    <p:spTree>
-      <p:nvGrpSpPr>
-        <p:cNvPr id="1" name=""/>
-        <p:cNvGrpSpPr/>
-        <p:nvPr/>
-      </p:nvGrpSpPr>
-      <p:grpSpPr>
-        <a:xfrm>
-          <a:off x="0" y="0"/>
-          <a:ext cx="0" cy="0"/>
-          <a:chOff x="0" y="0"/>
-          <a:chExt cx="0" cy="0"/>
-        </a:xfrm>
-      </p:grpSpPr>
-      <p:sp>
-        <p:nvSpPr>
-          <p:cNvPr id="2" name="Título 1"/>
-          <p:cNvSpPr>
-            <a:spLocks noGrp="1"/>
-          </p:cNvSpPr>
-          <p:nvPr>
-            <p:ph type="title"/>
-          </p:nvPr>
-        </p:nvSpPr>
-        <p:spPr/>
-        <p:txBody>
-          <a:bodyPr/>
-          <a:lstStyle/>
-          <a:p>
-            <a:r>
-              <a:rPr lang="en-US" dirty="0" smtClean="0"/>
-              <a:t>4.1.  Example</a:t>
-            </a:r>
-            <a:endParaRPr lang="en-US" dirty="0"/>
-          </a:p>
-        </p:txBody>
-      </p:sp>
-      <p:sp>
-        <p:nvSpPr>
-          <p:cNvPr id="3" name="Marcador de contenido 2"/>
-          <p:cNvSpPr>
-            <a:spLocks noGrp="1"/>
-          </p:cNvSpPr>
-          <p:nvPr>
-            <p:ph idx="1"/>
-          </p:nvPr>
-        </p:nvSpPr>
-        <p:spPr/>
-        <p:txBody>
-          <a:bodyPr/>
-          <a:lstStyle/>
-          <a:p>
-            <a:endParaRPr lang="en-US" dirty="0" smtClean="0"/>
-          </a:p>
-          <a:p>
-            <a:r>
-              <a:rPr lang="en-US" dirty="0" smtClean="0"/>
-              <a:t>Performance test using the10K GPIO iterations</a:t>
-            </a:r>
-            <a:endParaRPr lang="en-US" dirty="0"/>
-          </a:p>
-        </p:txBody>
-      </p:sp>
-      <p:sp>
-        <p:nvSpPr>
-          <p:cNvPr id="4" name="Marcador de pie de página 3"/>
-          <p:cNvSpPr>
-            <a:spLocks noGrp="1"/>
-          </p:cNvSpPr>
-          <p:nvPr>
-            <p:ph type="ftr" sz="quarter" idx="11"/>
-          </p:nvPr>
-        </p:nvSpPr>
-        <p:spPr/>
-        <p:txBody>
-          <a:bodyPr/>
-          <a:lstStyle/>
-          <a:p>
-            <a:r>
-              <a:rPr lang="es-ES" smtClean="0"/>
-              <a:t>IOSharp: .NET Micro Framework on Linux</a:t>
-            </a:r>
-            <a:endParaRPr lang="es-ES"/>
-          </a:p>
-        </p:txBody>
-      </p:sp>
-      <p:sp>
-        <p:nvSpPr>
-          <p:cNvPr id="5" name="Marcador de número de diapositiva 4"/>
-          <p:cNvSpPr>
-            <a:spLocks noGrp="1"/>
-          </p:cNvSpPr>
-          <p:nvPr>
-            <p:ph type="sldNum" sz="quarter" idx="12"/>
-          </p:nvPr>
-        </p:nvSpPr>
-        <p:spPr/>
-        <p:txBody>
-          <a:bodyPr/>
-          <a:lstStyle/>
-          <a:p>
-            <a:fld id="{8EE90C33-BF19-4C36-8633-00054130773A}" type="slidenum">
-              <a:rPr lang="es-ES" smtClean="0"/>
-              <a:t>20</a:t>
-            </a:fld>
-            <a:endParaRPr lang="es-ES"/>
-          </a:p>
-        </p:txBody>
-      </p:sp>
-      <p:pic>
-        <p:nvPicPr>
-          <p:cNvPr id="6" name="Imagen 5"/>
-          <p:cNvPicPr>
-            <a:picLocks noChangeAspect="1"/>
-          </p:cNvPicPr>
-          <p:nvPr/>
-        </p:nvPicPr>
-        <p:blipFill>
-          <a:blip r:embed="rId2"/>
-          <a:stretch>
-            <a:fillRect/>
-          </a:stretch>
-        </p:blipFill>
-        <p:spPr>
-          <a:xfrm>
-            <a:off x="1547664" y="3861048"/>
-            <a:ext cx="7418578" cy="1820781"/>
-          </a:xfrm>
-          <a:prstGeom prst="rect">
-            <a:avLst/>
-          </a:prstGeom>
-        </p:spPr>
-      </p:pic>
-    </p:spTree>
-    <p:extLst>
-      <p:ext uri="{BB962C8B-B14F-4D97-AF65-F5344CB8AC3E}">
-        <p14:creationId xmlns:p14="http://schemas.microsoft.com/office/powerpoint/2010/main" val="4154510114"/>
-      </p:ext>
-    </p:extLst>
-  </p:cSld>
-  <p:clrMapOvr>
-    <a:masterClrMapping/>
-  </p:clrMapOvr>
-  <p:timing>
-    <p:tnLst>
-      <p:par>
-        <p:cTn id="1" dur="indefinite" restart="never" nodeType="tmRoot"/>
-      </p:par>
-    </p:tnLst>
-  </p:timing>
-</p:sld>
-</file>
-
-<file path=ppt/slides/slide21.xml><?xml version="1.0" encoding="utf-8"?>
-<p:sld xmlns:a="http://schemas.openxmlformats.org/drawingml/2006/main" xmlns:r="http://schemas.openxmlformats.org/officeDocument/2006/relationships" xmlns:p="http://schemas.openxmlformats.org/presentationml/2006/main">
-  <p:cSld>
-    <p:spTree>
-      <p:nvGrpSpPr>
-        <p:cNvPr id="1" name=""/>
-        <p:cNvGrpSpPr/>
-        <p:nvPr/>
-      </p:nvGrpSpPr>
-      <p:grpSpPr>
-        <a:xfrm>
-          <a:off x="0" y="0"/>
-          <a:ext cx="0" cy="0"/>
-          <a:chOff x="0" y="0"/>
-          <a:chExt cx="0" cy="0"/>
-        </a:xfrm>
-      </p:grpSpPr>
-      <p:sp>
-        <p:nvSpPr>
-          <p:cNvPr id="2" name="Título 1"/>
-          <p:cNvSpPr>
-            <a:spLocks noGrp="1"/>
-          </p:cNvSpPr>
-          <p:nvPr>
-            <p:ph type="title"/>
-          </p:nvPr>
-        </p:nvSpPr>
-        <p:spPr/>
-        <p:txBody>
-          <a:bodyPr/>
-          <a:lstStyle/>
-          <a:p>
-            <a:r>
-              <a:rPr lang="en-US" dirty="0" smtClean="0"/>
-              <a:t>5.  Conclusions</a:t>
-            </a:r>
-            <a:endParaRPr lang="en-US" dirty="0"/>
-          </a:p>
-        </p:txBody>
-      </p:sp>
-      <p:sp>
-        <p:nvSpPr>
-          <p:cNvPr id="3" name="Marcador de contenido 2"/>
-          <p:cNvSpPr>
-            <a:spLocks noGrp="1"/>
-          </p:cNvSpPr>
-          <p:nvPr>
-            <p:ph idx="1"/>
-          </p:nvPr>
-        </p:nvSpPr>
-        <p:spPr/>
-        <p:txBody>
-          <a:bodyPr/>
-          <a:lstStyle/>
-          <a:p>
-            <a:r>
-              <a:rPr lang="en-US" dirty="0" err="1" smtClean="0"/>
-              <a:t>IOSharp</a:t>
-            </a:r>
-            <a:r>
-              <a:rPr lang="en-US" dirty="0" smtClean="0"/>
-              <a:t> implementation supports</a:t>
-            </a:r>
-          </a:p>
-          <a:p>
-            <a:pPr lvl="1"/>
-            <a:r>
-              <a:rPr lang="en-US" dirty="0" smtClean="0"/>
-              <a:t>GPIO with Interrupts</a:t>
-            </a:r>
-          </a:p>
-          <a:p>
-            <a:pPr lvl="1"/>
-            <a:r>
-              <a:rPr lang="en-US" dirty="0" smtClean="0"/>
-              <a:t>SPI</a:t>
-            </a:r>
-          </a:p>
-          <a:p>
-            <a:pPr lvl="1"/>
-            <a:r>
-              <a:rPr lang="en-US" dirty="0" smtClean="0"/>
-              <a:t>UART</a:t>
-            </a:r>
-          </a:p>
-          <a:p>
-            <a:pPr lvl="1"/>
-            <a:endParaRPr lang="en-US" dirty="0"/>
-          </a:p>
-          <a:p>
-            <a:r>
-              <a:rPr lang="en-US" dirty="0" err="1" smtClean="0"/>
-              <a:t>AlterNative</a:t>
-            </a:r>
-            <a:r>
-              <a:rPr lang="en-US" dirty="0" smtClean="0"/>
-              <a:t> part shows</a:t>
-            </a:r>
-          </a:p>
-          <a:p>
-            <a:pPr lvl="1"/>
-            <a:r>
-              <a:rPr lang="en-US" dirty="0" smtClean="0"/>
-              <a:t>Improvement on </a:t>
-            </a:r>
-            <a:r>
-              <a:rPr lang="en-US" dirty="0" err="1" smtClean="0"/>
-              <a:t>IOSharp</a:t>
-            </a:r>
-            <a:r>
-              <a:rPr lang="en-US" dirty="0" smtClean="0"/>
-              <a:t> performance</a:t>
-            </a:r>
-          </a:p>
-          <a:p>
-            <a:pPr lvl="1"/>
-            <a:r>
-              <a:rPr lang="en-US" dirty="0" smtClean="0"/>
-              <a:t>Cross-Platform with</a:t>
-            </a:r>
-          </a:p>
-          <a:p>
-            <a:pPr lvl="1"/>
-            <a:endParaRPr lang="en-US" dirty="0"/>
-          </a:p>
-          <a:p>
-            <a:endParaRPr lang="en-US" dirty="0"/>
-          </a:p>
-        </p:txBody>
-      </p:sp>
-      <p:sp>
-        <p:nvSpPr>
-          <p:cNvPr id="4" name="Marcador de pie de página 3"/>
-          <p:cNvSpPr>
-            <a:spLocks noGrp="1"/>
-          </p:cNvSpPr>
-          <p:nvPr>
-            <p:ph type="ftr" sz="quarter" idx="11"/>
-          </p:nvPr>
-        </p:nvSpPr>
-        <p:spPr/>
-        <p:txBody>
-          <a:bodyPr/>
-          <a:lstStyle/>
-          <a:p>
-            <a:r>
-              <a:rPr lang="es-ES" smtClean="0"/>
-              <a:t>IOSharp: .NET Micro Framework on Linux</a:t>
-            </a:r>
-            <a:endParaRPr lang="es-ES"/>
-          </a:p>
-        </p:txBody>
-      </p:sp>
-      <p:sp>
-        <p:nvSpPr>
-          <p:cNvPr id="5" name="Marcador de número de diapositiva 4"/>
-          <p:cNvSpPr>
-            <a:spLocks noGrp="1"/>
-          </p:cNvSpPr>
-          <p:nvPr>
-            <p:ph type="sldNum" sz="quarter" idx="12"/>
-          </p:nvPr>
-        </p:nvSpPr>
-        <p:spPr/>
-        <p:txBody>
-          <a:bodyPr/>
-          <a:lstStyle/>
-          <a:p>
-            <a:fld id="{8EE90C33-BF19-4C36-8633-00054130773A}" type="slidenum">
-              <a:rPr lang="es-ES" smtClean="0"/>
-              <a:t>21</a:t>
-            </a:fld>
-            <a:endParaRPr lang="es-ES"/>
-          </a:p>
-        </p:txBody>
-      </p:sp>
-    </p:spTree>
-    <p:extLst>
-      <p:ext uri="{BB962C8B-B14F-4D97-AF65-F5344CB8AC3E}">
-        <p14:creationId xmlns:p14="http://schemas.microsoft.com/office/powerpoint/2010/main" val="3976270818"/>
-      </p:ext>
-    </p:extLst>
-  </p:cSld>
-  <p:clrMapOvr>
-    <a:masterClrMapping/>
-  </p:clrMapOvr>
+  <mc:AlternateContent xmlns:mc="http://schemas.openxmlformats.org/markup-compatibility/2006" xmlns:p14="http://schemas.microsoft.com/office/powerpoint/2010/main">
+    <mc:Choice Requires="p14">
+      <p:transition spd="slow" p14:dur="2000"/>
+    </mc:Choice>
+    <mc:Fallback xmlns="">
+      <p:transition spd="slow"/>
+    </mc:Fallback>
+  </mc:AlternateContent>
   <p:timing>
     <p:tnLst>
       <p:par>
@@ -13416,7 +13851,7 @@
           <a:p>
             <a:r>
               <a:rPr lang="en-US" dirty="0" smtClean="0"/>
-              <a:t>5.  Conclusions II</a:t>
+              <a:t>4.  Performance Test</a:t>
             </a:r>
             <a:endParaRPr lang="en-US" dirty="0"/>
           </a:p>
@@ -13434,7 +13869,7 @@
         </p:nvSpPr>
         <p:spPr>
           <a:xfrm>
-            <a:off x="2267744" y="1905000"/>
+            <a:off x="1960040" y="2125113"/>
             <a:ext cx="6591985" cy="3777622"/>
           </a:xfrm>
         </p:spPr>
@@ -13442,101 +13877,49 @@
           <a:bodyPr/>
           <a:lstStyle/>
           <a:p>
-            <a:pPr marL="0" indent="0">
-              <a:buNone/>
-            </a:pPr>
-            <a:r>
-              <a:rPr lang="en-US" b="1" dirty="0" smtClean="0"/>
-              <a:t>Future Work</a:t>
-            </a:r>
-          </a:p>
-          <a:p>
-            <a:pPr lvl="2"/>
-            <a:r>
-              <a:rPr lang="en-US" sz="1800" dirty="0" err="1" smtClean="0"/>
+            <a:endParaRPr lang="en-US" dirty="0" smtClean="0"/>
+          </a:p>
+          <a:p>
+            <a:r>
+              <a:rPr lang="en-US" dirty="0" smtClean="0"/>
+              <a:t>Performance test using the10K GPIO iterations</a:t>
+            </a:r>
+            <a:endParaRPr lang="en-US" dirty="0"/>
+          </a:p>
+        </p:txBody>
+      </p:sp>
+      <p:sp>
+        <p:nvSpPr>
+          <p:cNvPr id="4" name="Marcador de pie de página 3"/>
+          <p:cNvSpPr>
+            <a:spLocks noGrp="1"/>
+          </p:cNvSpPr>
+          <p:nvPr>
+            <p:ph type="ftr" sz="quarter" idx="11"/>
+          </p:nvPr>
+        </p:nvSpPr>
+        <p:spPr/>
+        <p:txBody>
+          <a:bodyPr/>
+          <a:lstStyle/>
+          <a:p>
+            <a:r>
+              <a:rPr lang="es-ES" dirty="0" err="1" smtClean="0"/>
               <a:t>IOSharp</a:t>
             </a:r>
             <a:r>
-              <a:rPr lang="en-US" sz="1800" dirty="0" smtClean="0"/>
-              <a:t>:</a:t>
-            </a:r>
-          </a:p>
-          <a:p>
-            <a:pPr lvl="3"/>
-            <a:r>
-              <a:rPr lang="en-US" sz="1600" dirty="0" smtClean="0"/>
-              <a:t>Add new protocols</a:t>
-            </a:r>
-          </a:p>
-          <a:p>
-            <a:pPr lvl="3"/>
-            <a:r>
-              <a:rPr lang="en-US" sz="1600" dirty="0" smtClean="0"/>
-              <a:t>Performance optimization</a:t>
-            </a:r>
-          </a:p>
-          <a:p>
-            <a:pPr lvl="2"/>
-            <a:endParaRPr lang="en-US" sz="1800" b="1" dirty="0"/>
-          </a:p>
-          <a:p>
-            <a:pPr lvl="2"/>
-            <a:r>
-              <a:rPr lang="en-US" sz="1800" dirty="0" err="1" smtClean="0"/>
-              <a:t>AlterNative</a:t>
-            </a:r>
-            <a:r>
-              <a:rPr lang="en-US" sz="1800" dirty="0" smtClean="0"/>
-              <a:t>:</a:t>
-            </a:r>
-          </a:p>
-          <a:p>
-            <a:pPr lvl="3"/>
-            <a:r>
-              <a:rPr lang="en-US" sz="1600" dirty="0" smtClean="0"/>
-              <a:t>Garbage Collector</a:t>
-            </a:r>
-          </a:p>
-          <a:p>
-            <a:pPr lvl="3"/>
-            <a:r>
-              <a:rPr lang="en-US" sz="1600" dirty="0" smtClean="0"/>
-              <a:t>Continuous Integration</a:t>
-            </a:r>
-          </a:p>
-          <a:p>
-            <a:pPr lvl="3"/>
-            <a:r>
-              <a:rPr lang="en-US" sz="1600" dirty="0" smtClean="0"/>
-              <a:t>Extend capabilities</a:t>
-            </a:r>
-            <a:endParaRPr lang="en-US" sz="1600" dirty="0"/>
-          </a:p>
-          <a:p>
-            <a:endParaRPr lang="en-US" dirty="0"/>
-          </a:p>
-        </p:txBody>
-      </p:sp>
-      <p:sp>
-        <p:nvSpPr>
-          <p:cNvPr id="4" name="Marcador de pie de página 3"/>
-          <p:cNvSpPr>
-            <a:spLocks noGrp="1"/>
-          </p:cNvSpPr>
-          <p:nvPr>
-            <p:ph type="ftr" sz="quarter" idx="11"/>
-          </p:nvPr>
-        </p:nvSpPr>
-        <p:spPr/>
-        <p:txBody>
-          <a:bodyPr/>
-          <a:lstStyle/>
-          <a:p>
-            <a:r>
-              <a:rPr lang="es-ES" smtClean="0"/>
-              <a:t>IOSharp: .NET Micro Framework on Linux</a:t>
-            </a:r>
-            <a:endParaRPr lang="es-ES"/>
+              <a:rPr lang="es-ES" dirty="0" smtClean="0"/>
+              <a:t>: .NET Micro Framework </a:t>
+            </a:r>
+            <a:r>
+              <a:rPr lang="es-ES" dirty="0" err="1" smtClean="0"/>
+              <a:t>on</a:t>
+            </a:r>
+            <a:r>
+              <a:rPr lang="es-ES" dirty="0" smtClean="0"/>
+              <a:t> Linux</a:t>
+            </a:r>
+            <a:endParaRPr lang="es-ES" dirty="0"/>
           </a:p>
         </p:txBody>
       </p:sp>
@@ -13563,10 +13946,68 @@
           </a:p>
         </p:txBody>
       </p:sp>
+      <p:pic>
+        <p:nvPicPr>
+          <p:cNvPr id="6" name="Imagen 5"/>
+          <p:cNvPicPr>
+            <a:picLocks noChangeAspect="1"/>
+          </p:cNvPicPr>
+          <p:nvPr/>
+        </p:nvPicPr>
+        <p:blipFill>
+          <a:blip r:embed="rId2"/>
+          <a:stretch>
+            <a:fillRect/>
+          </a:stretch>
+        </p:blipFill>
+        <p:spPr>
+          <a:xfrm>
+            <a:off x="1458082" y="3774177"/>
+            <a:ext cx="7418578" cy="1820781"/>
+          </a:xfrm>
+          <a:prstGeom prst="rect">
+            <a:avLst/>
+          </a:prstGeom>
+        </p:spPr>
+      </p:pic>
+      <p:sp>
+        <p:nvSpPr>
+          <p:cNvPr id="7" name="CuadroTexto 6"/>
+          <p:cNvSpPr txBox="1"/>
+          <p:nvPr/>
+        </p:nvSpPr>
+        <p:spPr>
+          <a:xfrm>
+            <a:off x="1499765" y="5682922"/>
+            <a:ext cx="7512533" cy="307777"/>
+          </a:xfrm>
+          <a:prstGeom prst="rect">
+            <a:avLst/>
+          </a:prstGeom>
+          <a:noFill/>
+        </p:spPr>
+        <p:txBody>
+          <a:bodyPr wrap="square" rtlCol="0">
+            <a:spAutoFit/>
+          </a:bodyPr>
+          <a:lstStyle/>
+          <a:p>
+            <a:r>
+              <a:rPr lang="en-US" sz="1400" b="1" dirty="0" smtClean="0"/>
+              <a:t>Fig. 10: </a:t>
+            </a:r>
+            <a:r>
+              <a:rPr lang="en-US" sz="1400" dirty="0" smtClean="0"/>
+              <a:t>Time comparison between Mono and C++ in 10K iterations of an Output Port</a:t>
+            </a:r>
+            <a:endParaRPr lang="en-US" sz="1400" dirty="0"/>
+          </a:p>
+        </p:txBody>
+      </p:sp>
     </p:spTree>
     <p:extLst>
       <p:ext uri="{BB962C8B-B14F-4D97-AF65-F5344CB8AC3E}">
-        <p14:creationId xmlns:p14="http://schemas.microsoft.com/office/powerpoint/2010/main" val="16182100"/>
+        <p14:creationId xmlns:p14="http://schemas.microsoft.com/office/powerpoint/2010/main" val="4154510114"/>
       </p:ext>
     </p:extLst>
   </p:cSld>
@@ -13584,7 +14025,7 @@
 </file>
 
 <file path=ppt/slides/slide23.xml><?xml version="1.0" encoding="utf-8"?>
-<p:sld xmlns:a="http://schemas.openxmlformats.org/drawingml/2006/main" xmlns:r="http://schemas.openxmlformats.org/officeDocument/2006/relationships" xmlns:p="http://schemas.openxmlformats.org/presentationml/2006/main" show="0">
+<p:sld xmlns:a="http://schemas.openxmlformats.org/drawingml/2006/main" xmlns:r="http://schemas.openxmlformats.org/officeDocument/2006/relationships" xmlns:p="http://schemas.openxmlformats.org/presentationml/2006/main">
   <p:cSld>
     <p:spTree>
       <p:nvGrpSpPr>
@@ -13610,244 +14051,92 @@
             <p:ph type="title"/>
           </p:nvPr>
         </p:nvSpPr>
+        <p:spPr>
+          <a:xfrm>
+            <a:off x="1945201" y="624110"/>
+            <a:ext cx="6589199" cy="919069"/>
+          </a:xfrm>
+        </p:spPr>
+        <p:txBody>
+          <a:bodyPr/>
+          <a:lstStyle/>
+          <a:p>
+            <a:r>
+              <a:rPr lang="en-US" dirty="0"/>
+              <a:t>4.1.  </a:t>
+            </a:r>
+            <a:r>
+              <a:rPr lang="en-US" dirty="0" smtClean="0"/>
+              <a:t>Results</a:t>
+            </a:r>
+            <a:endParaRPr lang="en-US" dirty="0"/>
+          </a:p>
+        </p:txBody>
+      </p:sp>
+      <p:sp>
+        <p:nvSpPr>
+          <p:cNvPr id="3" name="Marcador de contenido 2"/>
+          <p:cNvSpPr>
+            <a:spLocks noGrp="1"/>
+          </p:cNvSpPr>
+          <p:nvPr>
+            <p:ph idx="1"/>
+          </p:nvPr>
+        </p:nvSpPr>
+        <p:spPr>
+          <a:xfrm>
+            <a:off x="1942415" y="1700808"/>
+            <a:ext cx="6591985" cy="3777622"/>
+          </a:xfrm>
+        </p:spPr>
+        <p:txBody>
+          <a:bodyPr/>
+          <a:lstStyle/>
+          <a:p>
+            <a:r>
+              <a:rPr lang="en-US" dirty="0" smtClean="0"/>
+              <a:t>Evaluate the increased performance using </a:t>
+            </a:r>
+            <a:r>
+              <a:rPr lang="en-US" dirty="0" err="1" smtClean="0"/>
+              <a:t>AlterNative</a:t>
+            </a:r>
+            <a:endParaRPr lang="en-US" dirty="0"/>
+          </a:p>
+        </p:txBody>
+      </p:sp>
+      <p:sp>
+        <p:nvSpPr>
+          <p:cNvPr id="4" name="Marcador de pie de página 3"/>
+          <p:cNvSpPr>
+            <a:spLocks noGrp="1"/>
+          </p:cNvSpPr>
+          <p:nvPr>
+            <p:ph type="ftr" sz="quarter" idx="11"/>
+          </p:nvPr>
+        </p:nvSpPr>
         <p:spPr/>
         <p:txBody>
           <a:bodyPr/>
           <a:lstStyle/>
           <a:p>
             <a:r>
-              <a:rPr lang="en-US" dirty="0" smtClean="0"/>
-              <a:t>5.  Conclusions III</a:t>
-            </a:r>
-            <a:endParaRPr lang="en-US" dirty="0"/>
-          </a:p>
-        </p:txBody>
-      </p:sp>
-      <mc:AlternateContent xmlns:mc="http://schemas.openxmlformats.org/markup-compatibility/2006">
-        <mc:Choice xmlns:a14="http://schemas.microsoft.com/office/drawing/2010/main" Requires="a14">
-          <p:sp>
-            <p:nvSpPr>
-              <p:cNvPr id="3" name="Marcador de contenido 2"/>
-              <p:cNvSpPr>
-                <a:spLocks noGrp="1"/>
-              </p:cNvSpPr>
-              <p:nvPr>
-                <p:ph idx="1"/>
-              </p:nvPr>
-            </p:nvSpPr>
-            <p:spPr>
-              <a:xfrm>
-                <a:off x="2267744" y="1905000"/>
-                <a:ext cx="6591985" cy="3777622"/>
-              </a:xfrm>
-            </p:spPr>
-            <p:txBody>
-              <a:bodyPr/>
-              <a:lstStyle/>
-              <a:p>
-                <a:pPr marL="0" indent="0">
-                  <a:buNone/>
-                </a:pPr>
-                <a:r>
-                  <a:rPr lang="en-US" b="1" dirty="0" smtClean="0"/>
-                  <a:t>Environmental Impact</a:t>
-                </a:r>
-                <a:endParaRPr lang="en-US" b="1" dirty="0" smtClean="0"/>
-              </a:p>
-              <a:p>
-                <a:pPr lvl="2"/>
-                <a:r>
-                  <a:rPr lang="en-US" sz="1800" dirty="0" err="1" smtClean="0"/>
-                  <a:t>IOSharp</a:t>
-                </a:r>
-                <a:r>
-                  <a:rPr lang="en-US" sz="1800" dirty="0" smtClean="0"/>
-                  <a:t>:</a:t>
-                </a:r>
-              </a:p>
-              <a:p>
-                <a:pPr lvl="3"/>
-                <a:r>
-                  <a:rPr lang="en-US" sz="1600" dirty="0" smtClean="0"/>
-                  <a:t>New protocols, </a:t>
-                </a:r>
-                <a:r>
-                  <a:rPr lang="en-US" sz="1600" dirty="0" err="1" smtClean="0"/>
-                  <a:t>ie</a:t>
-                </a:r>
-                <a:r>
-                  <a:rPr lang="en-US" sz="1600" dirty="0" smtClean="0"/>
-                  <a:t>. </a:t>
-                </a:r>
-                <a14:m>
-                  <m:oMath xmlns:m="http://schemas.openxmlformats.org/officeDocument/2006/math">
-                    <m:sSup>
-                      <m:sSupPr>
-                        <m:ctrlPr>
-                          <a:rPr lang="en-US" sz="1600" i="1" smtClean="0">
-                            <a:latin typeface="Cambria Math" panose="02040503050406030204" pitchFamily="18" charset="0"/>
-                          </a:rPr>
-                        </m:ctrlPr>
-                      </m:sSupPr>
-                      <m:e>
-                        <m:r>
-                          <a:rPr lang="es-ES" sz="1600" b="0" i="1" smtClean="0">
-                            <a:latin typeface="Cambria Math" panose="02040503050406030204" pitchFamily="18" charset="0"/>
-                          </a:rPr>
-                          <m:t>𝐼</m:t>
-                        </m:r>
-                      </m:e>
-                      <m:sup>
-                        <m:r>
-                          <a:rPr lang="es-ES" sz="1600" b="0" i="1" smtClean="0">
-                            <a:latin typeface="Cambria Math" panose="02040503050406030204" pitchFamily="18" charset="0"/>
-                          </a:rPr>
-                          <m:t>2</m:t>
-                        </m:r>
-                      </m:sup>
-                    </m:sSup>
-                    <m:r>
-                      <a:rPr lang="es-ES" sz="1600" b="0" i="1" smtClean="0">
-                        <a:latin typeface="Cambria Math" panose="02040503050406030204" pitchFamily="18" charset="0"/>
-                      </a:rPr>
-                      <m:t>𝐶</m:t>
-                    </m:r>
-                  </m:oMath>
-                </a14:m>
-                <a:endParaRPr lang="en-US" sz="1600" dirty="0" smtClean="0"/>
-              </a:p>
-              <a:p>
-                <a:pPr lvl="3"/>
-                <a:r>
-                  <a:rPr lang="en-US" sz="1600" dirty="0" smtClean="0"/>
-                  <a:t>Performance </a:t>
-                </a:r>
-                <a:r>
-                  <a:rPr lang="en-US" sz="1600" dirty="0" smtClean="0"/>
-                  <a:t>optimization</a:t>
-                </a:r>
-              </a:p>
-              <a:p>
-                <a:pPr lvl="2"/>
-                <a:endParaRPr lang="en-US" sz="1800" b="1" dirty="0"/>
-              </a:p>
-              <a:p>
-                <a:pPr lvl="2"/>
-                <a:r>
-                  <a:rPr lang="en-US" sz="1800" dirty="0" err="1" smtClean="0"/>
-                  <a:t>AlterNative</a:t>
-                </a:r>
-                <a:r>
-                  <a:rPr lang="en-US" sz="1800" dirty="0" smtClean="0"/>
-                  <a:t>:</a:t>
-                </a:r>
-              </a:p>
-              <a:p>
-                <a:pPr lvl="3"/>
-                <a:r>
-                  <a:rPr lang="en-US" sz="1600" dirty="0" smtClean="0"/>
-                  <a:t>Garbage Collector</a:t>
-                </a:r>
-              </a:p>
-              <a:p>
-                <a:pPr lvl="3"/>
-                <a:r>
-                  <a:rPr lang="en-US" sz="1600" dirty="0" smtClean="0"/>
-                  <a:t>Continuous Integration</a:t>
-                </a:r>
-              </a:p>
-              <a:p>
-                <a:pPr lvl="3"/>
-                <a:r>
-                  <a:rPr lang="en-US" sz="1600" dirty="0" smtClean="0"/>
-                  <a:t>Extend</a:t>
-                </a:r>
-                <a:r>
-                  <a:rPr lang="es-ES" sz="1600" dirty="0" smtClean="0"/>
-                  <a:t> </a:t>
-                </a:r>
-                <a:r>
-                  <a:rPr lang="es-ES" sz="1600" dirty="0"/>
-                  <a:t>C# </a:t>
-                </a:r>
-                <a:r>
-                  <a:rPr lang="en-US" sz="1600" dirty="0" smtClean="0"/>
-                  <a:t>language</a:t>
-                </a:r>
-                <a:r>
-                  <a:rPr lang="es-ES" sz="1600" dirty="0" smtClean="0"/>
-                  <a:t> </a:t>
-                </a:r>
-                <a:r>
-                  <a:rPr lang="en-US" sz="1600" dirty="0" smtClean="0"/>
-                  <a:t>capabilities</a:t>
-                </a:r>
-                <a:endParaRPr lang="en-US" sz="1600" dirty="0" smtClean="0"/>
-              </a:p>
-              <a:p>
-                <a:endParaRPr lang="en-US" dirty="0"/>
-              </a:p>
-            </p:txBody>
-          </p:sp>
-        </mc:Choice>
-        <mc:Fallback>
-          <p:sp>
-            <p:nvSpPr>
-              <p:cNvPr id="3" name="Marcador de contenido 2"/>
-              <p:cNvSpPr>
-                <a:spLocks noGrp="1" noRot="1" noChangeAspect="1" noMove="1" noResize="1" noEditPoints="1" noAdjustHandles="1" noChangeArrowheads="1" noChangeShapeType="1" noTextEdit="1"/>
-              </p:cNvSpPr>
-              <p:nvPr>
-                <p:ph idx="1"/>
-              </p:nvPr>
-            </p:nvSpPr>
-            <p:spPr>
-              <a:xfrm>
-                <a:off x="2267744" y="1905000"/>
-                <a:ext cx="6591985" cy="3777622"/>
-              </a:xfrm>
-              <a:blipFill rotWithShape="0">
-                <a:blip r:embed="rId3"/>
-                <a:stretch>
-                  <a:fillRect l="-740" t="-969"/>
-                </a:stretch>
-              </a:blipFill>
-            </p:spPr>
-            <p:txBody>
-              <a:bodyPr/>
-              <a:lstStyle/>
-              <a:p>
-                <a:r>
-                  <a:rPr lang="en-US">
-                    <a:noFill/>
-                  </a:rPr>
-                  <a:t> </a:t>
-                </a:r>
-              </a:p>
-            </p:txBody>
-          </p:sp>
-        </mc:Fallback>
-      </mc:AlternateContent>
-      <p:sp>
-        <p:nvSpPr>
-          <p:cNvPr id="4" name="Marcador de pie de página 3"/>
-          <p:cNvSpPr>
-            <a:spLocks noGrp="1"/>
-          </p:cNvSpPr>
-          <p:nvPr>
-            <p:ph type="ftr" sz="quarter" idx="11"/>
-          </p:nvPr>
-        </p:nvSpPr>
-        <p:spPr/>
-        <p:txBody>
-          <a:bodyPr/>
-          <a:lstStyle/>
-          <a:p>
-            <a:r>
-              <a:rPr lang="es-ES" smtClean="0"/>
-              <a:t>IOSharp: .NET Micro Framework on Linux</a:t>
-            </a:r>
-            <a:endParaRPr lang="es-ES"/>
+              <a:rPr lang="es-ES" dirty="0" err="1" smtClean="0"/>
+              <a:t>IOSharp</a:t>
+            </a:r>
+            <a:r>
+              <a:rPr lang="es-ES" dirty="0" smtClean="0"/>
+              <a:t>: .NET Micro Framework </a:t>
+            </a:r>
+            <a:r>
+              <a:rPr lang="es-ES" dirty="0" err="1" smtClean="0"/>
+              <a:t>on</a:t>
+            </a:r>
+            <a:r>
+              <a:rPr lang="es-ES" dirty="0" smtClean="0"/>
+              <a:t> Linux</a:t>
+            </a:r>
+            <a:endParaRPr lang="es-ES" dirty="0"/>
           </a:p>
         </p:txBody>
       </p:sp>
@@ -13874,24 +14163,75 @@
           </a:p>
         </p:txBody>
       </p:sp>
+      <p:pic>
+        <p:nvPicPr>
+          <p:cNvPr id="11" name="Imagen 10"/>
+          <p:cNvPicPr>
+            <a:picLocks noChangeAspect="1"/>
+          </p:cNvPicPr>
+          <p:nvPr/>
+        </p:nvPicPr>
+        <p:blipFill>
+          <a:blip r:embed="rId2"/>
+          <a:stretch>
+            <a:fillRect/>
+          </a:stretch>
+        </p:blipFill>
+        <p:spPr>
+          <a:xfrm>
+            <a:off x="2195736" y="2286036"/>
+            <a:ext cx="4249280" cy="3359187"/>
+          </a:xfrm>
+          <a:prstGeom prst="rect">
+            <a:avLst/>
+          </a:prstGeom>
+        </p:spPr>
+      </p:pic>
+      <p:sp>
+        <p:nvSpPr>
+          <p:cNvPr id="8" name="CuadroTexto 7"/>
+          <p:cNvSpPr txBox="1"/>
+          <p:nvPr/>
+        </p:nvSpPr>
+        <p:spPr>
+          <a:xfrm>
+            <a:off x="6454572" y="3488575"/>
+            <a:ext cx="2333150" cy="954107"/>
+          </a:xfrm>
+          <a:prstGeom prst="rect">
+            <a:avLst/>
+          </a:prstGeom>
+          <a:noFill/>
+        </p:spPr>
+        <p:txBody>
+          <a:bodyPr wrap="square" rtlCol="0">
+            <a:spAutoFit/>
+          </a:bodyPr>
+          <a:lstStyle/>
+          <a:p>
+            <a:pPr algn="just"/>
+            <a:r>
+              <a:rPr lang="en-US" sz="1400" b="1" dirty="0" smtClean="0"/>
+              <a:t>Fig. 9: </a:t>
+            </a:r>
+            <a:r>
+              <a:rPr lang="en-US" sz="1400" dirty="0" smtClean="0"/>
+              <a:t>Graph showing the speedup of the C++ version in front of the Mono one. 62% of gain.</a:t>
+            </a:r>
+            <a:endParaRPr lang="en-US" sz="1400" dirty="0"/>
+          </a:p>
+        </p:txBody>
+      </p:sp>
     </p:spTree>
     <p:extLst>
       <p:ext uri="{BB962C8B-B14F-4D97-AF65-F5344CB8AC3E}">
-        <p14:creationId xmlns:p14="http://schemas.microsoft.com/office/powerpoint/2010/main" val="2144032195"/>
+        <p14:creationId xmlns:p14="http://schemas.microsoft.com/office/powerpoint/2010/main" val="204124017"/>
       </p:ext>
     </p:extLst>
   </p:cSld>
   <p:clrMapOvr>
     <a:masterClrMapping/>
   </p:clrMapOvr>
-  <mc:AlternateContent xmlns:mc="http://schemas.openxmlformats.org/markup-compatibility/2006">
-    <mc:Choice xmlns:p14="http://schemas.microsoft.com/office/powerpoint/2010/main" Requires="p14">
-      <p:transition spd="slow" p14:dur="2000"/>
-    </mc:Choice>
-    <mc:Fallback>
-      <p:transition spd="slow"/>
-    </mc:Fallback>
-  </mc:AlternateContent>
   <p:timing>
     <p:tnLst>
       <p:par>
@@ -13929,47 +14269,140 @@
             <p:ph type="title"/>
           </p:nvPr>
         </p:nvSpPr>
+        <p:spPr>
+          <a:xfrm>
+            <a:off x="1945201" y="624110"/>
+            <a:ext cx="6589199" cy="788666"/>
+          </a:xfrm>
+        </p:spPr>
+        <p:txBody>
+          <a:bodyPr/>
+          <a:lstStyle/>
+          <a:p>
+            <a:r>
+              <a:rPr lang="en-US" dirty="0"/>
+              <a:t>5.  Conclusions</a:t>
+            </a:r>
+            <a:endParaRPr lang="en-US" noProof="1"/>
+          </a:p>
+        </p:txBody>
+      </p:sp>
+      <p:sp>
+        <p:nvSpPr>
+          <p:cNvPr id="3" name="Marcador de contenido 2"/>
+          <p:cNvSpPr>
+            <a:spLocks noGrp="1"/>
+          </p:cNvSpPr>
+          <p:nvPr>
+            <p:ph idx="1"/>
+          </p:nvPr>
+        </p:nvSpPr>
+        <p:spPr>
+          <a:xfrm>
+            <a:off x="1943807" y="1700808"/>
+            <a:ext cx="6591985" cy="3777622"/>
+          </a:xfrm>
+        </p:spPr>
+        <p:txBody>
+          <a:bodyPr/>
+          <a:lstStyle/>
+          <a:p>
+            <a:r>
+              <a:rPr lang="en-US" dirty="0" smtClean="0"/>
+              <a:t>Deploy NETMF programs on Linux</a:t>
+            </a:r>
+          </a:p>
+          <a:p>
+            <a:pPr lvl="1"/>
+            <a:r>
+              <a:rPr lang="en-US" dirty="0" smtClean="0"/>
+              <a:t>Provide hardware support for embedded systems</a:t>
+            </a:r>
+          </a:p>
+          <a:p>
+            <a:pPr lvl="1"/>
+            <a:r>
+              <a:rPr lang="en-US" dirty="0" smtClean="0"/>
+              <a:t>Run </a:t>
+            </a:r>
+            <a:r>
+              <a:rPr lang="en-US" dirty="0" err="1" smtClean="0"/>
+              <a:t>HomeSense</a:t>
+            </a:r>
+            <a:r>
+              <a:rPr lang="en-US" dirty="0" smtClean="0"/>
+              <a:t> gateway on Raspberry Pi</a:t>
+            </a:r>
+          </a:p>
+          <a:p>
+            <a:endParaRPr lang="en-US" dirty="0" smtClean="0"/>
+          </a:p>
+          <a:p>
+            <a:r>
+              <a:rPr lang="en-US" dirty="0" smtClean="0"/>
+              <a:t>Performance improvement</a:t>
+            </a:r>
+          </a:p>
+          <a:p>
+            <a:pPr lvl="1"/>
+            <a:r>
+              <a:rPr lang="en-US" dirty="0" smtClean="0"/>
+              <a:t>Provide Linux support for </a:t>
+            </a:r>
+            <a:r>
+              <a:rPr lang="en-US" dirty="0" err="1" smtClean="0"/>
+              <a:t>AlterNative</a:t>
+            </a:r>
+            <a:endParaRPr lang="en-US" dirty="0" smtClean="0"/>
+          </a:p>
+          <a:p>
+            <a:pPr lvl="1"/>
+            <a:r>
+              <a:rPr lang="en-US" dirty="0" smtClean="0"/>
+              <a:t>Develop missing libraries on the proprietary library</a:t>
+            </a:r>
+          </a:p>
+          <a:p>
+            <a:pPr lvl="1"/>
+            <a:r>
+              <a:rPr lang="en-US" dirty="0" smtClean="0"/>
+              <a:t>Evaluate the performance improvement</a:t>
+            </a:r>
+          </a:p>
+        </p:txBody>
+      </p:sp>
+      <p:sp>
+        <p:nvSpPr>
+          <p:cNvPr id="4" name="Marcador de pie de página 3"/>
+          <p:cNvSpPr>
+            <a:spLocks noGrp="1"/>
+          </p:cNvSpPr>
+          <p:nvPr>
+            <p:ph type="ftr" sz="quarter" idx="11"/>
+          </p:nvPr>
+        </p:nvSpPr>
         <p:spPr/>
         <p:txBody>
           <a:bodyPr/>
           <a:lstStyle/>
           <a:p>
             <a:r>
-              <a:rPr lang="en-US" dirty="0" smtClean="0"/>
-              <a:t>6.  Questions</a:t>
+              <a:rPr lang="es-ES" dirty="0" err="1" smtClean="0"/>
+              <a:t>IOSharp</a:t>
             </a:r>
             <a:r>
               <a:rPr lang="es-ES" dirty="0" smtClean="0"/>
-              <a:t> &amp; </a:t>
-            </a:r>
-            <a:r>
-              <a:rPr lang="en-US" dirty="0" smtClean="0"/>
-              <a:t>Answers</a:t>
-            </a:r>
-            <a:endParaRPr lang="en-US" dirty="0"/>
-          </a:p>
-        </p:txBody>
-      </p:sp>
-      <p:sp>
-        <p:nvSpPr>
-          <p:cNvPr id="4" name="Marcador de pie de página 3"/>
-          <p:cNvSpPr>
-            <a:spLocks noGrp="1"/>
-          </p:cNvSpPr>
-          <p:nvPr>
-            <p:ph type="ftr" sz="quarter" idx="11"/>
-          </p:nvPr>
-        </p:nvSpPr>
-        <p:spPr/>
-        <p:txBody>
-          <a:bodyPr/>
-          <a:lstStyle/>
-          <a:p>
-            <a:r>
-              <a:rPr lang="es-ES" smtClean="0"/>
-              <a:t>IOSharp: .NET Micro Framework on Linux</a:t>
-            </a:r>
-            <a:endParaRPr lang="es-ES"/>
+              <a:t>: .NET Micro Framework </a:t>
+            </a:r>
+            <a:r>
+              <a:rPr lang="es-ES" dirty="0" err="1" smtClean="0"/>
+              <a:t>on</a:t>
+            </a:r>
+            <a:r>
+              <a:rPr lang="es-ES" dirty="0" smtClean="0"/>
+              <a:t> Linux</a:t>
+            </a:r>
+            <a:endParaRPr lang="es-ES" dirty="0"/>
           </a:p>
         </p:txBody>
       </p:sp>
@@ -13991,6 +14424,660 @@
             <a:fld id="{8EE90C33-BF19-4C36-8633-00054130773A}" type="slidenum">
               <a:rPr lang="es-ES" smtClean="0"/>
               <a:t>24</a:t>
+            </a:fld>
+            <a:endParaRPr lang="es-ES"/>
+          </a:p>
+        </p:txBody>
+      </p:sp>
+    </p:spTree>
+    <p:extLst>
+      <p:ext uri="{BB962C8B-B14F-4D97-AF65-F5344CB8AC3E}">
+        <p14:creationId xmlns:p14="http://schemas.microsoft.com/office/powerpoint/2010/main" val="2334452255"/>
+      </p:ext>
+    </p:extLst>
+  </p:cSld>
+  <p:clrMapOvr>
+    <a:masterClrMapping/>
+  </p:clrMapOvr>
+  <mc:AlternateContent xmlns:mc="http://schemas.openxmlformats.org/markup-compatibility/2006" xmlns:p14="http://schemas.microsoft.com/office/powerpoint/2010/main">
+    <mc:Choice Requires="p14">
+      <p:transition spd="slow" p14:dur="2000"/>
+    </mc:Choice>
+    <mc:Fallback xmlns="">
+      <p:transition spd="slow"/>
+    </mc:Fallback>
+  </mc:AlternateContent>
+  <p:timing>
+    <p:tnLst>
+      <p:par>
+        <p:cTn id="1" dur="indefinite" restart="never" nodeType="tmRoot"/>
+      </p:par>
+    </p:tnLst>
+  </p:timing>
+</p:sld>
+</file>
+
+<file path=ppt/slides/slide25.xml><?xml version="1.0" encoding="utf-8"?>
+<p:sld xmlns:a="http://schemas.openxmlformats.org/drawingml/2006/main" xmlns:r="http://schemas.openxmlformats.org/officeDocument/2006/relationships" xmlns:p="http://schemas.openxmlformats.org/presentationml/2006/main" show="0">
+  <p:cSld>
+    <p:spTree>
+      <p:nvGrpSpPr>
+        <p:cNvPr id="1" name=""/>
+        <p:cNvGrpSpPr/>
+        <p:nvPr/>
+      </p:nvGrpSpPr>
+      <p:grpSpPr>
+        <a:xfrm>
+          <a:off x="0" y="0"/>
+          <a:ext cx="0" cy="0"/>
+          <a:chOff x="0" y="0"/>
+          <a:chExt cx="0" cy="0"/>
+        </a:xfrm>
+      </p:grpSpPr>
+      <p:sp>
+        <p:nvSpPr>
+          <p:cNvPr id="2" name="Título 1"/>
+          <p:cNvSpPr>
+            <a:spLocks noGrp="1"/>
+          </p:cNvSpPr>
+          <p:nvPr>
+            <p:ph type="title"/>
+          </p:nvPr>
+        </p:nvSpPr>
+        <p:spPr/>
+        <p:txBody>
+          <a:bodyPr/>
+          <a:lstStyle/>
+          <a:p>
+            <a:r>
+              <a:rPr lang="en-US" dirty="0" smtClean="0"/>
+              <a:t>5.  Conclusions</a:t>
+            </a:r>
+            <a:endParaRPr lang="en-US" dirty="0"/>
+          </a:p>
+        </p:txBody>
+      </p:sp>
+      <p:sp>
+        <p:nvSpPr>
+          <p:cNvPr id="3" name="Marcador de contenido 2"/>
+          <p:cNvSpPr>
+            <a:spLocks noGrp="1"/>
+          </p:cNvSpPr>
+          <p:nvPr>
+            <p:ph idx="1"/>
+          </p:nvPr>
+        </p:nvSpPr>
+        <p:spPr/>
+        <p:txBody>
+          <a:bodyPr/>
+          <a:lstStyle/>
+          <a:p>
+            <a:r>
+              <a:rPr lang="en-US" dirty="0" err="1" smtClean="0"/>
+              <a:t>IOSharp</a:t>
+            </a:r>
+            <a:r>
+              <a:rPr lang="en-US" dirty="0" smtClean="0"/>
+              <a:t> implementation supports</a:t>
+            </a:r>
+          </a:p>
+          <a:p>
+            <a:pPr lvl="1"/>
+            <a:r>
+              <a:rPr lang="en-US" dirty="0" smtClean="0"/>
+              <a:t>GPIO with Interrupts</a:t>
+            </a:r>
+          </a:p>
+          <a:p>
+            <a:pPr lvl="1"/>
+            <a:r>
+              <a:rPr lang="en-US" dirty="0" smtClean="0"/>
+              <a:t>SPI</a:t>
+            </a:r>
+          </a:p>
+          <a:p>
+            <a:pPr lvl="1"/>
+            <a:r>
+              <a:rPr lang="en-US" dirty="0" smtClean="0"/>
+              <a:t>UART</a:t>
+            </a:r>
+          </a:p>
+          <a:p>
+            <a:pPr lvl="1"/>
+            <a:endParaRPr lang="en-US" dirty="0" smtClean="0"/>
+          </a:p>
+          <a:p>
+            <a:pPr lvl="1"/>
+            <a:endParaRPr lang="en-US" dirty="0"/>
+          </a:p>
+          <a:p>
+            <a:r>
+              <a:rPr lang="en-US" dirty="0" err="1" smtClean="0"/>
+              <a:t>AlterNative</a:t>
+            </a:r>
+            <a:r>
+              <a:rPr lang="en-US" dirty="0" smtClean="0"/>
+              <a:t> part shows</a:t>
+            </a:r>
+          </a:p>
+          <a:p>
+            <a:pPr lvl="1"/>
+            <a:r>
+              <a:rPr lang="en-US" dirty="0" smtClean="0"/>
+              <a:t>Performance improvement</a:t>
+            </a:r>
+            <a:endParaRPr lang="en-US" dirty="0"/>
+          </a:p>
+        </p:txBody>
+      </p:sp>
+      <p:sp>
+        <p:nvSpPr>
+          <p:cNvPr id="4" name="Marcador de pie de página 3"/>
+          <p:cNvSpPr>
+            <a:spLocks noGrp="1"/>
+          </p:cNvSpPr>
+          <p:nvPr>
+            <p:ph type="ftr" sz="quarter" idx="11"/>
+          </p:nvPr>
+        </p:nvSpPr>
+        <p:spPr/>
+        <p:txBody>
+          <a:bodyPr/>
+          <a:lstStyle/>
+          <a:p>
+            <a:r>
+              <a:rPr lang="es-ES" dirty="0" err="1" smtClean="0"/>
+              <a:t>IOSharp</a:t>
+            </a:r>
+            <a:r>
+              <a:rPr lang="es-ES" dirty="0" smtClean="0"/>
+              <a:t>: .NET Micro Framework </a:t>
+            </a:r>
+            <a:r>
+              <a:rPr lang="es-ES" dirty="0" err="1" smtClean="0"/>
+              <a:t>on</a:t>
+            </a:r>
+            <a:r>
+              <a:rPr lang="es-ES" dirty="0" smtClean="0"/>
+              <a:t> Linux</a:t>
+            </a:r>
+            <a:endParaRPr lang="es-ES" dirty="0"/>
+          </a:p>
+        </p:txBody>
+      </p:sp>
+      <p:sp>
+        <p:nvSpPr>
+          <p:cNvPr id="5" name="Marcador de número de diapositiva 4"/>
+          <p:cNvSpPr>
+            <a:spLocks noGrp="1"/>
+          </p:cNvSpPr>
+          <p:nvPr>
+            <p:ph type="sldNum" sz="quarter" idx="12"/>
+          </p:nvPr>
+        </p:nvSpPr>
+        <p:spPr/>
+        <p:txBody>
+          <a:bodyPr/>
+          <a:lstStyle/>
+          <a:p>
+            <a:fld id="{8EE90C33-BF19-4C36-8633-00054130773A}" type="slidenum">
+              <a:rPr lang="es-ES" smtClean="0"/>
+              <a:t>25</a:t>
+            </a:fld>
+            <a:endParaRPr lang="es-ES"/>
+          </a:p>
+        </p:txBody>
+      </p:sp>
+    </p:spTree>
+    <p:extLst>
+      <p:ext uri="{BB962C8B-B14F-4D97-AF65-F5344CB8AC3E}">
+        <p14:creationId xmlns:p14="http://schemas.microsoft.com/office/powerpoint/2010/main" val="3976270818"/>
+      </p:ext>
+    </p:extLst>
+  </p:cSld>
+  <p:clrMapOvr>
+    <a:masterClrMapping/>
+  </p:clrMapOvr>
+  <mc:AlternateContent xmlns:mc="http://schemas.openxmlformats.org/markup-compatibility/2006" xmlns:p14="http://schemas.microsoft.com/office/powerpoint/2010/main">
+    <mc:Choice Requires="p14">
+      <p:transition spd="slow" p14:dur="2000"/>
+    </mc:Choice>
+    <mc:Fallback xmlns="">
+      <p:transition spd="slow"/>
+    </mc:Fallback>
+  </mc:AlternateContent>
+  <p:timing>
+    <p:tnLst>
+      <p:par>
+        <p:cTn id="1" dur="indefinite" restart="never" nodeType="tmRoot"/>
+      </p:par>
+    </p:tnLst>
+  </p:timing>
+</p:sld>
+</file>
+
+<file path=ppt/slides/slide26.xml><?xml version="1.0" encoding="utf-8"?>
+<p:sld xmlns:a="http://schemas.openxmlformats.org/drawingml/2006/main" xmlns:r="http://schemas.openxmlformats.org/officeDocument/2006/relationships" xmlns:p="http://schemas.openxmlformats.org/presentationml/2006/main">
+  <p:cSld>
+    <p:spTree>
+      <p:nvGrpSpPr>
+        <p:cNvPr id="1" name=""/>
+        <p:cNvGrpSpPr/>
+        <p:nvPr/>
+      </p:nvGrpSpPr>
+      <p:grpSpPr>
+        <a:xfrm>
+          <a:off x="0" y="0"/>
+          <a:ext cx="0" cy="0"/>
+          <a:chOff x="0" y="0"/>
+          <a:chExt cx="0" cy="0"/>
+        </a:xfrm>
+      </p:grpSpPr>
+      <p:sp>
+        <p:nvSpPr>
+          <p:cNvPr id="2" name="Título 1"/>
+          <p:cNvSpPr>
+            <a:spLocks noGrp="1"/>
+          </p:cNvSpPr>
+          <p:nvPr>
+            <p:ph type="title"/>
+          </p:nvPr>
+        </p:nvSpPr>
+        <p:spPr/>
+        <p:txBody>
+          <a:bodyPr/>
+          <a:lstStyle/>
+          <a:p>
+            <a:r>
+              <a:rPr lang="en-US" dirty="0" smtClean="0"/>
+              <a:t>5.  Conclusions II</a:t>
+            </a:r>
+            <a:endParaRPr lang="en-US" dirty="0"/>
+          </a:p>
+        </p:txBody>
+      </p:sp>
+      <mc:AlternateContent xmlns:mc="http://schemas.openxmlformats.org/markup-compatibility/2006" xmlns:a14="http://schemas.microsoft.com/office/drawing/2010/main">
+        <mc:Choice Requires="a14">
+          <p:sp>
+            <p:nvSpPr>
+              <p:cNvPr id="3" name="Marcador de contenido 2"/>
+              <p:cNvSpPr>
+                <a:spLocks noGrp="1"/>
+              </p:cNvSpPr>
+              <p:nvPr>
+                <p:ph idx="1"/>
+              </p:nvPr>
+            </p:nvSpPr>
+            <p:spPr>
+              <a:xfrm>
+                <a:off x="2267744" y="1905000"/>
+                <a:ext cx="6591985" cy="3777622"/>
+              </a:xfrm>
+            </p:spPr>
+            <p:txBody>
+              <a:bodyPr>
+                <a:normAutofit/>
+              </a:bodyPr>
+              <a:lstStyle/>
+              <a:p>
+                <a:pPr marL="0" indent="0">
+                  <a:buNone/>
+                </a:pPr>
+                <a:r>
+                  <a:rPr lang="en-US" b="1" dirty="0" smtClean="0"/>
+                  <a:t>Future Work</a:t>
+                </a:r>
+              </a:p>
+              <a:p>
+                <a:pPr lvl="1"/>
+                <a:r>
+                  <a:rPr lang="en-US" sz="2000" dirty="0" err="1" smtClean="0"/>
+                  <a:t>IOSharp</a:t>
+                </a:r>
+                <a:r>
+                  <a:rPr lang="en-US" sz="2000" dirty="0" smtClean="0"/>
+                  <a:t>:</a:t>
+                </a:r>
+              </a:p>
+              <a:p>
+                <a:pPr lvl="2"/>
+                <a:r>
+                  <a:rPr lang="es-ES" sz="1800" dirty="0" smtClean="0"/>
+                  <a:t>New </a:t>
+                </a:r>
+                <a:r>
+                  <a:rPr lang="en-US" sz="1800" dirty="0" smtClean="0"/>
+                  <a:t>protocols</a:t>
+                </a:r>
+                <a:r>
+                  <a:rPr lang="es-ES" sz="1800" dirty="0" smtClean="0"/>
+                  <a:t>, </a:t>
+                </a:r>
+                <a:r>
+                  <a:rPr lang="en-US" sz="1800" dirty="0" smtClean="0"/>
+                  <a:t>i.e.</a:t>
+                </a:r>
+                <a:r>
+                  <a:rPr lang="es-ES" sz="1800" dirty="0" smtClean="0"/>
+                  <a:t> </a:t>
+                </a:r>
+                <a14:m>
+                  <m:oMath xmlns:m="http://schemas.openxmlformats.org/officeDocument/2006/math">
+                    <m:sSup>
+                      <m:sSupPr>
+                        <m:ctrlPr>
+                          <a:rPr lang="es-ES" sz="1800" b="0" i="1" smtClean="0">
+                            <a:latin typeface="Cambria Math" panose="02040503050406030204" pitchFamily="18" charset="0"/>
+                          </a:rPr>
+                        </m:ctrlPr>
+                      </m:sSupPr>
+                      <m:e>
+                        <m:r>
+                          <a:rPr lang="es-ES" sz="1800" b="0" i="1" smtClean="0">
+                            <a:latin typeface="Cambria Math" panose="02040503050406030204" pitchFamily="18" charset="0"/>
+                          </a:rPr>
+                          <m:t>𝐼</m:t>
+                        </m:r>
+                      </m:e>
+                      <m:sup>
+                        <m:r>
+                          <a:rPr lang="es-ES" sz="1800" b="0" i="1" smtClean="0">
+                            <a:latin typeface="Cambria Math" panose="02040503050406030204" pitchFamily="18" charset="0"/>
+                          </a:rPr>
+                          <m:t>2</m:t>
+                        </m:r>
+                      </m:sup>
+                    </m:sSup>
+                    <m:r>
+                      <a:rPr lang="es-ES" sz="1800" b="0" i="1" smtClean="0">
+                        <a:latin typeface="Cambria Math" panose="02040503050406030204" pitchFamily="18" charset="0"/>
+                      </a:rPr>
+                      <m:t>𝐶</m:t>
+                    </m:r>
+                  </m:oMath>
+                </a14:m>
+                <a:r>
+                  <a:rPr lang="es-ES" sz="1800" dirty="0" smtClean="0"/>
+                  <a:t> and </a:t>
+                </a:r>
+                <a14:m>
+                  <m:oMath xmlns:m="http://schemas.openxmlformats.org/officeDocument/2006/math">
+                    <m:r>
+                      <a:rPr lang="es-ES" sz="1800" b="0" i="1" smtClean="0">
+                        <a:latin typeface="Cambria Math" panose="02040503050406030204" pitchFamily="18" charset="0"/>
+                      </a:rPr>
+                      <m:t>𝑃𝑊𝑀</m:t>
+                    </m:r>
+                  </m:oMath>
+                </a14:m>
+                <a:endParaRPr lang="es-ES" sz="1800" dirty="0" smtClean="0"/>
+              </a:p>
+              <a:p>
+                <a:pPr lvl="2"/>
+                <a:r>
+                  <a:rPr lang="en-US" sz="1800" dirty="0" smtClean="0"/>
+                  <a:t>Performance optimization</a:t>
+                </a:r>
+              </a:p>
+              <a:p>
+                <a:pPr lvl="1"/>
+                <a:endParaRPr lang="en-US" sz="2000" b="1" dirty="0"/>
+              </a:p>
+              <a:p>
+                <a:pPr lvl="1"/>
+                <a:r>
+                  <a:rPr lang="en-US" sz="2000" dirty="0" err="1" smtClean="0"/>
+                  <a:t>AlterNative</a:t>
+                </a:r>
+                <a:r>
+                  <a:rPr lang="en-US" sz="2000" dirty="0" smtClean="0"/>
+                  <a:t>:</a:t>
+                </a:r>
+              </a:p>
+              <a:p>
+                <a:pPr lvl="2"/>
+                <a:r>
+                  <a:rPr lang="en-US" sz="1800" dirty="0" smtClean="0"/>
+                  <a:t>Garbage Collector</a:t>
+                </a:r>
+              </a:p>
+              <a:p>
+                <a:pPr lvl="2"/>
+                <a:r>
+                  <a:rPr lang="en-US" sz="1800" dirty="0" smtClean="0"/>
+                  <a:t>Continuous Integration</a:t>
+                </a:r>
+              </a:p>
+              <a:p>
+                <a:pPr lvl="2"/>
+                <a:r>
+                  <a:rPr lang="en-US" sz="1800" dirty="0" smtClean="0"/>
+                  <a:t>Extend C# language capabilities</a:t>
+                </a:r>
+              </a:p>
+              <a:p>
+                <a:endParaRPr lang="en-US" dirty="0"/>
+              </a:p>
+            </p:txBody>
+          </p:sp>
+        </mc:Choice>
+        <mc:Fallback xmlns="">
+          <p:sp>
+            <p:nvSpPr>
+              <p:cNvPr id="3" name="Marcador de contenido 2"/>
+              <p:cNvSpPr>
+                <a:spLocks noGrp="1" noRot="1" noChangeAspect="1" noMove="1" noResize="1" noEditPoints="1" noAdjustHandles="1" noChangeArrowheads="1" noChangeShapeType="1" noTextEdit="1"/>
+              </p:cNvSpPr>
+              <p:nvPr>
+                <p:ph idx="1"/>
+              </p:nvPr>
+            </p:nvSpPr>
+            <p:spPr>
+              <a:xfrm>
+                <a:off x="2267744" y="1905000"/>
+                <a:ext cx="6591985" cy="3777622"/>
+              </a:xfrm>
+              <a:blipFill rotWithShape="0">
+                <a:blip r:embed="rId2"/>
+                <a:stretch>
+                  <a:fillRect l="-740" t="-969"/>
+                </a:stretch>
+              </a:blipFill>
+            </p:spPr>
+            <p:txBody>
+              <a:bodyPr/>
+              <a:lstStyle/>
+              <a:p>
+                <a:r>
+                  <a:rPr lang="en-US">
+                    <a:noFill/>
+                  </a:rPr>
+                  <a:t> </a:t>
+                </a:r>
+              </a:p>
+            </p:txBody>
+          </p:sp>
+        </mc:Fallback>
+      </mc:AlternateContent>
+      <p:sp>
+        <p:nvSpPr>
+          <p:cNvPr id="4" name="Marcador de pie de página 3"/>
+          <p:cNvSpPr>
+            <a:spLocks noGrp="1"/>
+          </p:cNvSpPr>
+          <p:nvPr>
+            <p:ph type="ftr" sz="quarter" idx="11"/>
+          </p:nvPr>
+        </p:nvSpPr>
+        <p:spPr/>
+        <p:txBody>
+          <a:bodyPr/>
+          <a:lstStyle/>
+          <a:p>
+            <a:r>
+              <a:rPr lang="es-ES" dirty="0" err="1" smtClean="0"/>
+              <a:t>IOSharp</a:t>
+            </a:r>
+            <a:r>
+              <a:rPr lang="es-ES" dirty="0" smtClean="0"/>
+              <a:t>: .NET Micro Framework </a:t>
+            </a:r>
+            <a:r>
+              <a:rPr lang="es-ES" dirty="0" err="1" smtClean="0"/>
+              <a:t>on</a:t>
+            </a:r>
+            <a:r>
+              <a:rPr lang="es-ES" dirty="0" smtClean="0"/>
+              <a:t> Linux</a:t>
+            </a:r>
+            <a:endParaRPr lang="es-ES" dirty="0"/>
+          </a:p>
+        </p:txBody>
+      </p:sp>
+      <p:sp>
+        <p:nvSpPr>
+          <p:cNvPr id="5" name="Marcador de número de diapositiva 4"/>
+          <p:cNvSpPr>
+            <a:spLocks noGrp="1"/>
+          </p:cNvSpPr>
+          <p:nvPr>
+            <p:ph type="sldNum" sz="quarter" idx="12"/>
+          </p:nvPr>
+        </p:nvSpPr>
+        <p:spPr/>
+        <p:txBody>
+          <a:bodyPr/>
+          <a:lstStyle/>
+          <a:p>
+            <a:fld id="{8EE90C33-BF19-4C36-8633-00054130773A}" type="slidenum">
+              <a:rPr lang="es-ES" smtClean="0"/>
+              <a:t>26</a:t>
+            </a:fld>
+            <a:endParaRPr lang="es-ES"/>
+          </a:p>
+        </p:txBody>
+      </p:sp>
+    </p:spTree>
+    <p:extLst>
+      <p:ext uri="{BB962C8B-B14F-4D97-AF65-F5344CB8AC3E}">
+        <p14:creationId xmlns:p14="http://schemas.microsoft.com/office/powerpoint/2010/main" val="16182100"/>
+      </p:ext>
+    </p:extLst>
+  </p:cSld>
+  <p:clrMapOvr>
+    <a:masterClrMapping/>
+  </p:clrMapOvr>
+  <p:timing>
+    <p:tnLst>
+      <p:par>
+        <p:cTn id="1" dur="indefinite" restart="never" nodeType="tmRoot"/>
+      </p:par>
+    </p:tnLst>
+  </p:timing>
+</p:sld>
+</file>
+
+<file path=ppt/slides/slide27.xml><?xml version="1.0" encoding="utf-8"?>
+<p:sld xmlns:a="http://schemas.openxmlformats.org/drawingml/2006/main" xmlns:r="http://schemas.openxmlformats.org/officeDocument/2006/relationships" xmlns:p="http://schemas.openxmlformats.org/presentationml/2006/main">
+  <p:cSld>
+    <p:spTree>
+      <p:nvGrpSpPr>
+        <p:cNvPr id="1" name=""/>
+        <p:cNvGrpSpPr/>
+        <p:nvPr/>
+      </p:nvGrpSpPr>
+      <p:grpSpPr>
+        <a:xfrm>
+          <a:off x="0" y="0"/>
+          <a:ext cx="0" cy="0"/>
+          <a:chOff x="0" y="0"/>
+          <a:chExt cx="0" cy="0"/>
+        </a:xfrm>
+      </p:grpSpPr>
+      <p:sp>
+        <p:nvSpPr>
+          <p:cNvPr id="2" name="Título 1"/>
+          <p:cNvSpPr>
+            <a:spLocks noGrp="1"/>
+          </p:cNvSpPr>
+          <p:nvPr>
+            <p:ph type="title"/>
+          </p:nvPr>
+        </p:nvSpPr>
+        <p:spPr/>
+        <p:txBody>
+          <a:bodyPr/>
+          <a:lstStyle/>
+          <a:p>
+            <a:r>
+              <a:rPr lang="en-US" dirty="0" smtClean="0"/>
+              <a:t>6.  Questions</a:t>
+            </a:r>
+            <a:r>
+              <a:rPr lang="es-ES" dirty="0" smtClean="0"/>
+              <a:t> &amp; </a:t>
+            </a:r>
+            <a:r>
+              <a:rPr lang="en-US" dirty="0" smtClean="0"/>
+              <a:t>Answers</a:t>
+            </a:r>
+            <a:endParaRPr lang="en-US" dirty="0"/>
+          </a:p>
+        </p:txBody>
+      </p:sp>
+      <p:sp>
+        <p:nvSpPr>
+          <p:cNvPr id="4" name="Marcador de pie de página 3"/>
+          <p:cNvSpPr>
+            <a:spLocks noGrp="1"/>
+          </p:cNvSpPr>
+          <p:nvPr>
+            <p:ph type="ftr" sz="quarter" idx="11"/>
+          </p:nvPr>
+        </p:nvSpPr>
+        <p:spPr/>
+        <p:txBody>
+          <a:bodyPr/>
+          <a:lstStyle/>
+          <a:p>
+            <a:r>
+              <a:rPr lang="es-ES" dirty="0" err="1" smtClean="0"/>
+              <a:t>IOSharp</a:t>
+            </a:r>
+            <a:r>
+              <a:rPr lang="es-ES" dirty="0" smtClean="0"/>
+              <a:t>: .NET Micro Framework </a:t>
+            </a:r>
+            <a:r>
+              <a:rPr lang="es-ES" dirty="0" err="1" smtClean="0"/>
+              <a:t>on</a:t>
+            </a:r>
+            <a:r>
+              <a:rPr lang="es-ES" dirty="0" smtClean="0"/>
+              <a:t> Linux</a:t>
+            </a:r>
+            <a:endParaRPr lang="es-ES" dirty="0"/>
+          </a:p>
+        </p:txBody>
+      </p:sp>
+      <p:sp>
+        <p:nvSpPr>
+          <p:cNvPr id="5" name="Marcador de número de diapositiva 4"/>
+          <p:cNvSpPr>
+            <a:spLocks noGrp="1"/>
+          </p:cNvSpPr>
+          <p:nvPr>
+            <p:ph type="sldNum" sz="quarter" idx="12"/>
+          </p:nvPr>
+        </p:nvSpPr>
+        <p:spPr/>
+        <p:txBody>
+          <a:bodyPr/>
+          <a:lstStyle/>
+          <a:p>
+            <a:fld id="{8EE90C33-BF19-4C36-8633-00054130773A}" type="slidenum">
+              <a:rPr lang="es-ES" smtClean="0"/>
+              <a:t>27</a:t>
             </a:fld>
             <a:endParaRPr lang="es-ES"/>
           </a:p>
@@ -14053,7 +15140,7 @@
 </p:sld>
 </file>
 
-<file path=ppt/slides/slide25.xml><?xml version="1.0" encoding="utf-8"?>
+<file path=ppt/slides/slide28.xml><?xml version="1.0" encoding="utf-8"?>
 <p:sld xmlns:a="http://schemas.openxmlformats.org/drawingml/2006/main" xmlns:r="http://schemas.openxmlformats.org/officeDocument/2006/relationships" xmlns:p="http://schemas.openxmlformats.org/presentationml/2006/main">
   <p:cSld>
     <p:spTree>
@@ -14086,8 +15173,20 @@
           <a:lstStyle/>
           <a:p>
             <a:r>
-              <a:rPr lang="es-ES" smtClean="0"/>
-              <a:t>IOSharp: .NET Micro Framework on Linux</a:t>
+              <a:rPr lang="es-ES" dirty="0" err="1" smtClean="0"/>
+              <a:t>IOSharp</a:t>
+            </a:r>
+            <a:r>
+              <a:rPr lang="es-ES" dirty="0" smtClean="0"/>
+              <a:t>: .NET Micro Framework </a:t>
+            </a:r>
+            <a:r>
+              <a:rPr lang="es-ES" dirty="0" err="1" smtClean="0"/>
+              <a:t>on</a:t>
+            </a:r>
+            <a:r>
+              <a:rPr lang="es-ES" dirty="0" smtClean="0"/>
+              <a:t> Linux</a:t>
             </a:r>
             <a:endParaRPr lang="es-ES" dirty="0"/>
           </a:p>
@@ -14186,27 +15285,14 @@
           <a:p>
             <a:r>
               <a:rPr lang="en-US" dirty="0" smtClean="0"/>
-              <a:t>Cost </a:t>
-            </a:r>
+              <a:t>Cost reduction on hardware production</a:t>
+            </a:r>
+          </a:p>
+          <a:p>
             <a:r>
               <a:rPr lang="en-US" dirty="0" smtClean="0"/>
-              <a:t>reduction on hardware production</a:t>
-            </a:r>
-          </a:p>
-          <a:p>
-            <a:r>
-              <a:rPr lang="en-US" dirty="0" smtClean="0"/>
-              <a:t>Increasing </a:t>
-            </a:r>
-            <a:r>
-              <a:rPr lang="en-US" dirty="0" smtClean="0"/>
-              <a:t>usage of Linux in embedded </a:t>
-            </a:r>
-            <a:r>
-              <a:rPr lang="en-US" dirty="0" smtClean="0"/>
-              <a:t>devices</a:t>
-            </a:r>
-            <a:endParaRPr lang="en-US" dirty="0" smtClean="0"/>
+              <a:t>Increasing usage of Linux in embedded devices</a:t>
+            </a:r>
           </a:p>
         </p:txBody>
       </p:sp>
@@ -14226,10 +15312,22 @@
           <a:lstStyle/>
           <a:p>
             <a:r>
-              <a:rPr lang="es-ES" smtClean="0"/>
-              <a:t>IOSharp: .NET Micro Framework on Linux</a:t>
-            </a:r>
-            <a:endParaRPr lang="es-ES"/>
+              <a:rPr lang="es-ES" dirty="0" err="1" smtClean="0"/>
+              <a:t>IOSharp</a:t>
+            </a:r>
+            <a:r>
+              <a:rPr lang="es-ES" dirty="0" smtClean="0"/>
+              <a:t>: .NET Micro Framework </a:t>
+            </a:r>
+            <a:r>
+              <a:rPr lang="es-ES" dirty="0" err="1" smtClean="0"/>
+              <a:t>on</a:t>
+            </a:r>
+            <a:r>
+              <a:rPr lang="es-ES" dirty="0" smtClean="0"/>
+              <a:t> Linux</a:t>
+            </a:r>
+            <a:endParaRPr lang="es-ES" dirty="0"/>
           </a:p>
         </p:txBody>
       </p:sp>
@@ -14253,6 +15351,82 @@
               <a:t>3</a:t>
             </a:fld>
             <a:endParaRPr lang="es-ES"/>
+          </a:p>
+        </p:txBody>
+      </p:sp>
+      <p:pic>
+        <p:nvPicPr>
+          <p:cNvPr id="5122" name="Picture 2" descr="http://linuxemb.wdfiles.com/local--files/tesis-c1/embedded_OS_sourcing_trends.jpg"/>
+          <p:cNvPicPr>
+            <a:picLocks noChangeAspect="1" noChangeArrowheads="1"/>
+          </p:cNvPicPr>
+          <p:nvPr/>
+        </p:nvPicPr>
+        <p:blipFill>
+          <a:blip r:embed="rId2">
+            <a:extLst>
+              <a:ext uri="{28A0092B-C50C-407E-A947-70E740481C1C}">
+                <a14:useLocalDpi xmlns:a14="http://schemas.microsoft.com/office/drawing/2010/main" val="0"/>
+              </a:ext>
+            </a:extLst>
+          </a:blip>
+          <a:srcRect/>
+          <a:stretch>
+            <a:fillRect/>
+          </a:stretch>
+        </p:blipFill>
+        <p:spPr bwMode="auto">
+          <a:xfrm>
+            <a:off x="2267744" y="2871382"/>
+            <a:ext cx="3973346" cy="3289760"/>
+          </a:xfrm>
+          <a:prstGeom prst="rect">
+            <a:avLst/>
+          </a:prstGeom>
+          <a:noFill/>
+          <a:extLst>
+            <a:ext uri="{909E8E84-426E-40DD-AFC4-6F175D3DCCD1}">
+              <a14:hiddenFill xmlns:a14="http://schemas.microsoft.com/office/drawing/2010/main">
+                <a:solidFill>
+                  <a:srgbClr val="FFFFFF"/>
+                </a:solidFill>
+              </a14:hiddenFill>
+            </a:ext>
+          </a:extLst>
+        </p:spPr>
+      </p:pic>
+      <p:sp>
+        <p:nvSpPr>
+          <p:cNvPr id="7" name="CuadroTexto 6"/>
+          <p:cNvSpPr txBox="1"/>
+          <p:nvPr/>
+        </p:nvSpPr>
+        <p:spPr>
+          <a:xfrm>
+            <a:off x="6433914" y="3933056"/>
+            <a:ext cx="1839457" cy="738664"/>
+          </a:xfrm>
+          <a:prstGeom prst="rect">
+            <a:avLst/>
+          </a:prstGeom>
+          <a:noFill/>
+        </p:spPr>
+        <p:txBody>
+          <a:bodyPr wrap="square" rtlCol="0">
+            <a:spAutoFit/>
+          </a:bodyPr>
+          <a:lstStyle/>
+          <a:p>
+            <a:pPr algn="just"/>
+            <a:r>
+              <a:rPr lang="en-US" sz="1400" b="1" dirty="0" smtClean="0"/>
+              <a:t>Fig. 1:</a:t>
+            </a:r>
+            <a:r>
+              <a:rPr lang="en-US" sz="1400" dirty="0" smtClean="0"/>
+              <a:t> Linux growth between 2003 and 2007</a:t>
+            </a:r>
+            <a:endParaRPr lang="en-US" sz="1400" dirty="0"/>
           </a:p>
         </p:txBody>
       </p:sp>
@@ -14306,6 +15480,148 @@
         <p:spPr>
           <a:xfrm>
             <a:off x="1945201" y="624110"/>
+            <a:ext cx="6589199" cy="716658"/>
+          </a:xfrm>
+        </p:spPr>
+        <p:txBody>
+          <a:bodyPr/>
+          <a:lstStyle/>
+          <a:p>
+            <a:r>
+              <a:rPr lang="en-US" dirty="0" smtClean="0"/>
+              <a:t>1.1.  </a:t>
+            </a:r>
+            <a:r>
+              <a:rPr lang="en-US" dirty="0" err="1" smtClean="0"/>
+              <a:t>HomeSense</a:t>
+            </a:r>
+            <a:r>
+              <a:rPr lang="en-US" dirty="0" smtClean="0"/>
+              <a:t> devices</a:t>
+            </a:r>
+            <a:endParaRPr lang="en-US" dirty="0"/>
+          </a:p>
+        </p:txBody>
+      </p:sp>
+      <p:sp>
+        <p:nvSpPr>
+          <p:cNvPr id="4" name="Marcador de pie de página 3"/>
+          <p:cNvSpPr>
+            <a:spLocks noGrp="1"/>
+          </p:cNvSpPr>
+          <p:nvPr>
+            <p:ph type="ftr" sz="quarter" idx="11"/>
+          </p:nvPr>
+        </p:nvSpPr>
+        <p:spPr/>
+        <p:txBody>
+          <a:bodyPr/>
+          <a:lstStyle/>
+          <a:p>
+            <a:r>
+              <a:rPr lang="es-ES" smtClean="0"/>
+              <a:t>IOSharp: .NET Micro Framework on Linux</a:t>
+            </a:r>
+            <a:endParaRPr lang="es-ES" dirty="0"/>
+          </a:p>
+        </p:txBody>
+      </p:sp>
+      <p:sp>
+        <p:nvSpPr>
+          <p:cNvPr id="5" name="Marcador de número de diapositiva 4"/>
+          <p:cNvSpPr>
+            <a:spLocks noGrp="1"/>
+          </p:cNvSpPr>
+          <p:nvPr>
+            <p:ph type="sldNum" sz="quarter" idx="12"/>
+          </p:nvPr>
+        </p:nvSpPr>
+        <p:spPr/>
+        <p:txBody>
+          <a:bodyPr/>
+          <a:lstStyle/>
+          <a:p>
+            <a:fld id="{8EE90C33-BF19-4C36-8633-00054130773A}" type="slidenum">
+              <a:rPr lang="es-ES" smtClean="0"/>
+              <a:t>4</a:t>
+            </a:fld>
+            <a:endParaRPr lang="es-ES"/>
+          </a:p>
+        </p:txBody>
+      </p:sp>
+      <p:pic>
+        <p:nvPicPr>
+          <p:cNvPr id="7" name="Imagen 6"/>
+          <p:cNvPicPr>
+            <a:picLocks noChangeAspect="1"/>
+          </p:cNvPicPr>
+          <p:nvPr/>
+        </p:nvPicPr>
+        <p:blipFill>
+          <a:blip r:embed="rId2" cstate="print">
+            <a:extLst>
+              <a:ext uri="{28A0092B-C50C-407E-A947-70E740481C1C}">
+                <a14:useLocalDpi xmlns:a14="http://schemas.microsoft.com/office/drawing/2010/main" val="0"/>
+              </a:ext>
+            </a:extLst>
+          </a:blip>
+          <a:stretch>
+            <a:fillRect/>
+          </a:stretch>
+        </p:blipFill>
+        <p:spPr>
+          <a:xfrm>
+            <a:off x="2555776" y="1319808"/>
+            <a:ext cx="3925774" cy="4701869"/>
+          </a:xfrm>
+          <a:prstGeom prst="rect">
+            <a:avLst/>
+          </a:prstGeom>
+        </p:spPr>
+      </p:pic>
+    </p:spTree>
+    <p:extLst>
+      <p:ext uri="{BB962C8B-B14F-4D97-AF65-F5344CB8AC3E}">
+        <p14:creationId xmlns:p14="http://schemas.microsoft.com/office/powerpoint/2010/main" val="4183708513"/>
+      </p:ext>
+    </p:extLst>
+  </p:cSld>
+  <p:clrMapOvr>
+    <a:masterClrMapping/>
+  </p:clrMapOvr>
+</p:sld>
+</file>
+
+<file path=ppt/slides/slide5.xml><?xml version="1.0" encoding="utf-8"?>
+<p:sld xmlns:a="http://schemas.openxmlformats.org/drawingml/2006/main" xmlns:r="http://schemas.openxmlformats.org/officeDocument/2006/relationships" xmlns:p="http://schemas.openxmlformats.org/presentationml/2006/main" show="0">
+  <p:cSld>
+    <p:spTree>
+      <p:nvGrpSpPr>
+        <p:cNvPr id="1" name=""/>
+        <p:cNvGrpSpPr/>
+        <p:nvPr/>
+      </p:nvGrpSpPr>
+      <p:grpSpPr>
+        <a:xfrm>
+          <a:off x="0" y="0"/>
+          <a:ext cx="0" cy="0"/>
+          <a:chOff x="0" y="0"/>
+          <a:chExt cx="0" cy="0"/>
+        </a:xfrm>
+      </p:grpSpPr>
+      <p:sp>
+        <p:nvSpPr>
+          <p:cNvPr id="2" name="Título 1"/>
+          <p:cNvSpPr>
+            <a:spLocks noGrp="1"/>
+          </p:cNvSpPr>
+          <p:nvPr>
+            <p:ph type="title"/>
+          </p:nvPr>
+        </p:nvSpPr>
+        <p:spPr>
+          <a:xfrm>
+            <a:off x="1945201" y="624110"/>
             <a:ext cx="6589199" cy="788666"/>
           </a:xfrm>
         </p:spPr>
@@ -14315,11 +15631,7 @@
           <a:p>
             <a:r>
               <a:rPr lang="en-US" noProof="1" smtClean="0"/>
-              <a:t>1.  </a:t>
-            </a:r>
-            <a:r>
-              <a:rPr lang="en-US" noProof="1" smtClean="0"/>
-              <a:t>Introduction II</a:t>
+              <a:t>1.2. Objectives</a:t>
             </a:r>
             <a:endParaRPr lang="en-US" noProof="1"/>
           </a:p>
@@ -14345,13 +15657,45 @@
           <a:bodyPr/>
           <a:lstStyle/>
           <a:p>
+            <a:pPr marL="0" indent="0">
+              <a:buNone/>
+            </a:pPr>
+            <a:endParaRPr lang="en-US" b="1" dirty="0"/>
+          </a:p>
+          <a:p>
+            <a:pPr marL="0" indent="0">
+              <a:buNone/>
+            </a:pPr>
+            <a:r>
+              <a:rPr lang="en-US" b="1" dirty="0" smtClean="0"/>
+              <a:t>Objectives</a:t>
+            </a:r>
+          </a:p>
+          <a:p>
+            <a:pPr marL="0" indent="0">
+              <a:buNone/>
+            </a:pPr>
+            <a:endParaRPr lang="en-US" b="1" dirty="0" smtClean="0"/>
+          </a:p>
+          <a:p>
             <a:r>
               <a:rPr lang="en-US" dirty="0" smtClean="0"/>
-              <a:t>Cross-Platform </a:t>
-            </a:r>
+              <a:t>Deploy NETMF programs on any Linux device</a:t>
+            </a:r>
+          </a:p>
+          <a:p>
+            <a:pPr lvl="1"/>
             <a:r>
               <a:rPr lang="en-US" dirty="0" smtClean="0"/>
-              <a:t>source code generation</a:t>
+              <a:t>Run </a:t>
+            </a:r>
+            <a:r>
+              <a:rPr lang="en-US" dirty="0" err="1" smtClean="0"/>
+              <a:t>HomeSense</a:t>
+            </a:r>
+            <a:r>
+              <a:rPr lang="en-US" dirty="0" smtClean="0"/>
+              <a:t> gateway on Raspberry Pi</a:t>
             </a:r>
           </a:p>
           <a:p>
@@ -14360,8 +15704,13 @@
           <a:p>
             <a:r>
               <a:rPr lang="en-US" dirty="0" smtClean="0"/>
-              <a:t>Performance increase on translation</a:t>
-            </a:r>
+              <a:t>Performance increase using a translation tool called </a:t>
+            </a:r>
+            <a:r>
+              <a:rPr lang="en-US" dirty="0" err="1" smtClean="0"/>
+              <a:t>AlterNative</a:t>
+            </a:r>
+            <a:endParaRPr lang="en-US" dirty="0" smtClean="0"/>
           </a:p>
         </p:txBody>
       </p:sp>
@@ -14381,10 +15730,22 @@
           <a:lstStyle/>
           <a:p>
             <a:r>
-              <a:rPr lang="es-ES" smtClean="0"/>
-              <a:t>IOSharp: .NET Micro Framework on Linux</a:t>
-            </a:r>
-            <a:endParaRPr lang="es-ES"/>
+              <a:rPr lang="es-ES" dirty="0" err="1" smtClean="0"/>
+              <a:t>IOSharp</a:t>
+            </a:r>
+            <a:r>
+              <a:rPr lang="es-ES" dirty="0" smtClean="0"/>
+              <a:t>: .NET Micro Framework </a:t>
+            </a:r>
+            <a:r>
+              <a:rPr lang="es-ES" dirty="0" err="1" smtClean="0"/>
+              <a:t>on</a:t>
+            </a:r>
+            <a:r>
+              <a:rPr lang="es-ES" dirty="0" smtClean="0"/>
+              <a:t> Linux</a:t>
+            </a:r>
+            <a:endParaRPr lang="es-ES" dirty="0"/>
           </a:p>
         </p:txBody>
       </p:sp>
@@ -14405,7 +15766,7 @@
           <a:p>
             <a:fld id="{8EE90C33-BF19-4C36-8633-00054130773A}" type="slidenum">
               <a:rPr lang="es-ES" smtClean="0"/>
-              <a:t>4</a:t>
+              <a:t>5</a:t>
             </a:fld>
             <a:endParaRPr lang="es-ES"/>
           </a:p>
@@ -14421,6 +15782,14 @@
   <p:clrMapOvr>
     <a:masterClrMapping/>
   </p:clrMapOvr>
+  <mc:AlternateContent xmlns:mc="http://schemas.openxmlformats.org/markup-compatibility/2006" xmlns:p14="http://schemas.microsoft.com/office/powerpoint/2010/main">
+    <mc:Choice Requires="p14">
+      <p:transition spd="slow" p14:dur="2000"/>
+    </mc:Choice>
+    <mc:Fallback xmlns="">
+      <p:transition spd="slow"/>
+    </mc:Fallback>
+  </mc:AlternateContent>
   <p:timing>
     <p:tnLst>
       <p:par>
@@ -14431,7 +15800,7 @@
 </p:sld>
 </file>
 
-<file path=ppt/slides/slide5.xml><?xml version="1.0" encoding="utf-8"?>
+<file path=ppt/slides/slide6.xml><?xml version="1.0" encoding="utf-8"?>
 <p:sld xmlns:a="http://schemas.openxmlformats.org/drawingml/2006/main" xmlns:r="http://schemas.openxmlformats.org/officeDocument/2006/relationships" xmlns:p="http://schemas.openxmlformats.org/presentationml/2006/main">
   <p:cSld>
     <p:spTree>
@@ -14461,6 +15830,220 @@
         <p:spPr>
           <a:xfrm>
             <a:off x="1945201" y="624110"/>
+            <a:ext cx="6589199" cy="788666"/>
+          </a:xfrm>
+        </p:spPr>
+        <p:txBody>
+          <a:bodyPr/>
+          <a:lstStyle/>
+          <a:p>
+            <a:r>
+              <a:rPr lang="en-US" noProof="1"/>
+              <a:t>1.2. Objectives</a:t>
+            </a:r>
+          </a:p>
+        </p:txBody>
+      </p:sp>
+      <p:sp>
+        <p:nvSpPr>
+          <p:cNvPr id="3" name="Marcador de contenido 2"/>
+          <p:cNvSpPr>
+            <a:spLocks noGrp="1"/>
+          </p:cNvSpPr>
+          <p:nvPr>
+            <p:ph idx="1"/>
+          </p:nvPr>
+        </p:nvSpPr>
+        <p:spPr>
+          <a:xfrm>
+            <a:off x="1943807" y="1700808"/>
+            <a:ext cx="6591985" cy="3777622"/>
+          </a:xfrm>
+        </p:spPr>
+        <p:txBody>
+          <a:bodyPr/>
+          <a:lstStyle/>
+          <a:p>
+            <a:r>
+              <a:rPr lang="en-US" dirty="0" smtClean="0"/>
+              <a:t>Deploy NETMF programs on Linux</a:t>
+            </a:r>
+          </a:p>
+          <a:p>
+            <a:pPr lvl="1"/>
+            <a:r>
+              <a:rPr lang="en-US" dirty="0" smtClean="0"/>
+              <a:t>Provide hardware support for embedded systems</a:t>
+            </a:r>
+          </a:p>
+          <a:p>
+            <a:pPr lvl="1"/>
+            <a:r>
+              <a:rPr lang="en-US" dirty="0" smtClean="0"/>
+              <a:t>Run </a:t>
+            </a:r>
+            <a:r>
+              <a:rPr lang="en-US" dirty="0" err="1" smtClean="0"/>
+              <a:t>HomeSense</a:t>
+            </a:r>
+            <a:r>
+              <a:rPr lang="en-US" dirty="0" smtClean="0"/>
+              <a:t> gateway on Raspberry Pi</a:t>
+            </a:r>
+          </a:p>
+          <a:p>
+            <a:endParaRPr lang="en-US" dirty="0" smtClean="0"/>
+          </a:p>
+          <a:p>
+            <a:r>
+              <a:rPr lang="en-US" dirty="0" smtClean="0"/>
+              <a:t>Performance improvement</a:t>
+            </a:r>
+          </a:p>
+          <a:p>
+            <a:pPr lvl="1"/>
+            <a:r>
+              <a:rPr lang="en-US" dirty="0" smtClean="0"/>
+              <a:t>Provide Linux support for </a:t>
+            </a:r>
+            <a:r>
+              <a:rPr lang="en-US" dirty="0" err="1" smtClean="0"/>
+              <a:t>AlterNative</a:t>
+            </a:r>
+            <a:endParaRPr lang="en-US" dirty="0" smtClean="0"/>
+          </a:p>
+          <a:p>
+            <a:pPr lvl="1"/>
+            <a:r>
+              <a:rPr lang="en-US" dirty="0" smtClean="0"/>
+              <a:t>Develop missing libraries on the proprietary library</a:t>
+            </a:r>
+          </a:p>
+          <a:p>
+            <a:pPr lvl="1"/>
+            <a:r>
+              <a:rPr lang="en-US" dirty="0" smtClean="0"/>
+              <a:t>Evaluate the performance improvement</a:t>
+            </a:r>
+          </a:p>
+        </p:txBody>
+      </p:sp>
+      <p:sp>
+        <p:nvSpPr>
+          <p:cNvPr id="4" name="Marcador de pie de página 3"/>
+          <p:cNvSpPr>
+            <a:spLocks noGrp="1"/>
+          </p:cNvSpPr>
+          <p:nvPr>
+            <p:ph type="ftr" sz="quarter" idx="11"/>
+          </p:nvPr>
+        </p:nvSpPr>
+        <p:spPr/>
+        <p:txBody>
+          <a:bodyPr/>
+          <a:lstStyle/>
+          <a:p>
+            <a:r>
+              <a:rPr lang="es-ES" dirty="0" err="1" smtClean="0"/>
+              <a:t>IOSharp</a:t>
+            </a:r>
+            <a:r>
+              <a:rPr lang="es-ES" dirty="0" smtClean="0"/>
+              <a:t>: .NET Micro Framework </a:t>
+            </a:r>
+            <a:r>
+              <a:rPr lang="es-ES" dirty="0" err="1" smtClean="0"/>
+              <a:t>on</a:t>
+            </a:r>
+            <a:r>
+              <a:rPr lang="es-ES" dirty="0" smtClean="0"/>
+              <a:t> Linux</a:t>
+            </a:r>
+            <a:endParaRPr lang="es-ES" dirty="0"/>
+          </a:p>
+        </p:txBody>
+      </p:sp>
+      <p:sp>
+        <p:nvSpPr>
+          <p:cNvPr id="5" name="Marcador de número de diapositiva 4"/>
+          <p:cNvSpPr>
+            <a:spLocks noGrp="1"/>
+          </p:cNvSpPr>
+          <p:nvPr>
+            <p:ph type="sldNum" sz="quarter" idx="12"/>
+          </p:nvPr>
+        </p:nvSpPr>
+        <p:spPr/>
+        <p:txBody>
+          <a:bodyPr/>
+          <a:lstStyle/>
+          <a:p>
+            <a:fld id="{8EE90C33-BF19-4C36-8633-00054130773A}" type="slidenum">
+              <a:rPr lang="es-ES" smtClean="0"/>
+              <a:t>6</a:t>
+            </a:fld>
+            <a:endParaRPr lang="es-ES"/>
+          </a:p>
+        </p:txBody>
+      </p:sp>
+    </p:spTree>
+    <p:extLst>
+      <p:ext uri="{BB962C8B-B14F-4D97-AF65-F5344CB8AC3E}">
+        <p14:creationId xmlns:p14="http://schemas.microsoft.com/office/powerpoint/2010/main" val="81513929"/>
+      </p:ext>
+    </p:extLst>
+  </p:cSld>
+  <p:clrMapOvr>
+    <a:masterClrMapping/>
+  </p:clrMapOvr>
+  <mc:AlternateContent xmlns:mc="http://schemas.openxmlformats.org/markup-compatibility/2006" xmlns:p14="http://schemas.microsoft.com/office/powerpoint/2010/main">
+    <mc:Choice Requires="p14">
+      <p:transition spd="slow" p14:dur="2000"/>
+    </mc:Choice>
+    <mc:Fallback xmlns="">
+      <p:transition spd="slow"/>
+    </mc:Fallback>
+  </mc:AlternateContent>
+  <p:timing>
+    <p:tnLst>
+      <p:par>
+        <p:cTn id="1" dur="indefinite" restart="never" nodeType="tmRoot"/>
+      </p:par>
+    </p:tnLst>
+  </p:timing>
+</p:sld>
+</file>
+
+<file path=ppt/slides/slide7.xml><?xml version="1.0" encoding="utf-8"?>
+<p:sld xmlns:a="http://schemas.openxmlformats.org/drawingml/2006/main" xmlns:r="http://schemas.openxmlformats.org/officeDocument/2006/relationships" xmlns:p="http://schemas.openxmlformats.org/presentationml/2006/main">
+  <p:cSld>
+    <p:spTree>
+      <p:nvGrpSpPr>
+        <p:cNvPr id="1" name=""/>
+        <p:cNvGrpSpPr/>
+        <p:nvPr/>
+      </p:nvGrpSpPr>
+      <p:grpSpPr>
+        <a:xfrm>
+          <a:off x="0" y="0"/>
+          <a:ext cx="0" cy="0"/>
+          <a:chOff x="0" y="0"/>
+          <a:chExt cx="0" cy="0"/>
+        </a:xfrm>
+      </p:grpSpPr>
+      <p:sp>
+        <p:nvSpPr>
+          <p:cNvPr id="2" name="Título 1"/>
+          <p:cNvSpPr>
+            <a:spLocks noGrp="1"/>
+          </p:cNvSpPr>
+          <p:nvPr>
+            <p:ph type="title"/>
+          </p:nvPr>
+        </p:nvSpPr>
+        <p:spPr>
+          <a:xfrm>
+            <a:off x="1945201" y="624110"/>
             <a:ext cx="6589199" cy="860674"/>
           </a:xfrm>
         </p:spPr>
@@ -14546,10 +16129,22 @@
           <a:lstStyle/>
           <a:p>
             <a:r>
-              <a:rPr lang="es-ES" smtClean="0"/>
-              <a:t>IOSharp: .NET Micro Framework on Linux</a:t>
-            </a:r>
-            <a:endParaRPr lang="es-ES"/>
+              <a:rPr lang="es-ES" dirty="0" err="1" smtClean="0"/>
+              <a:t>IOSharp</a:t>
+            </a:r>
+            <a:r>
+              <a:rPr lang="es-ES" dirty="0" smtClean="0"/>
+              <a:t>: .NET Micro Framework </a:t>
+            </a:r>
+            <a:r>
+              <a:rPr lang="es-ES" dirty="0" err="1" smtClean="0"/>
+              <a:t>on</a:t>
+            </a:r>
+            <a:r>
+              <a:rPr lang="es-ES" dirty="0" smtClean="0"/>
+              <a:t> Linux</a:t>
+            </a:r>
+            <a:endParaRPr lang="es-ES" dirty="0"/>
           </a:p>
         </p:txBody>
       </p:sp>
@@ -14570,7 +16165,7 @@
           <a:p>
             <a:fld id="{8EE90C33-BF19-4C36-8633-00054130773A}" type="slidenum">
               <a:rPr lang="es-ES" smtClean="0"/>
-              <a:t>5</a:t>
+              <a:t>7</a:t>
             </a:fld>
             <a:endParaRPr lang="es-ES"/>
           </a:p>
@@ -14606,6 +16201,52 @@
           </a:prstGeom>
         </p:spPr>
       </p:pic>
+      <p:sp>
+        <p:nvSpPr>
+          <p:cNvPr id="8" name="CuadroTexto 7"/>
+          <p:cNvSpPr txBox="1"/>
+          <p:nvPr/>
+        </p:nvSpPr>
+        <p:spPr>
+          <a:xfrm>
+            <a:off x="2294520" y="5644764"/>
+            <a:ext cx="5887773" cy="307777"/>
+          </a:xfrm>
+          <a:prstGeom prst="rect">
+            <a:avLst/>
+          </a:prstGeom>
+          <a:noFill/>
+        </p:spPr>
+        <p:txBody>
+          <a:bodyPr wrap="square" rtlCol="0">
+            <a:spAutoFit/>
+          </a:bodyPr>
+          <a:lstStyle/>
+          <a:p>
+            <a:r>
+              <a:rPr lang="en-US" sz="1400" b="1" dirty="0" smtClean="0"/>
+              <a:t>Fig. 2: </a:t>
+            </a:r>
+            <a:r>
+              <a:rPr lang="en-US" sz="1400" dirty="0" err="1" smtClean="0"/>
+              <a:t>Netudino</a:t>
+            </a:r>
+            <a:r>
+              <a:rPr lang="en-US" sz="1400" dirty="0" smtClean="0"/>
+              <a:t> Plus, Mini and FEZ </a:t>
+            </a:r>
+            <a:r>
+              <a:rPr lang="en-US" sz="1400" dirty="0" err="1" smtClean="0"/>
+              <a:t>Cerbuino</a:t>
+            </a:r>
+            <a:r>
+              <a:rPr lang="en-US" sz="1400" dirty="0" smtClean="0"/>
+              <a:t>. Arduino form factor</a:t>
+            </a:r>
+            <a:endParaRPr lang="en-US" sz="1400" dirty="0"/>
+          </a:p>
+        </p:txBody>
+      </p:sp>
     </p:spTree>
     <p:extLst>
       <p:ext uri="{BB962C8B-B14F-4D97-AF65-F5344CB8AC3E}">
@@ -14626,8 +16267,8 @@
 </p:sld>
 </file>
 
-<file path=ppt/slides/slide6.xml><?xml version="1.0" encoding="utf-8"?>
-<p:sld xmlns:a="http://schemas.openxmlformats.org/drawingml/2006/main" xmlns:r="http://schemas.openxmlformats.org/officeDocument/2006/relationships" xmlns:p="http://schemas.openxmlformats.org/presentationml/2006/main">
+<file path=ppt/slides/slide8.xml><?xml version="1.0" encoding="utf-8"?>
+<p:sld xmlns:a="http://schemas.openxmlformats.org/drawingml/2006/main" xmlns:r="http://schemas.openxmlformats.org/officeDocument/2006/relationships" xmlns:p="http://schemas.openxmlformats.org/presentationml/2006/main" show="0">
   <p:cSld>
     <p:spTree>
       <p:nvGrpSpPr>
@@ -14734,11 +16375,7 @@
           <a:p>
             <a:r>
               <a:rPr lang="en-US" dirty="0" smtClean="0"/>
-              <a:t>Requires </a:t>
-            </a:r>
-            <a:r>
-              <a:rPr lang="en-US" dirty="0" smtClean="0"/>
-              <a:t>an underlying Linux</a:t>
+              <a:t>Requires an underlying Linux</a:t>
             </a:r>
           </a:p>
           <a:p>
@@ -14796,10 +16433,22 @@
           <a:lstStyle/>
           <a:p>
             <a:r>
-              <a:rPr lang="es-ES" smtClean="0"/>
-              <a:t>IOSharp: .NET Micro Framework on Linux</a:t>
-            </a:r>
-            <a:endParaRPr lang="es-ES"/>
+              <a:rPr lang="es-ES" dirty="0" err="1" smtClean="0"/>
+              <a:t>IOSharp</a:t>
+            </a:r>
+            <a:r>
+              <a:rPr lang="es-ES" dirty="0" smtClean="0"/>
+              <a:t>: .NET Micro Framework </a:t>
+            </a:r>
+            <a:r>
+              <a:rPr lang="es-ES" dirty="0" err="1" smtClean="0"/>
+              <a:t>on</a:t>
+            </a:r>
+            <a:r>
+              <a:rPr lang="es-ES" dirty="0" smtClean="0"/>
+              <a:t> Linux</a:t>
+            </a:r>
+            <a:endParaRPr lang="es-ES" dirty="0"/>
           </a:p>
         </p:txBody>
       </p:sp>
@@ -14820,7 +16469,7 @@
           <a:p>
             <a:fld id="{8EE90C33-BF19-4C36-8633-00054130773A}" type="slidenum">
               <a:rPr lang="es-ES" smtClean="0"/>
-              <a:t>6</a:t>
+              <a:t>8</a:t>
             </a:fld>
             <a:endParaRPr lang="es-ES"/>
           </a:p>
@@ -14866,377 +16515,14 @@
   <p:clrMapOvr>
     <a:masterClrMapping/>
   </p:clrMapOvr>
-  <p:timing>
-    <p:tnLst>
-      <p:par>
-        <p:cTn id="1" dur="indefinite" restart="never" nodeType="tmRoot"/>
-      </p:par>
-    </p:tnLst>
-  </p:timing>
-</p:sld>
-</file>
-
-<file path=ppt/slides/slide7.xml><?xml version="1.0" encoding="utf-8"?>
-<p:sld xmlns:a="http://schemas.openxmlformats.org/drawingml/2006/main" xmlns:r="http://schemas.openxmlformats.org/officeDocument/2006/relationships" xmlns:p="http://schemas.openxmlformats.org/presentationml/2006/main">
-  <p:cSld>
-    <p:spTree>
-      <p:nvGrpSpPr>
-        <p:cNvPr id="1" name=""/>
-        <p:cNvGrpSpPr/>
-        <p:nvPr/>
-      </p:nvGrpSpPr>
-      <p:grpSpPr>
-        <a:xfrm>
-          <a:off x="0" y="0"/>
-          <a:ext cx="0" cy="0"/>
-          <a:chOff x="0" y="0"/>
-          <a:chExt cx="0" cy="0"/>
-        </a:xfrm>
-      </p:grpSpPr>
-      <p:sp>
-        <p:nvSpPr>
-          <p:cNvPr id="2" name="Título 1"/>
-          <p:cNvSpPr>
-            <a:spLocks noGrp="1"/>
-          </p:cNvSpPr>
-          <p:nvPr>
-            <p:ph type="title"/>
-          </p:nvPr>
-        </p:nvSpPr>
-        <p:spPr/>
-        <p:txBody>
-          <a:bodyPr/>
-          <a:lstStyle/>
-          <a:p>
-            <a:r>
-              <a:rPr lang="es-ES" dirty="0" smtClean="0"/>
-              <a:t>2.  </a:t>
-            </a:r>
-            <a:r>
-              <a:rPr lang="es-ES" dirty="0" err="1" smtClean="0"/>
-              <a:t>IOSharp</a:t>
-            </a:r>
-            <a:r>
-              <a:rPr lang="es-ES" dirty="0" smtClean="0"/>
-              <a:t> II</a:t>
-            </a:r>
-            <a:endParaRPr lang="en-US" dirty="0"/>
-          </a:p>
-        </p:txBody>
-      </p:sp>
-      <p:sp>
-        <p:nvSpPr>
-          <p:cNvPr id="4" name="Marcador de pie de página 3"/>
-          <p:cNvSpPr>
-            <a:spLocks noGrp="1"/>
-          </p:cNvSpPr>
-          <p:nvPr>
-            <p:ph type="ftr" sz="quarter" idx="11"/>
-          </p:nvPr>
-        </p:nvSpPr>
-        <p:spPr/>
-        <p:txBody>
-          <a:bodyPr/>
-          <a:lstStyle/>
-          <a:p>
-            <a:r>
-              <a:rPr lang="es-ES" smtClean="0"/>
-              <a:t>IOSharp: .NET Micro Framework on Linux</a:t>
-            </a:r>
-            <a:endParaRPr lang="es-ES"/>
-          </a:p>
-        </p:txBody>
-      </p:sp>
-      <p:sp>
-        <p:nvSpPr>
-          <p:cNvPr id="5" name="Marcador de número de diapositiva 4"/>
-          <p:cNvSpPr>
-            <a:spLocks noGrp="1"/>
-          </p:cNvSpPr>
-          <p:nvPr>
-            <p:ph type="sldNum" sz="quarter" idx="12"/>
-          </p:nvPr>
-        </p:nvSpPr>
-        <p:spPr/>
-        <p:txBody>
-          <a:bodyPr/>
-          <a:lstStyle/>
-          <a:p>
-            <a:fld id="{8EE90C33-BF19-4C36-8633-00054130773A}" type="slidenum">
-              <a:rPr lang="es-ES" smtClean="0"/>
-              <a:t>7</a:t>
-            </a:fld>
-            <a:endParaRPr lang="es-ES"/>
-          </a:p>
-        </p:txBody>
-      </p:sp>
-      <p:pic>
-        <p:nvPicPr>
-          <p:cNvPr id="3" name="Imagen 2"/>
-          <p:cNvPicPr>
-            <a:picLocks noChangeAspect="1"/>
-          </p:cNvPicPr>
-          <p:nvPr/>
-        </p:nvPicPr>
-        <p:blipFill>
-          <a:blip r:embed="rId2"/>
-          <a:stretch>
-            <a:fillRect/>
-          </a:stretch>
-        </p:blipFill>
-        <p:spPr>
-          <a:xfrm>
-            <a:off x="2554965" y="2060848"/>
-            <a:ext cx="5369669" cy="3168352"/>
-          </a:xfrm>
-          <a:prstGeom prst="rect">
-            <a:avLst/>
-          </a:prstGeom>
-        </p:spPr>
-      </p:pic>
-    </p:spTree>
-    <p:extLst>
-      <p:ext uri="{BB962C8B-B14F-4D97-AF65-F5344CB8AC3E}">
-        <p14:creationId xmlns:p14="http://schemas.microsoft.com/office/powerpoint/2010/main" val="365177257"/>
-      </p:ext>
-    </p:extLst>
-  </p:cSld>
-  <p:clrMapOvr>
-    <a:masterClrMapping/>
-  </p:clrMapOvr>
-  <p:timing>
-    <p:tnLst>
-      <p:par>
-        <p:cTn id="1" dur="indefinite" restart="never" nodeType="tmRoot"/>
-      </p:par>
-    </p:tnLst>
-  </p:timing>
-</p:sld>
-</file>
-
-<file path=ppt/slides/slide8.xml><?xml version="1.0" encoding="utf-8"?>
-<p:sld xmlns:a="http://schemas.openxmlformats.org/drawingml/2006/main" xmlns:r="http://schemas.openxmlformats.org/officeDocument/2006/relationships" xmlns:p="http://schemas.openxmlformats.org/presentationml/2006/main">
-  <p:cSld>
-    <p:spTree>
-      <p:nvGrpSpPr>
-        <p:cNvPr id="1" name=""/>
-        <p:cNvGrpSpPr/>
-        <p:nvPr/>
-      </p:nvGrpSpPr>
-      <p:grpSpPr>
-        <a:xfrm>
-          <a:off x="0" y="0"/>
-          <a:ext cx="0" cy="0"/>
-          <a:chOff x="0" y="0"/>
-          <a:chExt cx="0" cy="0"/>
-        </a:xfrm>
-      </p:grpSpPr>
-      <p:sp>
-        <p:nvSpPr>
-          <p:cNvPr id="2" name="Título 1"/>
-          <p:cNvSpPr>
-            <a:spLocks noGrp="1"/>
-          </p:cNvSpPr>
-          <p:nvPr>
-            <p:ph type="title"/>
-          </p:nvPr>
-        </p:nvSpPr>
-        <p:spPr/>
-        <p:txBody>
-          <a:bodyPr/>
-          <a:lstStyle/>
-          <a:p>
-            <a:r>
-              <a:rPr lang="en-US" dirty="0" smtClean="0"/>
-              <a:t>2.1.  GPIO</a:t>
-            </a:r>
-            <a:endParaRPr lang="en-US" dirty="0"/>
-          </a:p>
-        </p:txBody>
-      </p:sp>
-      <p:sp>
-        <p:nvSpPr>
-          <p:cNvPr id="3" name="Marcador de contenido 2"/>
-          <p:cNvSpPr>
-            <a:spLocks noGrp="1"/>
-          </p:cNvSpPr>
-          <p:nvPr>
-            <p:ph idx="1"/>
-          </p:nvPr>
-        </p:nvSpPr>
-        <p:spPr>
-          <a:xfrm>
-            <a:off x="1945936" y="1700808"/>
-            <a:ext cx="6591985" cy="4248472"/>
-          </a:xfrm>
-        </p:spPr>
-        <p:txBody>
-          <a:bodyPr>
-            <a:normAutofit/>
-          </a:bodyPr>
-          <a:lstStyle/>
-          <a:p>
-            <a:r>
-              <a:rPr lang="en-US" dirty="0" smtClean="0"/>
-              <a:t>Used to read or write simple High or Low States on a Pin</a:t>
-            </a:r>
-          </a:p>
-          <a:p>
-            <a:endParaRPr lang="en-US" dirty="0" smtClean="0"/>
-          </a:p>
-          <a:p>
-            <a:r>
-              <a:rPr lang="en-US" dirty="0" smtClean="0"/>
-              <a:t>I/O Ports are controlled and enabled or disabled through the file system</a:t>
-            </a:r>
-          </a:p>
-          <a:p>
-            <a:endParaRPr lang="en-US" dirty="0" smtClean="0"/>
-          </a:p>
-          <a:p>
-            <a:pPr lvl="1"/>
-            <a:r>
-              <a:rPr lang="en-US" dirty="0" smtClean="0"/>
-              <a:t>SYSFS </a:t>
-            </a:r>
-            <a:r>
-              <a:rPr lang="en-US" dirty="0" smtClean="0">
-                <a:sym typeface="Wingdings" panose="05000000000000000000" pitchFamily="2" charset="2"/>
-              </a:rPr>
-              <a:t> </a:t>
-            </a:r>
-            <a:r>
-              <a:rPr lang="en-US" dirty="0" smtClean="0">
-                <a:latin typeface="Consolas" panose="020B0609020204030204" pitchFamily="49" charset="0"/>
-                <a:cs typeface="Consolas" panose="020B0609020204030204" pitchFamily="49" charset="0"/>
-                <a:sym typeface="Wingdings" panose="05000000000000000000" pitchFamily="2" charset="2"/>
-              </a:rPr>
-              <a:t>/sys/class/</a:t>
-            </a:r>
-            <a:r>
-              <a:rPr lang="en-US" dirty="0" err="1" smtClean="0">
-                <a:latin typeface="Consolas" panose="020B0609020204030204" pitchFamily="49" charset="0"/>
-                <a:cs typeface="Consolas" panose="020B0609020204030204" pitchFamily="49" charset="0"/>
-                <a:sym typeface="Wingdings" panose="05000000000000000000" pitchFamily="2" charset="2"/>
-              </a:rPr>
-              <a:t>gpio</a:t>
-            </a:r>
-            <a:r>
-              <a:rPr lang="en-US" dirty="0" smtClean="0">
-                <a:latin typeface="Consolas" panose="020B0609020204030204" pitchFamily="49" charset="0"/>
-                <a:cs typeface="Consolas" panose="020B0609020204030204" pitchFamily="49" charset="0"/>
-                <a:sym typeface="Wingdings" panose="05000000000000000000" pitchFamily="2" charset="2"/>
-              </a:rPr>
-              <a:t>/</a:t>
-            </a:r>
-          </a:p>
-          <a:p>
-            <a:pPr lvl="1"/>
-            <a:endParaRPr lang="en-US" dirty="0" smtClean="0">
-              <a:latin typeface="Consolas" panose="020B0609020204030204" pitchFamily="49" charset="0"/>
-              <a:cs typeface="Consolas" panose="020B0609020204030204" pitchFamily="49" charset="0"/>
-              <a:sym typeface="Wingdings" panose="05000000000000000000" pitchFamily="2" charset="2"/>
-            </a:endParaRPr>
-          </a:p>
-          <a:p>
-            <a:pPr lvl="1"/>
-            <a:r>
-              <a:rPr lang="en-US" dirty="0" smtClean="0">
-                <a:latin typeface="Consolas" panose="020B0609020204030204" pitchFamily="49" charset="0"/>
-                <a:cs typeface="Consolas" panose="020B0609020204030204" pitchFamily="49" charset="0"/>
-                <a:sym typeface="Wingdings" panose="05000000000000000000" pitchFamily="2" charset="2"/>
-              </a:rPr>
-              <a:t>Direction</a:t>
-            </a:r>
-          </a:p>
-          <a:p>
-            <a:pPr lvl="1"/>
-            <a:endParaRPr lang="en-US" dirty="0" smtClean="0">
-              <a:latin typeface="Consolas" panose="020B0609020204030204" pitchFamily="49" charset="0"/>
-              <a:cs typeface="Consolas" panose="020B0609020204030204" pitchFamily="49" charset="0"/>
-              <a:sym typeface="Wingdings" panose="05000000000000000000" pitchFamily="2" charset="2"/>
-            </a:endParaRPr>
-          </a:p>
-          <a:p>
-            <a:pPr lvl="1"/>
-            <a:r>
-              <a:rPr lang="en-US" dirty="0" smtClean="0">
-                <a:latin typeface="Consolas" panose="020B0609020204030204" pitchFamily="49" charset="0"/>
-                <a:cs typeface="Consolas" panose="020B0609020204030204" pitchFamily="49" charset="0"/>
-                <a:sym typeface="Wingdings" panose="05000000000000000000" pitchFamily="2" charset="2"/>
-              </a:rPr>
-              <a:t>State</a:t>
-            </a:r>
-            <a:endParaRPr lang="en-US" dirty="0">
-              <a:latin typeface="Consolas" panose="020B0609020204030204" pitchFamily="49" charset="0"/>
-              <a:cs typeface="Consolas" panose="020B0609020204030204" pitchFamily="49" charset="0"/>
-              <a:sym typeface="Wingdings" panose="05000000000000000000" pitchFamily="2" charset="2"/>
-            </a:endParaRPr>
-          </a:p>
-          <a:p>
-            <a:endParaRPr lang="en-US" dirty="0">
-              <a:latin typeface="Consolas" panose="020B0609020204030204" pitchFamily="49" charset="0"/>
-              <a:cs typeface="Consolas" panose="020B0609020204030204" pitchFamily="49" charset="0"/>
-            </a:endParaRPr>
-          </a:p>
-        </p:txBody>
-      </p:sp>
-      <p:sp>
-        <p:nvSpPr>
-          <p:cNvPr id="4" name="Marcador de pie de página 3"/>
-          <p:cNvSpPr>
-            <a:spLocks noGrp="1"/>
-          </p:cNvSpPr>
-          <p:nvPr>
-            <p:ph type="ftr" sz="quarter" idx="11"/>
-          </p:nvPr>
-        </p:nvSpPr>
-        <p:spPr/>
-        <p:txBody>
-          <a:bodyPr/>
-          <a:lstStyle/>
-          <a:p>
-            <a:r>
-              <a:rPr lang="es-ES" smtClean="0"/>
-              <a:t>IOSharp: .NET Micro Framework on Linux</a:t>
-            </a:r>
-            <a:endParaRPr lang="es-ES"/>
-          </a:p>
-        </p:txBody>
-      </p:sp>
-      <p:sp>
-        <p:nvSpPr>
-          <p:cNvPr id="5" name="Marcador de número de diapositiva 4"/>
-          <p:cNvSpPr>
-            <a:spLocks noGrp="1"/>
-          </p:cNvSpPr>
-          <p:nvPr>
-            <p:ph type="sldNum" sz="quarter" idx="12"/>
-          </p:nvPr>
-        </p:nvSpPr>
-        <p:spPr/>
-        <p:txBody>
-          <a:bodyPr/>
-          <a:lstStyle/>
-          <a:p>
-            <a:fld id="{8EE90C33-BF19-4C36-8633-00054130773A}" type="slidenum">
-              <a:rPr lang="es-ES" smtClean="0"/>
-              <a:t>8</a:t>
-            </a:fld>
-            <a:endParaRPr lang="es-ES"/>
-          </a:p>
-        </p:txBody>
-      </p:sp>
-    </p:spTree>
-    <p:extLst>
-      <p:ext uri="{BB962C8B-B14F-4D97-AF65-F5344CB8AC3E}">
-        <p14:creationId xmlns:p14="http://schemas.microsoft.com/office/powerpoint/2010/main" val="446041234"/>
-      </p:ext>
-    </p:extLst>
-  </p:cSld>
-  <p:clrMapOvr>
-    <a:masterClrMapping/>
-  </p:clrMapOvr>
+  <mc:AlternateContent xmlns:mc="http://schemas.openxmlformats.org/markup-compatibility/2006" xmlns:p14="http://schemas.microsoft.com/office/powerpoint/2010/main">
+    <mc:Choice Requires="p14">
+      <p:transition spd="slow" p14:dur="2000"/>
+    </mc:Choice>
+    <mc:Fallback xmlns="">
+      <p:transition spd="slow"/>
+    </mc:Fallback>
+  </mc:AlternateContent>
   <p:timing>
     <p:tnLst>
       <p:par>
@@ -15280,8 +16566,12 @@
           <a:lstStyle/>
           <a:p>
             <a:r>
-              <a:rPr lang="en-US" dirty="0" smtClean="0"/>
-              <a:t>2.2.  Interrupts</a:t>
+              <a:rPr lang="es-ES" dirty="0" smtClean="0"/>
+              <a:t>2.  </a:t>
+            </a:r>
+            <a:r>
+              <a:rPr lang="es-ES" dirty="0" err="1" smtClean="0"/>
+              <a:t>IOSharp</a:t>
             </a:r>
             <a:endParaRPr lang="en-US" dirty="0"/>
           </a:p>
@@ -15289,56 +16579,34 @@
       </p:sp>
       <p:sp>
         <p:nvSpPr>
-          <p:cNvPr id="3" name="Marcador de contenido 2"/>
-          <p:cNvSpPr>
-            <a:spLocks noGrp="1"/>
-          </p:cNvSpPr>
-          <p:nvPr>
-            <p:ph idx="1"/>
-          </p:nvPr>
-        </p:nvSpPr>
-        <p:spPr>
-          <a:xfrm>
-            <a:off x="1942415" y="1700808"/>
-            <a:ext cx="6591985" cy="3777622"/>
-          </a:xfrm>
-        </p:spPr>
+          <p:cNvPr id="4" name="Marcador de pie de página 3"/>
+          <p:cNvSpPr>
+            <a:spLocks noGrp="1"/>
+          </p:cNvSpPr>
+          <p:nvPr>
+            <p:ph type="ftr" sz="quarter" idx="11"/>
+          </p:nvPr>
+        </p:nvSpPr>
+        <p:spPr/>
         <p:txBody>
           <a:bodyPr/>
           <a:lstStyle/>
           <a:p>
             <a:r>
-              <a:rPr lang="en-US" dirty="0" smtClean="0"/>
-              <a:t>Polling from a GPIO using the Poll function</a:t>
-            </a:r>
-          </a:p>
-          <a:p>
-            <a:r>
-              <a:rPr lang="en-US" dirty="0" smtClean="0"/>
-              <a:t>P/Invokes are required for cross-language calls</a:t>
-            </a:r>
-            <a:endParaRPr lang="en-US" dirty="0"/>
-          </a:p>
-        </p:txBody>
-      </p:sp>
-      <p:sp>
-        <p:nvSpPr>
-          <p:cNvPr id="4" name="Marcador de pie de página 3"/>
-          <p:cNvSpPr>
-            <a:spLocks noGrp="1"/>
-          </p:cNvSpPr>
-          <p:nvPr>
-            <p:ph type="ftr" sz="quarter" idx="11"/>
-          </p:nvPr>
-        </p:nvSpPr>
-        <p:spPr/>
-        <p:txBody>
-          <a:bodyPr/>
-          <a:lstStyle/>
-          <a:p>
-            <a:r>
-              <a:rPr lang="es-ES" smtClean="0"/>
-              <a:t>IOSharp: .NET Micro Framework on Linux</a:t>
+              <a:rPr lang="es-ES" dirty="0" err="1" smtClean="0"/>
+              <a:t>IOSharp</a:t>
+            </a:r>
+            <a:r>
+              <a:rPr lang="es-ES" dirty="0" smtClean="0"/>
+              <a:t>: .NET Micro Framework </a:t>
+            </a:r>
+            <a:r>
+              <a:rPr lang="es-ES" dirty="0" err="1" smtClean="0"/>
+              <a:t>on</a:t>
+            </a:r>
+            <a:r>
+              <a:rPr lang="es-ES" dirty="0" smtClean="0"/>
+              <a:t> Linux</a:t>
             </a:r>
             <a:endParaRPr lang="es-ES" dirty="0"/>
           </a:p>
@@ -15367,67 +16635,217 @@
           </a:p>
         </p:txBody>
       </p:sp>
-      <p:graphicFrame>
-        <p:nvGraphicFramePr>
-          <p:cNvPr id="6" name="Objeto 5"/>
-          <p:cNvGraphicFramePr>
-            <a:graphicFrameLocks noChangeAspect="1"/>
-          </p:cNvGraphicFramePr>
-          <p:nvPr>
-            <p:extLst>
-              <p:ext uri="{D42A27DB-BD31-4B8C-83A1-F6EECF244321}">
-                <p14:modId xmlns:p14="http://schemas.microsoft.com/office/powerpoint/2010/main" val="171863356"/>
-              </p:ext>
-            </p:extLst>
-          </p:nvPr>
-        </p:nvGraphicFramePr>
-        <p:xfrm>
-          <a:off x="2622455" y="2562379"/>
-          <a:ext cx="5231904" cy="3445700"/>
-        </p:xfrm>
-        <a:graphic>
-          <a:graphicData uri="http://schemas.openxmlformats.org/presentationml/2006/ole">
-            <mc:AlternateContent xmlns:mc="http://schemas.openxmlformats.org/markup-compatibility/2006">
-              <mc:Choice xmlns:v="urn:schemas-microsoft-com:vml" Requires="v">
-                <p:oleObj spid="_x0000_s3200" name="Visio" r:id="rId3" imgW="10572660" imgH="6962865" progId="Visio.Drawing.15">
-                  <p:embed/>
-                </p:oleObj>
-              </mc:Choice>
-              <mc:Fallback>
-                <p:oleObj name="Visio" r:id="rId3" imgW="10572660" imgH="6962865" progId="Visio.Drawing.15">
-                  <p:embed/>
-                  <p:pic>
-                    <p:nvPicPr>
-                      <p:cNvPr id="0" name=""/>
-                      <p:cNvPicPr/>
-                      <p:nvPr/>
-                    </p:nvPicPr>
-                    <p:blipFill>
-                      <a:blip r:embed="rId4"/>
-                      <a:stretch>
-                        <a:fillRect/>
-                      </a:stretch>
-                    </p:blipFill>
-                    <p:spPr>
-                      <a:xfrm>
-                        <a:off x="2622455" y="2562379"/>
-                        <a:ext cx="5231904" cy="3445700"/>
-                      </a:xfrm>
-                      <a:prstGeom prst="rect">
-                        <a:avLst/>
-                      </a:prstGeom>
-                    </p:spPr>
-                  </p:pic>
-                </p:oleObj>
-              </mc:Fallback>
-            </mc:AlternateContent>
-          </a:graphicData>
-        </a:graphic>
-      </p:graphicFrame>
+      <p:pic>
+        <p:nvPicPr>
+          <p:cNvPr id="7" name="Imagen 6"/>
+          <p:cNvPicPr>
+            <a:picLocks noChangeAspect="1"/>
+          </p:cNvPicPr>
+          <p:nvPr/>
+        </p:nvPicPr>
+        <p:blipFill>
+          <a:blip r:embed="rId2"/>
+          <a:stretch>
+            <a:fillRect/>
+          </a:stretch>
+        </p:blipFill>
+        <p:spPr>
+          <a:xfrm>
+            <a:off x="4932040" y="2300594"/>
+            <a:ext cx="3980168" cy="3499644"/>
+          </a:xfrm>
+          <a:prstGeom prst="rect">
+            <a:avLst/>
+          </a:prstGeom>
+        </p:spPr>
+      </p:pic>
+      <p:pic>
+        <p:nvPicPr>
+          <p:cNvPr id="8" name="Imagen 7"/>
+          <p:cNvPicPr>
+            <a:picLocks noChangeAspect="1"/>
+          </p:cNvPicPr>
+          <p:nvPr/>
+        </p:nvPicPr>
+        <p:blipFill>
+          <a:blip r:embed="rId2"/>
+          <a:stretch>
+            <a:fillRect/>
+          </a:stretch>
+        </p:blipFill>
+        <p:spPr>
+          <a:xfrm>
+            <a:off x="889205" y="3333344"/>
+            <a:ext cx="3965178" cy="2448272"/>
+          </a:xfrm>
+          <a:prstGeom prst="rect">
+            <a:avLst/>
+          </a:prstGeom>
+        </p:spPr>
+      </p:pic>
+      <p:sp>
+        <p:nvSpPr>
+          <p:cNvPr id="9" name="CuadroTexto 8"/>
+          <p:cNvSpPr txBox="1"/>
+          <p:nvPr/>
+        </p:nvSpPr>
+        <p:spPr>
+          <a:xfrm>
+            <a:off x="1475656" y="5804824"/>
+            <a:ext cx="5887773" cy="307777"/>
+          </a:xfrm>
+          <a:prstGeom prst="rect">
+            <a:avLst/>
+          </a:prstGeom>
+          <a:noFill/>
+        </p:spPr>
+        <p:txBody>
+          <a:bodyPr wrap="square" rtlCol="0">
+            <a:spAutoFit/>
+          </a:bodyPr>
+          <a:lstStyle/>
+          <a:p>
+            <a:r>
+              <a:rPr lang="en-US" sz="1400" b="1" dirty="0" smtClean="0"/>
+              <a:t>Fig. 3: </a:t>
+            </a:r>
+            <a:r>
+              <a:rPr lang="en-US" sz="1400" dirty="0" smtClean="0"/>
+              <a:t>Original NETMF stack compared with </a:t>
+            </a:r>
+            <a:r>
+              <a:rPr lang="en-US" sz="1400" dirty="0" err="1" smtClean="0"/>
+              <a:t>IOSharp</a:t>
+            </a:r>
+            <a:r>
+              <a:rPr lang="en-US" sz="1400" dirty="0" smtClean="0"/>
+              <a:t> stack</a:t>
+            </a:r>
+            <a:endParaRPr lang="en-US" sz="1400" dirty="0"/>
+          </a:p>
+        </p:txBody>
+      </p:sp>
+      <p:sp>
+        <p:nvSpPr>
+          <p:cNvPr id="3" name="CuadroTexto 2"/>
+          <p:cNvSpPr txBox="1"/>
+          <p:nvPr/>
+        </p:nvSpPr>
+        <p:spPr>
+          <a:xfrm>
+            <a:off x="889204" y="1592113"/>
+            <a:ext cx="3898819" cy="1856919"/>
+          </a:xfrm>
+          <a:prstGeom prst="rect">
+            <a:avLst/>
+          </a:prstGeom>
+          <a:noFill/>
+        </p:spPr>
+        <p:txBody>
+          <a:bodyPr wrap="square" rtlCol="0">
+            <a:spAutoFit/>
+          </a:bodyPr>
+          <a:lstStyle/>
+          <a:p>
+            <a:pPr marL="285750" indent="-285750" defTabSz="457200">
+              <a:spcBef>
+                <a:spcPts val="1000"/>
+              </a:spcBef>
+              <a:buClr>
+                <a:schemeClr val="accent1"/>
+              </a:buClr>
+              <a:buFont typeface="Wingdings 3" charset="2"/>
+              <a:buChar char=""/>
+            </a:pPr>
+            <a:r>
+              <a:rPr lang="en-US" sz="1600" dirty="0">
+                <a:solidFill>
+                  <a:schemeClr val="tx1">
+                    <a:lumMod val="75000"/>
+                    <a:lumOff val="25000"/>
+                  </a:schemeClr>
+                </a:solidFill>
+              </a:rPr>
+              <a:t>NETMF implementation on a High-Level basis</a:t>
+            </a:r>
+          </a:p>
+          <a:p>
+            <a:pPr marL="742950" lvl="1" indent="-285750" defTabSz="457200">
+              <a:spcBef>
+                <a:spcPts val="1000"/>
+              </a:spcBef>
+              <a:buClr>
+                <a:schemeClr val="accent1"/>
+              </a:buClr>
+              <a:buFont typeface="Wingdings 3" charset="2"/>
+              <a:buChar char=""/>
+            </a:pPr>
+            <a:r>
+              <a:rPr lang="en-US" sz="1600" dirty="0">
+                <a:solidFill>
+                  <a:schemeClr val="tx1">
+                    <a:lumMod val="75000"/>
+                    <a:lumOff val="25000"/>
+                  </a:schemeClr>
+                </a:solidFill>
+              </a:rPr>
+              <a:t>C# with Mono on Linux</a:t>
+            </a:r>
+          </a:p>
+          <a:p>
+            <a:pPr marL="742950" lvl="1" indent="-285750" defTabSz="457200">
+              <a:spcBef>
+                <a:spcPts val="1000"/>
+              </a:spcBef>
+              <a:buClr>
+                <a:schemeClr val="accent1"/>
+              </a:buClr>
+              <a:buFont typeface="Wingdings 3" charset="2"/>
+              <a:buChar char=""/>
+            </a:pPr>
+            <a:r>
+              <a:rPr lang="en-US" sz="1600" dirty="0">
+                <a:solidFill>
+                  <a:schemeClr val="tx1">
+                    <a:lumMod val="75000"/>
+                    <a:lumOff val="25000"/>
+                  </a:schemeClr>
+                </a:solidFill>
+              </a:rPr>
+              <a:t>C library for interfacing </a:t>
+            </a:r>
+            <a:r>
+              <a:rPr lang="en-US" sz="1600" dirty="0" smtClean="0">
+                <a:solidFill>
+                  <a:schemeClr val="tx1">
+                    <a:lumMod val="75000"/>
+                    <a:lumOff val="25000"/>
+                  </a:schemeClr>
+                </a:solidFill>
+              </a:rPr>
+              <a:t>with communication </a:t>
+            </a:r>
+            <a:r>
+              <a:rPr lang="en-US" sz="1600" dirty="0">
+                <a:solidFill>
+                  <a:schemeClr val="tx1">
+                    <a:lumMod val="75000"/>
+                    <a:lumOff val="25000"/>
+                  </a:schemeClr>
+                </a:solidFill>
+              </a:rPr>
+              <a:t>protocols</a:t>
+            </a:r>
+          </a:p>
+          <a:p>
+            <a:endParaRPr lang="en-US" dirty="0"/>
+          </a:p>
+        </p:txBody>
+      </p:sp>
     </p:spTree>
     <p:extLst>
       <p:ext uri="{BB962C8B-B14F-4D97-AF65-F5344CB8AC3E}">
-        <p14:creationId xmlns:p14="http://schemas.microsoft.com/office/powerpoint/2010/main" val="261971407"/>
+        <p14:creationId xmlns:p14="http://schemas.microsoft.com/office/powerpoint/2010/main" val="365177257"/>
       </p:ext>
     </p:extLst>
   </p:cSld>
